--- a/4/figs.pptx
+++ b/4/figs.pptx
@@ -6,14 +6,15 @@
     <p:sldMasterId id="2147484090" r:id="rId2"/>
   </p:sldMasterIdLst>
   <p:notesMasterIdLst>
-    <p:notesMasterId r:id="rId5"/>
+    <p:notesMasterId r:id="rId6"/>
   </p:notesMasterIdLst>
   <p:handoutMasterIdLst>
-    <p:handoutMasterId r:id="rId6"/>
+    <p:handoutMasterId r:id="rId7"/>
   </p:handoutMasterIdLst>
   <p:sldIdLst>
     <p:sldId id="395" r:id="rId3"/>
     <p:sldId id="396" r:id="rId4"/>
+    <p:sldId id="397" r:id="rId5"/>
   </p:sldIdLst>
   <p:sldSz cx="9144000" cy="6858000" type="screen4x3"/>
   <p:notesSz cx="6858000" cy="9144000"/>
@@ -247,7 +248,7 @@
           <a:p>
             <a:fld id="{A8C08EB2-D86C-DA4C-AF35-E27FFC1365AA}" type="datetimeFigureOut">
               <a:rPr lang="en-US" smtClean="0"/>
-              <a:t>7/22/18</a:t>
+              <a:t>10/4/19</a:t>
             </a:fld>
             <a:endParaRPr lang="en-US"/>
           </a:p>
@@ -12068,14 +12069,14 @@
               <a:effectLst/>
               <a:extLst>
                 <a:ext uri="{909E8E84-426E-40dd-AFC4-6F175D3DCCD1}">
-                  <a14:hiddenFill xmlns="" xmlns:a14="http://schemas.microsoft.com/office/drawing/2010/main">
+                  <a14:hiddenFill xmlns:a14="http://schemas.microsoft.com/office/drawing/2010/main" xmlns="">
                     <a:solidFill>
                       <a:schemeClr val="accent1"/>
                     </a:solidFill>
                   </a14:hiddenFill>
                 </a:ext>
                 <a:ext uri="{91240B29-F687-4f45-9708-019B960494DF}">
-                  <a14:hiddenLine xmlns="" xmlns:a14="http://schemas.microsoft.com/office/drawing/2010/main" w="9525" cap="flat" cmpd="sng" algn="ctr">
+                  <a14:hiddenLine xmlns:a14="http://schemas.microsoft.com/office/drawing/2010/main" xmlns="" w="9525" cap="flat" cmpd="sng" algn="ctr">
                     <a:solidFill>
                       <a:schemeClr val="tx1"/>
                     </a:solidFill>
@@ -12086,7 +12087,7 @@
                   </a14:hiddenLine>
                 </a:ext>
                 <a:ext uri="{AF507438-7753-43e0-B8FC-AC1667EBCBE1}">
-                  <a14:hiddenEffects xmlns="" xmlns:a14="http://schemas.microsoft.com/office/drawing/2010/main">
+                  <a14:hiddenEffects xmlns:a14="http://schemas.microsoft.com/office/drawing/2010/main" xmlns="">
                     <a:effectLst>
                       <a:outerShdw blurRad="63500" dist="35921" dir="2700000" algn="ctr" rotWithShape="0">
                         <a:schemeClr val="bg2"/>
@@ -12153,14 +12154,14 @@
               <a:effectLst/>
               <a:extLst>
                 <a:ext uri="{909E8E84-426E-40dd-AFC4-6F175D3DCCD1}">
-                  <a14:hiddenFill xmlns="" xmlns:a14="http://schemas.microsoft.com/office/drawing/2010/main">
+                  <a14:hiddenFill xmlns:a14="http://schemas.microsoft.com/office/drawing/2010/main" xmlns="">
                     <a:solidFill>
                       <a:schemeClr val="accent1"/>
                     </a:solidFill>
                   </a14:hiddenFill>
                 </a:ext>
                 <a:ext uri="{91240B29-F687-4f45-9708-019B960494DF}">
-                  <a14:hiddenLine xmlns="" xmlns:a14="http://schemas.microsoft.com/office/drawing/2010/main" w="9525" cap="flat" cmpd="sng" algn="ctr">
+                  <a14:hiddenLine xmlns:a14="http://schemas.microsoft.com/office/drawing/2010/main" xmlns="" w="9525" cap="flat" cmpd="sng" algn="ctr">
                     <a:solidFill>
                       <a:schemeClr val="tx1"/>
                     </a:solidFill>
@@ -12171,7 +12172,7 @@
                   </a14:hiddenLine>
                 </a:ext>
                 <a:ext uri="{AF507438-7753-43e0-B8FC-AC1667EBCBE1}">
-                  <a14:hiddenEffects xmlns="" xmlns:a14="http://schemas.microsoft.com/office/drawing/2010/main">
+                  <a14:hiddenEffects xmlns:a14="http://schemas.microsoft.com/office/drawing/2010/main" xmlns="">
                     <a:effectLst>
                       <a:outerShdw blurRad="63500" dist="35921" dir="2700000" algn="ctr" rotWithShape="0">
                         <a:schemeClr val="bg2"/>
@@ -12238,14 +12239,14 @@
               <a:effectLst/>
               <a:extLst>
                 <a:ext uri="{909E8E84-426E-40dd-AFC4-6F175D3DCCD1}">
-                  <a14:hiddenFill xmlns="" xmlns:a14="http://schemas.microsoft.com/office/drawing/2010/main">
+                  <a14:hiddenFill xmlns:a14="http://schemas.microsoft.com/office/drawing/2010/main" xmlns="">
                     <a:solidFill>
                       <a:schemeClr val="accent1"/>
                     </a:solidFill>
                   </a14:hiddenFill>
                 </a:ext>
                 <a:ext uri="{91240B29-F687-4f45-9708-019B960494DF}">
-                  <a14:hiddenLine xmlns="" xmlns:a14="http://schemas.microsoft.com/office/drawing/2010/main" w="9525" cap="flat" cmpd="sng" algn="ctr">
+                  <a14:hiddenLine xmlns:a14="http://schemas.microsoft.com/office/drawing/2010/main" xmlns="" w="9525" cap="flat" cmpd="sng" algn="ctr">
                     <a:solidFill>
                       <a:schemeClr val="tx1"/>
                     </a:solidFill>
@@ -12256,7 +12257,7 @@
                   </a14:hiddenLine>
                 </a:ext>
                 <a:ext uri="{AF507438-7753-43e0-B8FC-AC1667EBCBE1}">
-                  <a14:hiddenEffects xmlns="" xmlns:a14="http://schemas.microsoft.com/office/drawing/2010/main">
+                  <a14:hiddenEffects xmlns:a14="http://schemas.microsoft.com/office/drawing/2010/main" xmlns="">
                     <a:effectLst>
                       <a:outerShdw blurRad="63500" dist="35921" dir="2700000" algn="ctr" rotWithShape="0">
                         <a:schemeClr val="bg2"/>
@@ -12323,14 +12324,14 @@
               <a:effectLst/>
               <a:extLst>
                 <a:ext uri="{909E8E84-426E-40dd-AFC4-6F175D3DCCD1}">
-                  <a14:hiddenFill xmlns="" xmlns:a14="http://schemas.microsoft.com/office/drawing/2010/main">
+                  <a14:hiddenFill xmlns:a14="http://schemas.microsoft.com/office/drawing/2010/main" xmlns="">
                     <a:solidFill>
                       <a:schemeClr val="accent1"/>
                     </a:solidFill>
                   </a14:hiddenFill>
                 </a:ext>
                 <a:ext uri="{91240B29-F687-4f45-9708-019B960494DF}">
-                  <a14:hiddenLine xmlns="" xmlns:a14="http://schemas.microsoft.com/office/drawing/2010/main" w="9525" cap="flat" cmpd="sng" algn="ctr">
+                  <a14:hiddenLine xmlns:a14="http://schemas.microsoft.com/office/drawing/2010/main" xmlns="" w="9525" cap="flat" cmpd="sng" algn="ctr">
                     <a:solidFill>
                       <a:schemeClr val="tx1"/>
                     </a:solidFill>
@@ -12341,7 +12342,7 @@
                   </a14:hiddenLine>
                 </a:ext>
                 <a:ext uri="{AF507438-7753-43e0-B8FC-AC1667EBCBE1}">
-                  <a14:hiddenEffects xmlns="" xmlns:a14="http://schemas.microsoft.com/office/drawing/2010/main">
+                  <a14:hiddenEffects xmlns:a14="http://schemas.microsoft.com/office/drawing/2010/main" xmlns="">
                     <a:effectLst>
                       <a:outerShdw blurRad="63500" dist="35921" dir="2700000" algn="ctr" rotWithShape="0">
                         <a:schemeClr val="bg2"/>
@@ -12408,14 +12409,14 @@
               <a:effectLst/>
               <a:extLst>
                 <a:ext uri="{909E8E84-426E-40dd-AFC4-6F175D3DCCD1}">
-                  <a14:hiddenFill xmlns="" xmlns:a14="http://schemas.microsoft.com/office/drawing/2010/main">
+                  <a14:hiddenFill xmlns:a14="http://schemas.microsoft.com/office/drawing/2010/main" xmlns="">
                     <a:solidFill>
                       <a:schemeClr val="accent1"/>
                     </a:solidFill>
                   </a14:hiddenFill>
                 </a:ext>
                 <a:ext uri="{91240B29-F687-4f45-9708-019B960494DF}">
-                  <a14:hiddenLine xmlns="" xmlns:a14="http://schemas.microsoft.com/office/drawing/2010/main" w="9525" cap="flat" cmpd="sng" algn="ctr">
+                  <a14:hiddenLine xmlns:a14="http://schemas.microsoft.com/office/drawing/2010/main" xmlns="" w="9525" cap="flat" cmpd="sng" algn="ctr">
                     <a:solidFill>
                       <a:schemeClr val="tx1"/>
                     </a:solidFill>
@@ -12426,7 +12427,7 @@
                   </a14:hiddenLine>
                 </a:ext>
                 <a:ext uri="{AF507438-7753-43e0-B8FC-AC1667EBCBE1}">
-                  <a14:hiddenEffects xmlns="" xmlns:a14="http://schemas.microsoft.com/office/drawing/2010/main">
+                  <a14:hiddenEffects xmlns:a14="http://schemas.microsoft.com/office/drawing/2010/main" xmlns="">
                     <a:effectLst>
                       <a:outerShdw blurRad="63500" dist="35921" dir="2700000" algn="ctr" rotWithShape="0">
                         <a:schemeClr val="bg2"/>
@@ -12460,8 +12461,8 @@
             </p:txBody>
           </p:sp>
         </p:grpSp>
-        <mc:AlternateContent xmlns:mc="http://schemas.openxmlformats.org/markup-compatibility/2006">
-          <mc:Choice xmlns:a14="http://schemas.microsoft.com/office/drawing/2010/main" Requires="a14">
+        <mc:AlternateContent xmlns:mc="http://schemas.openxmlformats.org/markup-compatibility/2006" xmlns:a14="http://schemas.microsoft.com/office/drawing/2010/main">
+          <mc:Choice Requires="a14">
             <p:sp>
               <p:nvSpPr>
                 <p:cNvPr id="12" name="TextBox 11">
@@ -12490,6 +12491,7 @@
                 </a:bodyPr>
                 <a:lstStyle/>
                 <a:p>
+                  <a:pPr/>
                   <a14:m>
                     <m:oMathPara xmlns:m="http://schemas.openxmlformats.org/officeDocument/2006/math">
                       <m:oMathParaPr>
@@ -12522,7 +12524,7 @@
               </p:txBody>
             </p:sp>
           </mc:Choice>
-          <mc:Fallback>
+          <mc:Fallback xmlns="">
             <p:sp>
               <p:nvSpPr>
                 <p:cNvPr id="12" name="TextBox 11">
@@ -12567,8 +12569,8 @@
             </p:sp>
           </mc:Fallback>
         </mc:AlternateContent>
-        <mc:AlternateContent xmlns:mc="http://schemas.openxmlformats.org/markup-compatibility/2006">
-          <mc:Choice xmlns:a14="http://schemas.microsoft.com/office/drawing/2010/main" Requires="a14">
+        <mc:AlternateContent xmlns:mc="http://schemas.openxmlformats.org/markup-compatibility/2006" xmlns:a14="http://schemas.microsoft.com/office/drawing/2010/main">
+          <mc:Choice Requires="a14">
             <p:sp>
               <p:nvSpPr>
                 <p:cNvPr id="13" name="TextBox 12">
@@ -12597,6 +12599,7 @@
                 </a:bodyPr>
                 <a:lstStyle/>
                 <a:p>
+                  <a:pPr/>
                   <a14:m>
                     <m:oMathPara xmlns:m="http://schemas.openxmlformats.org/officeDocument/2006/math">
                       <m:oMathParaPr>
@@ -12701,7 +12704,7 @@
               </p:txBody>
             </p:sp>
           </mc:Choice>
-          <mc:Fallback>
+          <mc:Fallback xmlns="">
             <p:sp>
               <p:nvSpPr>
                 <p:cNvPr id="13" name="TextBox 12">
@@ -12746,8 +12749,8 @@
             </p:sp>
           </mc:Fallback>
         </mc:AlternateContent>
-        <mc:AlternateContent xmlns:mc="http://schemas.openxmlformats.org/markup-compatibility/2006">
-          <mc:Choice xmlns:a14="http://schemas.microsoft.com/office/drawing/2010/main" Requires="a14">
+        <mc:AlternateContent xmlns:mc="http://schemas.openxmlformats.org/markup-compatibility/2006" xmlns:a14="http://schemas.microsoft.com/office/drawing/2010/main">
+          <mc:Choice Requires="a14">
             <p:sp>
               <p:nvSpPr>
                 <p:cNvPr id="14" name="TextBox 13">
@@ -12776,6 +12779,7 @@
                 </a:bodyPr>
                 <a:lstStyle/>
                 <a:p>
+                  <a:pPr/>
                   <a14:m>
                     <m:oMathPara xmlns:m="http://schemas.openxmlformats.org/officeDocument/2006/math">
                       <m:oMathParaPr>
@@ -12830,7 +12834,7 @@
               </p:txBody>
             </p:sp>
           </mc:Choice>
-          <mc:Fallback>
+          <mc:Fallback xmlns="">
             <p:sp>
               <p:nvSpPr>
                 <p:cNvPr id="14" name="TextBox 13">
@@ -12875,8 +12879,8 @@
             </p:sp>
           </mc:Fallback>
         </mc:AlternateContent>
-        <mc:AlternateContent xmlns:mc="http://schemas.openxmlformats.org/markup-compatibility/2006">
-          <mc:Choice xmlns:a14="http://schemas.microsoft.com/office/drawing/2010/main" Requires="a14">
+        <mc:AlternateContent xmlns:mc="http://schemas.openxmlformats.org/markup-compatibility/2006" xmlns:a14="http://schemas.microsoft.com/office/drawing/2010/main">
+          <mc:Choice Requires="a14">
             <p:sp>
               <p:nvSpPr>
                 <p:cNvPr id="15" name="TextBox 14">
@@ -12905,6 +12909,7 @@
                 </a:bodyPr>
                 <a:lstStyle/>
                 <a:p>
+                  <a:pPr/>
                   <a14:m>
                     <m:oMathPara xmlns:m="http://schemas.openxmlformats.org/officeDocument/2006/math">
                       <m:oMathParaPr>
@@ -12937,7 +12942,7 @@
               </p:txBody>
             </p:sp>
           </mc:Choice>
-          <mc:Fallback>
+          <mc:Fallback xmlns="">
             <p:sp>
               <p:nvSpPr>
                 <p:cNvPr id="15" name="TextBox 14">
@@ -12982,8 +12987,8 @@
             </p:sp>
           </mc:Fallback>
         </mc:AlternateContent>
-        <mc:AlternateContent xmlns:mc="http://schemas.openxmlformats.org/markup-compatibility/2006">
-          <mc:Choice xmlns:a14="http://schemas.microsoft.com/office/drawing/2010/main" Requires="a14">
+        <mc:AlternateContent xmlns:mc="http://schemas.openxmlformats.org/markup-compatibility/2006" xmlns:a14="http://schemas.microsoft.com/office/drawing/2010/main">
+          <mc:Choice Requires="a14">
             <p:sp>
               <p:nvSpPr>
                 <p:cNvPr id="16" name="TextBox 15">
@@ -13012,6 +13017,7 @@
                 </a:bodyPr>
                 <a:lstStyle/>
                 <a:p>
+                  <a:pPr/>
                   <a14:m>
                     <m:oMathPara xmlns:m="http://schemas.openxmlformats.org/officeDocument/2006/math">
                       <m:oMathParaPr>
@@ -13073,7 +13079,7 @@
               </p:txBody>
             </p:sp>
           </mc:Choice>
-          <mc:Fallback>
+          <mc:Fallback xmlns="">
             <p:sp>
               <p:nvSpPr>
                 <p:cNvPr id="16" name="TextBox 15">
@@ -13149,10 +13155,1150 @@
           <a:chExt cx="0" cy="0"/>
         </a:xfrm>
       </p:grpSpPr>
+      <p:grpSp>
+        <p:nvGrpSpPr>
+          <p:cNvPr id="8" name="Group 7">
+            <a:extLst>
+              <a:ext uri="{FF2B5EF4-FFF2-40B4-BE49-F238E27FC236}">
+                <a16:creationId xmlns:a16="http://schemas.microsoft.com/office/drawing/2014/main" id="{16375079-A050-684C-A8BB-4CF8FB5E13EF}"/>
+              </a:ext>
+            </a:extLst>
+          </p:cNvPr>
+          <p:cNvGrpSpPr/>
+          <p:nvPr/>
+        </p:nvGrpSpPr>
+        <p:grpSpPr>
+          <a:xfrm>
+            <a:off x="1251284" y="573504"/>
+            <a:ext cx="5594684" cy="2826860"/>
+            <a:chOff x="1251284" y="573504"/>
+            <a:chExt cx="5594684" cy="2826860"/>
+          </a:xfrm>
+        </p:grpSpPr>
+        <p:sp>
+          <p:nvSpPr>
+            <p:cNvPr id="5" name="Rounded Rectangle 4">
+              <a:extLst>
+                <a:ext uri="{FF2B5EF4-FFF2-40B4-BE49-F238E27FC236}">
+                  <a16:creationId xmlns:a16="http://schemas.microsoft.com/office/drawing/2014/main" id="{0E2FC1C9-AF2A-E346-8C4A-AE2C9F164AE8}"/>
+                </a:ext>
+              </a:extLst>
+            </p:cNvPr>
+            <p:cNvSpPr/>
+            <p:nvPr/>
+          </p:nvSpPr>
+          <p:spPr bwMode="auto">
+            <a:xfrm>
+              <a:off x="1251284" y="1347537"/>
+              <a:ext cx="5594684" cy="1455821"/>
+            </a:xfrm>
+            <a:prstGeom prst="roundRect">
+              <a:avLst/>
+            </a:prstGeom>
+            <a:solidFill>
+              <a:schemeClr val="bg1"/>
+            </a:solidFill>
+            <a:ln>
+              <a:solidFill>
+                <a:schemeClr val="bg1">
+                  <a:lumMod val="75000"/>
+                </a:schemeClr>
+              </a:solidFill>
+            </a:ln>
+            <a:effectLst/>
+            <a:extLst>
+              <a:ext uri="{909E8E84-426E-40dd-AFC4-6F175D3DCCD1}">
+                <a14:hiddenFill xmlns:a14="http://schemas.microsoft.com/office/drawing/2010/main" xmlns="">
+                  <a:solidFill>
+                    <a:schemeClr val="accent1"/>
+                  </a:solidFill>
+                </a14:hiddenFill>
+              </a:ext>
+              <a:ext uri="{91240B29-F687-4f45-9708-019B960494DF}">
+                <a14:hiddenLine xmlns:a14="http://schemas.microsoft.com/office/drawing/2010/main" xmlns="" w="9525" cap="flat" cmpd="sng" algn="ctr">
+                  <a:solidFill>
+                    <a:schemeClr val="tx1"/>
+                  </a:solidFill>
+                  <a:prstDash val="solid"/>
+                  <a:round/>
+                  <a:headEnd type="none" w="med" len="med"/>
+                  <a:tailEnd type="none" w="med" len="med"/>
+                </a14:hiddenLine>
+              </a:ext>
+              <a:ext uri="{AF507438-7753-43e0-B8FC-AC1667EBCBE1}">
+                <a14:hiddenEffects xmlns:a14="http://schemas.microsoft.com/office/drawing/2010/main" xmlns="">
+                  <a:effectLst>
+                    <a:outerShdw blurRad="63500" dist="35921" dir="2700000" algn="ctr" rotWithShape="0">
+                      <a:schemeClr val="bg2"/>
+                    </a:outerShdw>
+                  </a:effectLst>
+                </a14:hiddenEffects>
+              </a:ext>
+            </a:extLst>
+          </p:spPr>
+          <p:txBody>
+            <a:bodyPr vert="horz" wrap="square" lIns="91440" tIns="45720" rIns="91440" bIns="45720" numCol="1" rtlCol="0" anchor="t" anchorCtr="0" compatLnSpc="1">
+              <a:prstTxWarp prst="textNoShape">
+                <a:avLst/>
+              </a:prstTxWarp>
+            </a:bodyPr>
+            <a:lstStyle/>
+            <a:p>
+              <a:pPr algn="ctr"/>
+              <a:endParaRPr lang="en-US" dirty="0">
+                <a:solidFill>
+                  <a:schemeClr val="tx1">
+                    <a:lumMod val="65000"/>
+                    <a:lumOff val="35000"/>
+                  </a:schemeClr>
+                </a:solidFill>
+                <a:latin typeface="Hiragino Kaku Gothic Pro W3" charset="-128"/>
+                <a:ea typeface="Hiragino Kaku Gothic Pro W3" charset="-128"/>
+                <a:cs typeface="Hiragino Kaku Gothic Pro W3" charset="-128"/>
+              </a:endParaRPr>
+            </a:p>
+          </p:txBody>
+        </p:sp>
+        <p:sp>
+          <p:nvSpPr>
+            <p:cNvPr id="2" name="TextBox 1">
+              <a:extLst>
+                <a:ext uri="{FF2B5EF4-FFF2-40B4-BE49-F238E27FC236}">
+                  <a16:creationId xmlns:a16="http://schemas.microsoft.com/office/drawing/2014/main" id="{DD726BC9-E780-5441-A416-E2113C632FD4}"/>
+                </a:ext>
+              </a:extLst>
+            </p:cNvPr>
+            <p:cNvSpPr txBox="1"/>
+            <p:nvPr/>
+          </p:nvSpPr>
+          <p:spPr>
+            <a:xfrm>
+              <a:off x="1914497" y="1961144"/>
+              <a:ext cx="1374094" cy="430887"/>
+            </a:xfrm>
+            <a:prstGeom prst="rect">
+              <a:avLst/>
+            </a:prstGeom>
+            <a:noFill/>
+            <a:ln>
+              <a:solidFill>
+                <a:schemeClr val="bg1"/>
+              </a:solidFill>
+            </a:ln>
+          </p:spPr>
+          <p:txBody>
+            <a:bodyPr wrap="none" rtlCol="0">
+              <a:spAutoFit/>
+            </a:bodyPr>
+            <a:lstStyle/>
+            <a:p>
+              <a:pPr algn="ctr"/>
+              <a:r>
+                <a:rPr lang="en-US" dirty="0">
+                  <a:solidFill>
+                    <a:schemeClr val="tx1"/>
+                  </a:solidFill>
+                  <a:latin typeface="IBM Plex Mono" panose="020B0509050203000203" pitchFamily="49" charset="77"/>
+                  <a:ea typeface="Hiragino Kaku Gothic Pro W3" charset="-128"/>
+                  <a:cs typeface="Hiragino Kaku Gothic Pro W3" charset="-128"/>
+                </a:rPr>
+                <a:t>[0 1 2]</a:t>
+              </a:r>
+            </a:p>
+          </p:txBody>
+        </p:sp>
+        <p:sp>
+          <p:nvSpPr>
+            <p:cNvPr id="3" name="TextBox 2">
+              <a:extLst>
+                <a:ext uri="{FF2B5EF4-FFF2-40B4-BE49-F238E27FC236}">
+                  <a16:creationId xmlns:a16="http://schemas.microsoft.com/office/drawing/2014/main" id="{9B4F6F59-7C15-BB43-A4B8-7FEE2F3F2150}"/>
+                </a:ext>
+              </a:extLst>
+            </p:cNvPr>
+            <p:cNvSpPr txBox="1"/>
+            <p:nvPr/>
+          </p:nvSpPr>
+          <p:spPr>
+            <a:xfrm>
+              <a:off x="4813370" y="1961144"/>
+              <a:ext cx="1204176" cy="430887"/>
+            </a:xfrm>
+            <a:prstGeom prst="rect">
+              <a:avLst/>
+            </a:prstGeom>
+            <a:noFill/>
+            <a:ln>
+              <a:solidFill>
+                <a:schemeClr val="bg1"/>
+              </a:solidFill>
+            </a:ln>
+          </p:spPr>
+          <p:txBody>
+            <a:bodyPr wrap="none" rtlCol="0">
+              <a:spAutoFit/>
+            </a:bodyPr>
+            <a:lstStyle/>
+            <a:p>
+              <a:pPr algn="ctr"/>
+              <a:r>
+                <a:rPr lang="en-US" dirty="0">
+                  <a:solidFill>
+                    <a:schemeClr val="tx1"/>
+                  </a:solidFill>
+                  <a:latin typeface="IBM Plex Mono" panose="020B0509050203000203" pitchFamily="49" charset="77"/>
+                  <a:ea typeface="Hiragino Kaku Gothic Pro W3" charset="-128"/>
+                  <a:cs typeface="Hiragino Kaku Gothic Pro W3" charset="-128"/>
+                </a:rPr>
+                <a:t>[0 10]</a:t>
+              </a:r>
+            </a:p>
+          </p:txBody>
+        </p:sp>
+        <p:sp>
+          <p:nvSpPr>
+            <p:cNvPr id="4" name="TextBox 3">
+              <a:extLst>
+                <a:ext uri="{FF2B5EF4-FFF2-40B4-BE49-F238E27FC236}">
+                  <a16:creationId xmlns:a16="http://schemas.microsoft.com/office/drawing/2014/main" id="{57E73922-0C1C-8A4E-903A-4FB9DBE4411D}"/>
+                </a:ext>
+              </a:extLst>
+            </p:cNvPr>
+            <p:cNvSpPr txBox="1"/>
+            <p:nvPr/>
+          </p:nvSpPr>
+          <p:spPr>
+            <a:xfrm>
+              <a:off x="3406415" y="1151020"/>
+              <a:ext cx="1374095" cy="430887"/>
+            </a:xfrm>
+            <a:prstGeom prst="rect">
+              <a:avLst/>
+            </a:prstGeom>
+            <a:solidFill>
+              <a:schemeClr val="bg1"/>
+            </a:solidFill>
+            <a:ln>
+              <a:solidFill>
+                <a:schemeClr val="bg1"/>
+              </a:solidFill>
+            </a:ln>
+          </p:spPr>
+          <p:txBody>
+            <a:bodyPr wrap="none" rtlCol="0">
+              <a:spAutoFit/>
+            </a:bodyPr>
+            <a:lstStyle/>
+            <a:p>
+              <a:pPr algn="ctr"/>
+              <a:r>
+                <a:rPr lang="en-US" dirty="0" err="1">
+                  <a:solidFill>
+                    <a:schemeClr val="tx1"/>
+                  </a:solidFill>
+                  <a:latin typeface="IBM Plex Mono" panose="020B0509050203000203" pitchFamily="49" charset="77"/>
+                  <a:ea typeface="Hiragino Kaku Gothic Pro W3" charset="-128"/>
+                  <a:cs typeface="Hiragino Kaku Gothic Pro W3" charset="-128"/>
+                </a:rPr>
+                <a:t>ndarray</a:t>
+              </a:r>
+              <a:endParaRPr lang="en-US" dirty="0">
+                <a:solidFill>
+                  <a:schemeClr val="tx1"/>
+                </a:solidFill>
+                <a:latin typeface="IBM Plex Mono" panose="020B0509050203000203" pitchFamily="49" charset="77"/>
+                <a:ea typeface="Hiragino Kaku Gothic Pro W3" charset="-128"/>
+                <a:cs typeface="Hiragino Kaku Gothic Pro W3" charset="-128"/>
+              </a:endParaRPr>
+            </a:p>
+          </p:txBody>
+        </p:sp>
+        <p:sp>
+          <p:nvSpPr>
+            <p:cNvPr id="6" name="Rounded Rectangular Callout 5">
+              <a:extLst>
+                <a:ext uri="{FF2B5EF4-FFF2-40B4-BE49-F238E27FC236}">
+                  <a16:creationId xmlns:a16="http://schemas.microsoft.com/office/drawing/2014/main" id="{758DD0B9-C5DC-0B47-ABFD-2AC1CA68AE2B}"/>
+                </a:ext>
+              </a:extLst>
+            </p:cNvPr>
+            <p:cNvSpPr/>
+            <p:nvPr/>
+          </p:nvSpPr>
+          <p:spPr bwMode="auto">
+            <a:xfrm>
+              <a:off x="4393004" y="573504"/>
+              <a:ext cx="1491916" cy="549441"/>
+            </a:xfrm>
+            <a:prstGeom prst="wedgeRoundRectCallout">
+              <a:avLst>
+                <a:gd name="adj1" fmla="val -41801"/>
+                <a:gd name="adj2" fmla="val 66880"/>
+                <a:gd name="adj3" fmla="val 16667"/>
+              </a:avLst>
+            </a:prstGeom>
+            <a:solidFill>
+              <a:schemeClr val="bg1"/>
+            </a:solidFill>
+            <a:ln>
+              <a:solidFill>
+                <a:schemeClr val="bg1">
+                  <a:lumMod val="75000"/>
+                </a:schemeClr>
+              </a:solidFill>
+            </a:ln>
+            <a:effectLst/>
+            <a:extLst>
+              <a:ext uri="{909E8E84-426E-40dd-AFC4-6F175D3DCCD1}">
+                <a14:hiddenFill xmlns:a14="http://schemas.microsoft.com/office/drawing/2010/main" xmlns="">
+                  <a:solidFill>
+                    <a:schemeClr val="accent1"/>
+                  </a:solidFill>
+                </a14:hiddenFill>
+              </a:ext>
+              <a:ext uri="{91240B29-F687-4f45-9708-019B960494DF}">
+                <a14:hiddenLine xmlns:a14="http://schemas.microsoft.com/office/drawing/2010/main" xmlns="" w="9525" cap="flat" cmpd="sng" algn="ctr">
+                  <a:solidFill>
+                    <a:schemeClr val="tx1"/>
+                  </a:solidFill>
+                  <a:prstDash val="solid"/>
+                  <a:round/>
+                  <a:headEnd type="none" w="med" len="med"/>
+                  <a:tailEnd type="none" w="med" len="med"/>
+                </a14:hiddenLine>
+              </a:ext>
+              <a:ext uri="{AF507438-7753-43e0-B8FC-AC1667EBCBE1}">
+                <a14:hiddenEffects xmlns:a14="http://schemas.microsoft.com/office/drawing/2010/main" xmlns="">
+                  <a:effectLst>
+                    <a:outerShdw blurRad="63500" dist="35921" dir="2700000" algn="ctr" rotWithShape="0">
+                      <a:schemeClr val="bg2"/>
+                    </a:outerShdw>
+                  </a:effectLst>
+                </a14:hiddenEffects>
+              </a:ext>
+            </a:extLst>
+          </p:spPr>
+          <p:txBody>
+            <a:bodyPr vert="horz" wrap="square" lIns="91440" tIns="45720" rIns="91440" bIns="45720" numCol="1" rtlCol="0" anchor="ctr" anchorCtr="0" compatLnSpc="1">
+              <a:prstTxWarp prst="textNoShape">
+                <a:avLst/>
+              </a:prstTxWarp>
+            </a:bodyPr>
+            <a:lstStyle/>
+            <a:p>
+              <a:pPr algn="ctr"/>
+              <a:r>
+                <a:rPr lang="ja-JP" altLang="en-US">
+                  <a:solidFill>
+                    <a:schemeClr val="tx1">
+                      <a:lumMod val="65000"/>
+                      <a:lumOff val="35000"/>
+                    </a:schemeClr>
+                  </a:solidFill>
+                  <a:latin typeface="Hiragino Kaku Gothic Pro W3" charset="-128"/>
+                  <a:ea typeface="Hiragino Kaku Gothic Pro W3" charset="-128"/>
+                  <a:cs typeface="Hiragino Kaku Gothic Pro W3" charset="-128"/>
+                </a:rPr>
+                <a:t>型の名前</a:t>
+              </a:r>
+              <a:endParaRPr lang="en-US" altLang="ja-JP" dirty="0">
+                <a:solidFill>
+                  <a:schemeClr val="tx1">
+                    <a:lumMod val="65000"/>
+                    <a:lumOff val="35000"/>
+                  </a:schemeClr>
+                </a:solidFill>
+                <a:latin typeface="Hiragino Kaku Gothic Pro W3" charset="-128"/>
+                <a:ea typeface="Hiragino Kaku Gothic Pro W3" charset="-128"/>
+                <a:cs typeface="Hiragino Kaku Gothic Pro W3" charset="-128"/>
+              </a:endParaRPr>
+            </a:p>
+          </p:txBody>
+        </p:sp>
+        <p:sp>
+          <p:nvSpPr>
+            <p:cNvPr id="7" name="Rounded Rectangular Callout 6">
+              <a:extLst>
+                <a:ext uri="{FF2B5EF4-FFF2-40B4-BE49-F238E27FC236}">
+                  <a16:creationId xmlns:a16="http://schemas.microsoft.com/office/drawing/2014/main" id="{317764D8-4F21-B944-8D43-5F11E7BCA5A8}"/>
+                </a:ext>
+              </a:extLst>
+            </p:cNvPr>
+            <p:cNvSpPr/>
+            <p:nvPr/>
+          </p:nvSpPr>
+          <p:spPr bwMode="auto">
+            <a:xfrm>
+              <a:off x="1512062" y="2599386"/>
+              <a:ext cx="2178963" cy="800978"/>
+            </a:xfrm>
+            <a:prstGeom prst="wedgeRoundRectCallout">
+              <a:avLst>
+                <a:gd name="adj1" fmla="val 5328"/>
+                <a:gd name="adj2" fmla="val -74896"/>
+                <a:gd name="adj3" fmla="val 16667"/>
+              </a:avLst>
+            </a:prstGeom>
+            <a:solidFill>
+              <a:schemeClr val="bg1"/>
+            </a:solidFill>
+            <a:ln>
+              <a:solidFill>
+                <a:schemeClr val="bg1">
+                  <a:lumMod val="75000"/>
+                </a:schemeClr>
+              </a:solidFill>
+            </a:ln>
+            <a:effectLst/>
+            <a:extLst>
+              <a:ext uri="{909E8E84-426E-40dd-AFC4-6F175D3DCCD1}">
+                <a14:hiddenFill xmlns:a14="http://schemas.microsoft.com/office/drawing/2010/main" xmlns="">
+                  <a:solidFill>
+                    <a:schemeClr val="accent1"/>
+                  </a:solidFill>
+                </a14:hiddenFill>
+              </a:ext>
+              <a:ext uri="{91240B29-F687-4f45-9708-019B960494DF}">
+                <a14:hiddenLine xmlns:a14="http://schemas.microsoft.com/office/drawing/2010/main" xmlns="" w="9525" cap="flat" cmpd="sng" algn="ctr">
+                  <a:solidFill>
+                    <a:schemeClr val="tx1"/>
+                  </a:solidFill>
+                  <a:prstDash val="solid"/>
+                  <a:round/>
+                  <a:headEnd type="none" w="med" len="med"/>
+                  <a:tailEnd type="none" w="med" len="med"/>
+                </a14:hiddenLine>
+              </a:ext>
+              <a:ext uri="{AF507438-7753-43e0-B8FC-AC1667EBCBE1}">
+                <a14:hiddenEffects xmlns:a14="http://schemas.microsoft.com/office/drawing/2010/main" xmlns="">
+                  <a:effectLst>
+                    <a:outerShdw blurRad="63500" dist="35921" dir="2700000" algn="ctr" rotWithShape="0">
+                      <a:schemeClr val="bg2"/>
+                    </a:outerShdw>
+                  </a:effectLst>
+                </a14:hiddenEffects>
+              </a:ext>
+            </a:extLst>
+          </p:spPr>
+          <p:txBody>
+            <a:bodyPr vert="horz" wrap="square" lIns="91440" tIns="45720" rIns="91440" bIns="45720" numCol="1" rtlCol="0" anchor="ctr" anchorCtr="0" compatLnSpc="1">
+              <a:prstTxWarp prst="textNoShape">
+                <a:avLst/>
+              </a:prstTxWarp>
+            </a:bodyPr>
+            <a:lstStyle/>
+            <a:p>
+              <a:pPr algn="ctr"/>
+              <a:r>
+                <a:rPr lang="en-US" dirty="0" err="1">
+                  <a:solidFill>
+                    <a:schemeClr val="tx1"/>
+                  </a:solidFill>
+                  <a:latin typeface="IBM Plex Mono" panose="020B0509050203000203" pitchFamily="49" charset="77"/>
+                  <a:ea typeface="Hiragino Kaku Gothic Pro W3" charset="-128"/>
+                  <a:cs typeface="Hiragino Kaku Gothic Pro W3" charset="-128"/>
+                </a:rPr>
+                <a:t>ndarray</a:t>
+              </a:r>
+              <a:r>
+                <a:rPr lang="ja-JP" altLang="en-US">
+                  <a:solidFill>
+                    <a:schemeClr val="tx1">
+                      <a:lumMod val="65000"/>
+                      <a:lumOff val="35000"/>
+                    </a:schemeClr>
+                  </a:solidFill>
+                  <a:latin typeface="Hiragino Kaku Gothic Pro W3" charset="-128"/>
+                  <a:ea typeface="Hiragino Kaku Gothic Pro W3" charset="-128"/>
+                  <a:cs typeface="Hiragino Kaku Gothic Pro W3" charset="-128"/>
+                </a:rPr>
+                <a:t>型のオブジェクト</a:t>
+              </a:r>
+              <a:endParaRPr lang="en-US" altLang="ja-JP" dirty="0">
+                <a:solidFill>
+                  <a:schemeClr val="tx1">
+                    <a:lumMod val="65000"/>
+                    <a:lumOff val="35000"/>
+                  </a:schemeClr>
+                </a:solidFill>
+                <a:latin typeface="Hiragino Kaku Gothic Pro W3" charset="-128"/>
+                <a:ea typeface="Hiragino Kaku Gothic Pro W3" charset="-128"/>
+                <a:cs typeface="Hiragino Kaku Gothic Pro W3" charset="-128"/>
+              </a:endParaRPr>
+            </a:p>
+          </p:txBody>
+        </p:sp>
+      </p:grpSp>
     </p:spTree>
     <p:extLst>
       <p:ext uri="{BB962C8B-B14F-4D97-AF65-F5344CB8AC3E}">
         <p14:creationId xmlns:p14="http://schemas.microsoft.com/office/powerpoint/2010/main" val="1743462196"/>
+      </p:ext>
+    </p:extLst>
+  </p:cSld>
+  <p:clrMapOvr>
+    <a:masterClrMapping/>
+  </p:clrMapOvr>
+</p:sld>
+</file>
+
+<file path=ppt/slides/slide3.xml><?xml version="1.0" encoding="utf-8"?>
+<p:sld xmlns:a="http://schemas.openxmlformats.org/drawingml/2006/main" xmlns:r="http://schemas.openxmlformats.org/officeDocument/2006/relationships" xmlns:p="http://schemas.openxmlformats.org/presentationml/2006/main">
+  <p:cSld>
+    <p:spTree>
+      <p:nvGrpSpPr>
+        <p:cNvPr id="1" name=""/>
+        <p:cNvGrpSpPr/>
+        <p:nvPr/>
+      </p:nvGrpSpPr>
+      <p:grpSpPr>
+        <a:xfrm>
+          <a:off x="0" y="0"/>
+          <a:ext cx="0" cy="0"/>
+          <a:chOff x="0" y="0"/>
+          <a:chExt cx="0" cy="0"/>
+        </a:xfrm>
+      </p:grpSpPr>
+      <p:sp>
+        <p:nvSpPr>
+          <p:cNvPr id="5" name="Rounded Rectangle 4">
+            <a:extLst>
+              <a:ext uri="{FF2B5EF4-FFF2-40B4-BE49-F238E27FC236}">
+                <a16:creationId xmlns:a16="http://schemas.microsoft.com/office/drawing/2014/main" id="{0E2FC1C9-AF2A-E346-8C4A-AE2C9F164AE8}"/>
+              </a:ext>
+            </a:extLst>
+          </p:cNvPr>
+          <p:cNvSpPr/>
+          <p:nvPr/>
+        </p:nvSpPr>
+        <p:spPr bwMode="auto">
+          <a:xfrm>
+            <a:off x="1251284" y="1347537"/>
+            <a:ext cx="5594684" cy="1455821"/>
+          </a:xfrm>
+          <a:prstGeom prst="roundRect">
+            <a:avLst/>
+          </a:prstGeom>
+          <a:solidFill>
+            <a:schemeClr val="bg1"/>
+          </a:solidFill>
+          <a:ln>
+            <a:solidFill>
+              <a:schemeClr val="bg1">
+                <a:lumMod val="75000"/>
+              </a:schemeClr>
+            </a:solidFill>
+          </a:ln>
+          <a:effectLst/>
+          <a:extLst>
+            <a:ext uri="{909E8E84-426E-40dd-AFC4-6F175D3DCCD1}">
+              <a14:hiddenFill xmlns:a14="http://schemas.microsoft.com/office/drawing/2010/main" xmlns="">
+                <a:solidFill>
+                  <a:schemeClr val="accent1"/>
+                </a:solidFill>
+              </a14:hiddenFill>
+            </a:ext>
+            <a:ext uri="{91240B29-F687-4f45-9708-019B960494DF}">
+              <a14:hiddenLine xmlns:a14="http://schemas.microsoft.com/office/drawing/2010/main" xmlns="" w="9525" cap="flat" cmpd="sng" algn="ctr">
+                <a:solidFill>
+                  <a:schemeClr val="tx1"/>
+                </a:solidFill>
+                <a:prstDash val="solid"/>
+                <a:round/>
+                <a:headEnd type="none" w="med" len="med"/>
+                <a:tailEnd type="none" w="med" len="med"/>
+              </a14:hiddenLine>
+            </a:ext>
+            <a:ext uri="{AF507438-7753-43e0-B8FC-AC1667EBCBE1}">
+              <a14:hiddenEffects xmlns:a14="http://schemas.microsoft.com/office/drawing/2010/main" xmlns="">
+                <a:effectLst>
+                  <a:outerShdw blurRad="63500" dist="35921" dir="2700000" algn="ctr" rotWithShape="0">
+                    <a:schemeClr val="bg2"/>
+                  </a:outerShdw>
+                </a:effectLst>
+              </a14:hiddenEffects>
+            </a:ext>
+          </a:extLst>
+        </p:spPr>
+        <p:txBody>
+          <a:bodyPr vert="horz" wrap="square" lIns="91440" tIns="45720" rIns="91440" bIns="45720" numCol="1" rtlCol="0" anchor="t" anchorCtr="0" compatLnSpc="1">
+            <a:prstTxWarp prst="textNoShape">
+              <a:avLst/>
+            </a:prstTxWarp>
+          </a:bodyPr>
+          <a:lstStyle/>
+          <a:p>
+            <a:pPr algn="ctr"/>
+            <a:endParaRPr lang="en-US" dirty="0">
+              <a:solidFill>
+                <a:schemeClr val="tx1">
+                  <a:lumMod val="65000"/>
+                  <a:lumOff val="35000"/>
+                </a:schemeClr>
+              </a:solidFill>
+              <a:latin typeface="Hiragino Kaku Gothic Pro W3" charset="-128"/>
+              <a:ea typeface="Hiragino Kaku Gothic Pro W3" charset="-128"/>
+              <a:cs typeface="Hiragino Kaku Gothic Pro W3" charset="-128"/>
+            </a:endParaRPr>
+          </a:p>
+        </p:txBody>
+      </p:sp>
+      <p:sp>
+        <p:nvSpPr>
+          <p:cNvPr id="2" name="TextBox 1">
+            <a:extLst>
+              <a:ext uri="{FF2B5EF4-FFF2-40B4-BE49-F238E27FC236}">
+                <a16:creationId xmlns:a16="http://schemas.microsoft.com/office/drawing/2014/main" id="{DD726BC9-E780-5441-A416-E2113C632FD4}"/>
+              </a:ext>
+            </a:extLst>
+          </p:cNvPr>
+          <p:cNvSpPr txBox="1"/>
+          <p:nvPr/>
+        </p:nvSpPr>
+        <p:spPr>
+          <a:xfrm>
+            <a:off x="1914497" y="1961144"/>
+            <a:ext cx="1374094" cy="430887"/>
+          </a:xfrm>
+          <a:prstGeom prst="rect">
+            <a:avLst/>
+          </a:prstGeom>
+          <a:noFill/>
+          <a:ln>
+            <a:solidFill>
+              <a:schemeClr val="bg1"/>
+            </a:solidFill>
+          </a:ln>
+        </p:spPr>
+        <p:txBody>
+          <a:bodyPr wrap="none" rtlCol="0">
+            <a:spAutoFit/>
+          </a:bodyPr>
+          <a:lstStyle/>
+          <a:p>
+            <a:pPr algn="ctr"/>
+            <a:r>
+              <a:rPr lang="en-US" dirty="0">
+                <a:solidFill>
+                  <a:schemeClr val="tx1"/>
+                </a:solidFill>
+                <a:latin typeface="IBM Plex Mono" panose="020B0509050203000203" pitchFamily="49" charset="77"/>
+                <a:ea typeface="Hiragino Kaku Gothic Pro W3" charset="-128"/>
+                <a:cs typeface="Hiragino Kaku Gothic Pro W3" charset="-128"/>
+              </a:rPr>
+              <a:t>[0 1 2]</a:t>
+            </a:r>
+          </a:p>
+        </p:txBody>
+      </p:sp>
+      <p:sp>
+        <p:nvSpPr>
+          <p:cNvPr id="3" name="TextBox 2">
+            <a:extLst>
+              <a:ext uri="{FF2B5EF4-FFF2-40B4-BE49-F238E27FC236}">
+                <a16:creationId xmlns:a16="http://schemas.microsoft.com/office/drawing/2014/main" id="{9B4F6F59-7C15-BB43-A4B8-7FEE2F3F2150}"/>
+              </a:ext>
+            </a:extLst>
+          </p:cNvPr>
+          <p:cNvSpPr txBox="1"/>
+          <p:nvPr/>
+        </p:nvSpPr>
+        <p:spPr>
+          <a:xfrm>
+            <a:off x="4813370" y="1961144"/>
+            <a:ext cx="1204176" cy="430887"/>
+          </a:xfrm>
+          <a:prstGeom prst="rect">
+            <a:avLst/>
+          </a:prstGeom>
+          <a:noFill/>
+          <a:ln>
+            <a:solidFill>
+              <a:schemeClr val="bg1"/>
+            </a:solidFill>
+          </a:ln>
+        </p:spPr>
+        <p:txBody>
+          <a:bodyPr wrap="none" rtlCol="0">
+            <a:spAutoFit/>
+          </a:bodyPr>
+          <a:lstStyle/>
+          <a:p>
+            <a:pPr algn="ctr"/>
+            <a:r>
+              <a:rPr lang="en-US" dirty="0">
+                <a:solidFill>
+                  <a:schemeClr val="tx1"/>
+                </a:solidFill>
+                <a:latin typeface="IBM Plex Mono" panose="020B0509050203000203" pitchFamily="49" charset="77"/>
+                <a:ea typeface="Hiragino Kaku Gothic Pro W3" charset="-128"/>
+                <a:cs typeface="Hiragino Kaku Gothic Pro W3" charset="-128"/>
+              </a:rPr>
+              <a:t>[0 10]</a:t>
+            </a:r>
+          </a:p>
+        </p:txBody>
+      </p:sp>
+      <p:sp>
+        <p:nvSpPr>
+          <p:cNvPr id="4" name="TextBox 3">
+            <a:extLst>
+              <a:ext uri="{FF2B5EF4-FFF2-40B4-BE49-F238E27FC236}">
+                <a16:creationId xmlns:a16="http://schemas.microsoft.com/office/drawing/2014/main" id="{57E73922-0C1C-8A4E-903A-4FB9DBE4411D}"/>
+              </a:ext>
+            </a:extLst>
+          </p:cNvPr>
+          <p:cNvSpPr txBox="1"/>
+          <p:nvPr/>
+        </p:nvSpPr>
+        <p:spPr>
+          <a:xfrm>
+            <a:off x="3406415" y="1151020"/>
+            <a:ext cx="1374095" cy="430887"/>
+          </a:xfrm>
+          <a:prstGeom prst="rect">
+            <a:avLst/>
+          </a:prstGeom>
+          <a:solidFill>
+            <a:schemeClr val="bg1"/>
+          </a:solidFill>
+          <a:ln>
+            <a:solidFill>
+              <a:schemeClr val="bg1"/>
+            </a:solidFill>
+          </a:ln>
+        </p:spPr>
+        <p:txBody>
+          <a:bodyPr wrap="none" rtlCol="0">
+            <a:spAutoFit/>
+          </a:bodyPr>
+          <a:lstStyle/>
+          <a:p>
+            <a:pPr algn="ctr"/>
+            <a:r>
+              <a:rPr lang="en-US" dirty="0" err="1">
+                <a:solidFill>
+                  <a:schemeClr val="tx1"/>
+                </a:solidFill>
+                <a:latin typeface="IBM Plex Mono" panose="020B0509050203000203" pitchFamily="49" charset="77"/>
+                <a:ea typeface="Hiragino Kaku Gothic Pro W3" charset="-128"/>
+                <a:cs typeface="Hiragino Kaku Gothic Pro W3" charset="-128"/>
+              </a:rPr>
+              <a:t>ndarray</a:t>
+            </a:r>
+            <a:endParaRPr lang="en-US" dirty="0">
+              <a:solidFill>
+                <a:schemeClr val="tx1"/>
+              </a:solidFill>
+              <a:latin typeface="IBM Plex Mono" panose="020B0509050203000203" pitchFamily="49" charset="77"/>
+              <a:ea typeface="Hiragino Kaku Gothic Pro W3" charset="-128"/>
+              <a:cs typeface="Hiragino Kaku Gothic Pro W3" charset="-128"/>
+            </a:endParaRPr>
+          </a:p>
+        </p:txBody>
+      </p:sp>
+      <p:sp>
+        <p:nvSpPr>
+          <p:cNvPr id="6" name="Rounded Rectangular Callout 5">
+            <a:extLst>
+              <a:ext uri="{FF2B5EF4-FFF2-40B4-BE49-F238E27FC236}">
+                <a16:creationId xmlns:a16="http://schemas.microsoft.com/office/drawing/2014/main" id="{758DD0B9-C5DC-0B47-ABFD-2AC1CA68AE2B}"/>
+              </a:ext>
+            </a:extLst>
+          </p:cNvPr>
+          <p:cNvSpPr/>
+          <p:nvPr/>
+        </p:nvSpPr>
+        <p:spPr bwMode="auto">
+          <a:xfrm>
+            <a:off x="4393004" y="573504"/>
+            <a:ext cx="1491916" cy="549441"/>
+          </a:xfrm>
+          <a:prstGeom prst="wedgeRoundRectCallout">
+            <a:avLst>
+              <a:gd name="adj1" fmla="val -41801"/>
+              <a:gd name="adj2" fmla="val 66880"/>
+              <a:gd name="adj3" fmla="val 16667"/>
+            </a:avLst>
+          </a:prstGeom>
+          <a:solidFill>
+            <a:schemeClr val="bg1"/>
+          </a:solidFill>
+          <a:ln>
+            <a:solidFill>
+              <a:schemeClr val="bg1">
+                <a:lumMod val="75000"/>
+              </a:schemeClr>
+            </a:solidFill>
+          </a:ln>
+          <a:effectLst/>
+          <a:extLst>
+            <a:ext uri="{909E8E84-426E-40dd-AFC4-6F175D3DCCD1}">
+              <a14:hiddenFill xmlns:a14="http://schemas.microsoft.com/office/drawing/2010/main" xmlns="">
+                <a:solidFill>
+                  <a:schemeClr val="accent1"/>
+                </a:solidFill>
+              </a14:hiddenFill>
+            </a:ext>
+            <a:ext uri="{91240B29-F687-4f45-9708-019B960494DF}">
+              <a14:hiddenLine xmlns:a14="http://schemas.microsoft.com/office/drawing/2010/main" xmlns="" w="9525" cap="flat" cmpd="sng" algn="ctr">
+                <a:solidFill>
+                  <a:schemeClr val="tx1"/>
+                </a:solidFill>
+                <a:prstDash val="solid"/>
+                <a:round/>
+                <a:headEnd type="none" w="med" len="med"/>
+                <a:tailEnd type="none" w="med" len="med"/>
+              </a14:hiddenLine>
+            </a:ext>
+            <a:ext uri="{AF507438-7753-43e0-B8FC-AC1667EBCBE1}">
+              <a14:hiddenEffects xmlns:a14="http://schemas.microsoft.com/office/drawing/2010/main" xmlns="">
+                <a:effectLst>
+                  <a:outerShdw blurRad="63500" dist="35921" dir="2700000" algn="ctr" rotWithShape="0">
+                    <a:schemeClr val="bg2"/>
+                  </a:outerShdw>
+                </a:effectLst>
+              </a14:hiddenEffects>
+            </a:ext>
+          </a:extLst>
+        </p:spPr>
+        <p:txBody>
+          <a:bodyPr vert="horz" wrap="square" lIns="91440" tIns="45720" rIns="91440" bIns="45720" numCol="1" rtlCol="0" anchor="ctr" anchorCtr="0" compatLnSpc="1">
+            <a:prstTxWarp prst="textNoShape">
+              <a:avLst/>
+            </a:prstTxWarp>
+          </a:bodyPr>
+          <a:lstStyle/>
+          <a:p>
+            <a:pPr algn="ctr"/>
+            <a:r>
+              <a:rPr lang="ja-JP" altLang="en-US">
+                <a:solidFill>
+                  <a:schemeClr val="tx1">
+                    <a:lumMod val="65000"/>
+                    <a:lumOff val="35000"/>
+                  </a:schemeClr>
+                </a:solidFill>
+                <a:latin typeface="Hiragino Kaku Gothic Pro W3" charset="-128"/>
+                <a:ea typeface="Hiragino Kaku Gothic Pro W3" charset="-128"/>
+                <a:cs typeface="Hiragino Kaku Gothic Pro W3" charset="-128"/>
+              </a:rPr>
+              <a:t>型の名前</a:t>
+            </a:r>
+            <a:endParaRPr lang="en-US" altLang="ja-JP" dirty="0">
+              <a:solidFill>
+                <a:schemeClr val="tx1">
+                  <a:lumMod val="65000"/>
+                  <a:lumOff val="35000"/>
+                </a:schemeClr>
+              </a:solidFill>
+              <a:latin typeface="Hiragino Kaku Gothic Pro W3" charset="-128"/>
+              <a:ea typeface="Hiragino Kaku Gothic Pro W3" charset="-128"/>
+              <a:cs typeface="Hiragino Kaku Gothic Pro W3" charset="-128"/>
+            </a:endParaRPr>
+          </a:p>
+        </p:txBody>
+      </p:sp>
+      <p:sp>
+        <p:nvSpPr>
+          <p:cNvPr id="7" name="Rounded Rectangular Callout 6">
+            <a:extLst>
+              <a:ext uri="{FF2B5EF4-FFF2-40B4-BE49-F238E27FC236}">
+                <a16:creationId xmlns:a16="http://schemas.microsoft.com/office/drawing/2014/main" id="{317764D8-4F21-B944-8D43-5F11E7BCA5A8}"/>
+              </a:ext>
+            </a:extLst>
+          </p:cNvPr>
+          <p:cNvSpPr/>
+          <p:nvPr/>
+        </p:nvSpPr>
+        <p:spPr bwMode="auto">
+          <a:xfrm>
+            <a:off x="1512062" y="2599385"/>
+            <a:ext cx="2178963" cy="2514035"/>
+          </a:xfrm>
+          <a:prstGeom prst="wedgeRoundRectCallout">
+            <a:avLst>
+              <a:gd name="adj1" fmla="val 4776"/>
+              <a:gd name="adj2" fmla="val -61496"/>
+              <a:gd name="adj3" fmla="val 16667"/>
+            </a:avLst>
+          </a:prstGeom>
+          <a:solidFill>
+            <a:schemeClr val="bg1"/>
+          </a:solidFill>
+          <a:ln>
+            <a:solidFill>
+              <a:schemeClr val="bg1">
+                <a:lumMod val="75000"/>
+              </a:schemeClr>
+            </a:solidFill>
+          </a:ln>
+          <a:effectLst/>
+          <a:extLst>
+            <a:ext uri="{909E8E84-426E-40dd-AFC4-6F175D3DCCD1}">
+              <a14:hiddenFill xmlns:a14="http://schemas.microsoft.com/office/drawing/2010/main" xmlns="">
+                <a:solidFill>
+                  <a:schemeClr val="accent1"/>
+                </a:solidFill>
+              </a14:hiddenFill>
+            </a:ext>
+            <a:ext uri="{91240B29-F687-4f45-9708-019B960494DF}">
+              <a14:hiddenLine xmlns:a14="http://schemas.microsoft.com/office/drawing/2010/main" xmlns="" w="9525" cap="flat" cmpd="sng" algn="ctr">
+                <a:solidFill>
+                  <a:schemeClr val="tx1"/>
+                </a:solidFill>
+                <a:prstDash val="solid"/>
+                <a:round/>
+                <a:headEnd type="none" w="med" len="med"/>
+                <a:tailEnd type="none" w="med" len="med"/>
+              </a14:hiddenLine>
+            </a:ext>
+            <a:ext uri="{AF507438-7753-43e0-B8FC-AC1667EBCBE1}">
+              <a14:hiddenEffects xmlns:a14="http://schemas.microsoft.com/office/drawing/2010/main" xmlns="">
+                <a:effectLst>
+                  <a:outerShdw blurRad="63500" dist="35921" dir="2700000" algn="ctr" rotWithShape="0">
+                    <a:schemeClr val="bg2"/>
+                  </a:outerShdw>
+                </a:effectLst>
+              </a14:hiddenEffects>
+            </a:ext>
+          </a:extLst>
+        </p:spPr>
+        <p:txBody>
+          <a:bodyPr vert="horz" wrap="square" lIns="91440" tIns="45720" rIns="91440" bIns="45720" numCol="1" rtlCol="0" anchor="ctr" anchorCtr="0" compatLnSpc="1">
+            <a:prstTxWarp prst="textNoShape">
+              <a:avLst/>
+            </a:prstTxWarp>
+          </a:bodyPr>
+          <a:lstStyle/>
+          <a:p>
+            <a:pPr algn="ctr"/>
+            <a:r>
+              <a:rPr lang="ja-JP" altLang="en-US">
+                <a:solidFill>
+                  <a:schemeClr val="tx1">
+                    <a:lumMod val="65000"/>
+                    <a:lumOff val="35000"/>
+                  </a:schemeClr>
+                </a:solidFill>
+                <a:latin typeface="Hiragino Kaku Gothic Pro W3" charset="-128"/>
+                <a:ea typeface="Hiragino Kaku Gothic Pro W3" charset="-128"/>
+                <a:cs typeface="Hiragino Kaku Gothic Pro W3" charset="-128"/>
+              </a:rPr>
+              <a:t>色々な関数を持っている</a:t>
+            </a:r>
+            <a:endParaRPr lang="en-US" altLang="ja-JP" dirty="0">
+              <a:solidFill>
+                <a:schemeClr val="tx1">
+                  <a:lumMod val="65000"/>
+                  <a:lumOff val="35000"/>
+                </a:schemeClr>
+              </a:solidFill>
+              <a:latin typeface="Hiragino Kaku Gothic Pro W3" charset="-128"/>
+              <a:ea typeface="Hiragino Kaku Gothic Pro W3" charset="-128"/>
+              <a:cs typeface="Hiragino Kaku Gothic Pro W3" charset="-128"/>
+            </a:endParaRPr>
+          </a:p>
+          <a:p>
+            <a:pPr algn="ctr"/>
+            <a:r>
+              <a:rPr lang="en-US" dirty="0">
+                <a:solidFill>
+                  <a:schemeClr val="tx1"/>
+                </a:solidFill>
+                <a:latin typeface="IBM Plex Mono" panose="020B0509050203000203" pitchFamily="49" charset="77"/>
+                <a:ea typeface="Hiragino Kaku Gothic Pro W3" charset="-128"/>
+                <a:cs typeface="Hiragino Kaku Gothic Pro W3" charset="-128"/>
+              </a:rPr>
+              <a:t>__add__</a:t>
+            </a:r>
+          </a:p>
+          <a:p>
+            <a:pPr algn="ctr"/>
+            <a:r>
+              <a:rPr lang="en-US" altLang="ja-JP" dirty="0">
+                <a:solidFill>
+                  <a:schemeClr val="tx1"/>
+                </a:solidFill>
+                <a:latin typeface="IBM Plex Mono" panose="020B0509050203000203" pitchFamily="49" charset="77"/>
+                <a:ea typeface="Hiragino Kaku Gothic Pro W3" charset="-128"/>
+                <a:cs typeface="Hiragino Kaku Gothic Pro W3" charset="-128"/>
+              </a:rPr>
+              <a:t>transpose</a:t>
+            </a:r>
+          </a:p>
+          <a:p>
+            <a:pPr algn="ctr"/>
+            <a:r>
+              <a:rPr lang="en-US" altLang="ja-JP" dirty="0">
+                <a:solidFill>
+                  <a:schemeClr val="tx1"/>
+                </a:solidFill>
+                <a:latin typeface="IBM Plex Mono" panose="020B0509050203000203" pitchFamily="49" charset="77"/>
+                <a:ea typeface="Hiragino Kaku Gothic Pro W3" charset="-128"/>
+                <a:cs typeface="Hiragino Kaku Gothic Pro W3" charset="-128"/>
+              </a:rPr>
+              <a:t>inv</a:t>
+            </a:r>
+          </a:p>
+          <a:p>
+            <a:pPr algn="ctr"/>
+            <a:r>
+              <a:rPr lang="ja-JP" altLang="en-US">
+                <a:solidFill>
+                  <a:schemeClr val="tx1">
+                    <a:lumMod val="65000"/>
+                    <a:lumOff val="35000"/>
+                  </a:schemeClr>
+                </a:solidFill>
+                <a:latin typeface="Hiragino Kaku Gothic Pro W3" charset="-128"/>
+                <a:ea typeface="Hiragino Kaku Gothic Pro W3" charset="-128"/>
+                <a:cs typeface="Hiragino Kaku Gothic Pro W3" charset="-128"/>
+              </a:rPr>
+              <a:t>などなど</a:t>
+            </a:r>
+            <a:endParaRPr lang="en-US" altLang="ja-JP" dirty="0">
+              <a:solidFill>
+                <a:schemeClr val="tx1"/>
+              </a:solidFill>
+              <a:latin typeface="IBM Plex Mono" panose="020B0509050203000203" pitchFamily="49" charset="77"/>
+              <a:ea typeface="Hiragino Kaku Gothic Pro W3" charset="-128"/>
+              <a:cs typeface="Hiragino Kaku Gothic Pro W3" charset="-128"/>
+            </a:endParaRPr>
+          </a:p>
+        </p:txBody>
+      </p:sp>
+      <p:sp>
+        <p:nvSpPr>
+          <p:cNvPr id="8" name="Rounded Rectangular Callout 7">
+            <a:extLst>
+              <a:ext uri="{FF2B5EF4-FFF2-40B4-BE49-F238E27FC236}">
+                <a16:creationId xmlns:a16="http://schemas.microsoft.com/office/drawing/2014/main" id="{57DE7D10-5A20-3B43-A5AC-13A8CE97875E}"/>
+              </a:ext>
+            </a:extLst>
+          </p:cNvPr>
+          <p:cNvSpPr/>
+          <p:nvPr/>
+        </p:nvSpPr>
+        <p:spPr bwMode="auto">
+          <a:xfrm>
+            <a:off x="4325976" y="2701373"/>
+            <a:ext cx="2688435" cy="1016386"/>
+          </a:xfrm>
+          <a:prstGeom prst="wedgeRoundRectCallout">
+            <a:avLst>
+              <a:gd name="adj1" fmla="val 5224"/>
+              <a:gd name="adj2" fmla="val -76885"/>
+              <a:gd name="adj3" fmla="val 16667"/>
+            </a:avLst>
+          </a:prstGeom>
+          <a:solidFill>
+            <a:schemeClr val="bg1"/>
+          </a:solidFill>
+          <a:ln>
+            <a:solidFill>
+              <a:schemeClr val="bg1">
+                <a:lumMod val="75000"/>
+              </a:schemeClr>
+            </a:solidFill>
+          </a:ln>
+          <a:effectLst/>
+          <a:extLst>
+            <a:ext uri="{909E8E84-426E-40dd-AFC4-6F175D3DCCD1}">
+              <a14:hiddenFill xmlns:a14="http://schemas.microsoft.com/office/drawing/2010/main" xmlns="">
+                <a:solidFill>
+                  <a:schemeClr val="accent1"/>
+                </a:solidFill>
+              </a14:hiddenFill>
+            </a:ext>
+            <a:ext uri="{91240B29-F687-4f45-9708-019B960494DF}">
+              <a14:hiddenLine xmlns:a14="http://schemas.microsoft.com/office/drawing/2010/main" xmlns="" w="9525" cap="flat" cmpd="sng" algn="ctr">
+                <a:solidFill>
+                  <a:schemeClr val="tx1"/>
+                </a:solidFill>
+                <a:prstDash val="solid"/>
+                <a:round/>
+                <a:headEnd type="none" w="med" len="med"/>
+                <a:tailEnd type="none" w="med" len="med"/>
+              </a14:hiddenLine>
+            </a:ext>
+            <a:ext uri="{AF507438-7753-43e0-B8FC-AC1667EBCBE1}">
+              <a14:hiddenEffects xmlns:a14="http://schemas.microsoft.com/office/drawing/2010/main" xmlns="">
+                <a:effectLst>
+                  <a:outerShdw blurRad="63500" dist="35921" dir="2700000" algn="ctr" rotWithShape="0">
+                    <a:schemeClr val="bg2"/>
+                  </a:outerShdw>
+                </a:effectLst>
+              </a14:hiddenEffects>
+            </a:ext>
+          </a:extLst>
+        </p:spPr>
+        <p:txBody>
+          <a:bodyPr vert="horz" wrap="square" lIns="91440" tIns="45720" rIns="91440" bIns="45720" numCol="1" rtlCol="0" anchor="ctr" anchorCtr="0" compatLnSpc="1">
+            <a:prstTxWarp prst="textNoShape">
+              <a:avLst/>
+            </a:prstTxWarp>
+          </a:bodyPr>
+          <a:lstStyle/>
+          <a:p>
+            <a:pPr algn="ctr"/>
+            <a:r>
+              <a:rPr lang="ja-JP" altLang="en-US">
+                <a:solidFill>
+                  <a:schemeClr val="tx1">
+                    <a:lumMod val="65000"/>
+                    <a:lumOff val="35000"/>
+                  </a:schemeClr>
+                </a:solidFill>
+                <a:latin typeface="Hiragino Kaku Gothic Pro W3" charset="-128"/>
+                <a:ea typeface="Hiragino Kaku Gothic Pro W3" charset="-128"/>
+                <a:cs typeface="Hiragino Kaku Gothic Pro W3" charset="-128"/>
+              </a:rPr>
+              <a:t>みんな同じ</a:t>
+            </a:r>
+            <a:endParaRPr lang="en-US" altLang="ja-JP" dirty="0">
+              <a:solidFill>
+                <a:schemeClr val="tx1">
+                  <a:lumMod val="65000"/>
+                  <a:lumOff val="35000"/>
+                </a:schemeClr>
+              </a:solidFill>
+              <a:latin typeface="Hiragino Kaku Gothic Pro W3" charset="-128"/>
+              <a:ea typeface="Hiragino Kaku Gothic Pro W3" charset="-128"/>
+              <a:cs typeface="Hiragino Kaku Gothic Pro W3" charset="-128"/>
+            </a:endParaRPr>
+          </a:p>
+          <a:p>
+            <a:pPr algn="ctr"/>
+            <a:r>
+              <a:rPr lang="ja-JP" altLang="en-US">
+                <a:solidFill>
+                  <a:schemeClr val="tx1">
+                    <a:lumMod val="65000"/>
+                    <a:lumOff val="35000"/>
+                  </a:schemeClr>
+                </a:solidFill>
+                <a:latin typeface="Hiragino Kaku Gothic Pro W3" charset="-128"/>
+                <a:ea typeface="Hiragino Kaku Gothic Pro W3" charset="-128"/>
+                <a:cs typeface="Hiragino Kaku Gothic Pro W3" charset="-128"/>
+              </a:rPr>
+              <a:t>関数を持っている</a:t>
+            </a:r>
+            <a:endParaRPr lang="en-US" altLang="ja-JP" dirty="0">
+              <a:solidFill>
+                <a:schemeClr val="tx1"/>
+              </a:solidFill>
+              <a:latin typeface="IBM Plex Mono" panose="020B0509050203000203" pitchFamily="49" charset="77"/>
+              <a:ea typeface="Hiragino Kaku Gothic Pro W3" charset="-128"/>
+              <a:cs typeface="Hiragino Kaku Gothic Pro W3" charset="-128"/>
+            </a:endParaRPr>
+          </a:p>
+        </p:txBody>
+      </p:sp>
+    </p:spTree>
+    <p:extLst>
+      <p:ext uri="{BB962C8B-B14F-4D97-AF65-F5344CB8AC3E}">
+        <p14:creationId xmlns:p14="http://schemas.microsoft.com/office/powerpoint/2010/main" val="2228529089"/>
       </p:ext>
     </p:extLst>
   </p:cSld>
@@ -13394,14 +14540,14 @@
         <a:effectLst/>
         <a:extLst>
           <a:ext uri="{909E8E84-426E-40dd-AFC4-6F175D3DCCD1}">
-            <a14:hiddenFill xmlns="" xmlns:a14="http://schemas.microsoft.com/office/drawing/2010/main">
+            <a14:hiddenFill xmlns:a14="http://schemas.microsoft.com/office/drawing/2010/main" xmlns="">
               <a:solidFill>
                 <a:schemeClr val="accent1"/>
               </a:solidFill>
             </a14:hiddenFill>
           </a:ext>
           <a:ext uri="{91240B29-F687-4f45-9708-019B960494DF}">
-            <a14:hiddenLine xmlns="" xmlns:a14="http://schemas.microsoft.com/office/drawing/2010/main" w="9525" cap="flat" cmpd="sng" algn="ctr">
+            <a14:hiddenLine xmlns:a14="http://schemas.microsoft.com/office/drawing/2010/main" xmlns="" w="9525" cap="flat" cmpd="sng" algn="ctr">
               <a:solidFill>
                 <a:schemeClr val="tx1"/>
               </a:solidFill>
@@ -13412,7 +14558,7 @@
             </a14:hiddenLine>
           </a:ext>
           <a:ext uri="{AF507438-7753-43e0-B8FC-AC1667EBCBE1}">
-            <a14:hiddenEffects xmlns="" xmlns:a14="http://schemas.microsoft.com/office/drawing/2010/main">
+            <a14:hiddenEffects xmlns:a14="http://schemas.microsoft.com/office/drawing/2010/main" xmlns="">
               <a:effectLst>
                 <a:outerShdw blurRad="63500" dist="35921" dir="2700000" algn="ctr" rotWithShape="0">
                   <a:schemeClr val="bg2"/>
@@ -13454,14 +14600,14 @@
         <a:effectLst/>
         <a:extLst>
           <a:ext uri="{909E8E84-426E-40dd-AFC4-6F175D3DCCD1}">
-            <a14:hiddenFill xmlns="" xmlns:a14="http://schemas.microsoft.com/office/drawing/2010/main">
+            <a14:hiddenFill xmlns:a14="http://schemas.microsoft.com/office/drawing/2010/main" xmlns="">
               <a:solidFill>
                 <a:schemeClr val="accent1"/>
               </a:solidFill>
             </a14:hiddenFill>
           </a:ext>
           <a:ext uri="{91240B29-F687-4f45-9708-019B960494DF}">
-            <a14:hiddenLine xmlns="" xmlns:a14="http://schemas.microsoft.com/office/drawing/2010/main" w="9525" cap="flat" cmpd="sng" algn="ctr">
+            <a14:hiddenLine xmlns:a14="http://schemas.microsoft.com/office/drawing/2010/main" xmlns="" w="9525" cap="flat" cmpd="sng" algn="ctr">
               <a:solidFill>
                 <a:schemeClr val="tx1"/>
               </a:solidFill>
@@ -13472,7 +14618,7 @@
             </a14:hiddenLine>
           </a:ext>
           <a:ext uri="{AF507438-7753-43e0-B8FC-AC1667EBCBE1}">
-            <a14:hiddenEffects xmlns="" xmlns:a14="http://schemas.microsoft.com/office/drawing/2010/main">
+            <a14:hiddenEffects xmlns:a14="http://schemas.microsoft.com/office/drawing/2010/main" xmlns="">
               <a:effectLst>
                 <a:outerShdw blurRad="63500" dist="35921" dir="2700000" algn="ctr" rotWithShape="0">
                   <a:schemeClr val="bg2"/>
@@ -13753,7 +14899,6 @@
           <a:noFill/>
         </a:ln>
         <a:effectLst/>
-        <a:extLst/>
       </a:spPr>
       <a:bodyPr vert="horz" wrap="none" lIns="90000" tIns="46800" rIns="90000" bIns="46800" numCol="1" rtlCol="0" anchor="t" anchorCtr="0" compatLnSpc="1">
         <a:prstTxWarp prst="textNoShape">

--- a/4/figs.pptx
+++ b/4/figs.pptx
@@ -6,15 +6,18 @@
     <p:sldMasterId id="2147484090" r:id="rId2"/>
   </p:sldMasterIdLst>
   <p:notesMasterIdLst>
-    <p:notesMasterId r:id="rId6"/>
+    <p:notesMasterId r:id="rId9"/>
   </p:notesMasterIdLst>
   <p:handoutMasterIdLst>
-    <p:handoutMasterId r:id="rId7"/>
+    <p:handoutMasterId r:id="rId10"/>
   </p:handoutMasterIdLst>
   <p:sldIdLst>
     <p:sldId id="395" r:id="rId3"/>
-    <p:sldId id="396" r:id="rId4"/>
-    <p:sldId id="397" r:id="rId5"/>
+    <p:sldId id="398" r:id="rId4"/>
+    <p:sldId id="396" r:id="rId5"/>
+    <p:sldId id="397" r:id="rId6"/>
+    <p:sldId id="400" r:id="rId7"/>
+    <p:sldId id="399" r:id="rId8"/>
   </p:sldIdLst>
   <p:sldSz cx="9144000" cy="6858000" type="screen4x3"/>
   <p:notesSz cx="6858000" cy="9144000"/>
@@ -248,7 +251,7 @@
           <a:p>
             <a:fld id="{A8C08EB2-D86C-DA4C-AF35-E27FFC1365AA}" type="datetimeFigureOut">
               <a:rPr lang="en-US" smtClean="0"/>
-              <a:t>10/4/19</a:t>
+              <a:t>10/24/19</a:t>
             </a:fld>
             <a:endParaRPr lang="en-US"/>
           </a:p>
@@ -13157,6 +13160,1801 @@
       </p:grpSpPr>
       <p:grpSp>
         <p:nvGrpSpPr>
+          <p:cNvPr id="17" name="Group 16">
+            <a:extLst>
+              <a:ext uri="{FF2B5EF4-FFF2-40B4-BE49-F238E27FC236}">
+                <a16:creationId xmlns:a16="http://schemas.microsoft.com/office/drawing/2014/main" id="{80B8C4FF-8EDA-F54A-825F-DA9481446D10}"/>
+              </a:ext>
+            </a:extLst>
+          </p:cNvPr>
+          <p:cNvGrpSpPr/>
+          <p:nvPr/>
+        </p:nvGrpSpPr>
+        <p:grpSpPr>
+          <a:xfrm>
+            <a:off x="613111" y="1479971"/>
+            <a:ext cx="7399481" cy="3432000"/>
+            <a:chOff x="613111" y="1479971"/>
+            <a:chExt cx="7399481" cy="3432000"/>
+          </a:xfrm>
+        </p:grpSpPr>
+        <p:grpSp>
+          <p:nvGrpSpPr>
+            <p:cNvPr id="11" name="Group 10">
+              <a:extLst>
+                <a:ext uri="{FF2B5EF4-FFF2-40B4-BE49-F238E27FC236}">
+                  <a16:creationId xmlns:a16="http://schemas.microsoft.com/office/drawing/2014/main" id="{70A62DF5-3F76-9841-9BA4-85A31B3F5879}"/>
+                </a:ext>
+              </a:extLst>
+            </p:cNvPr>
+            <p:cNvGrpSpPr/>
+            <p:nvPr/>
+          </p:nvGrpSpPr>
+          <p:grpSpPr>
+            <a:xfrm>
+              <a:off x="679938" y="1946031"/>
+              <a:ext cx="6283571" cy="2965940"/>
+              <a:chOff x="679938" y="1946031"/>
+              <a:chExt cx="6283571" cy="2965940"/>
+            </a:xfrm>
+          </p:grpSpPr>
+          <p:sp>
+            <p:nvSpPr>
+              <p:cNvPr id="6" name="Rectangle 5">
+                <a:extLst>
+                  <a:ext uri="{FF2B5EF4-FFF2-40B4-BE49-F238E27FC236}">
+                    <a16:creationId xmlns:a16="http://schemas.microsoft.com/office/drawing/2014/main" id="{3CAF943E-2E44-1340-BB47-020384C63101}"/>
+                  </a:ext>
+                </a:extLst>
+              </p:cNvPr>
+              <p:cNvSpPr/>
+              <p:nvPr/>
+            </p:nvSpPr>
+            <p:spPr bwMode="auto">
+              <a:xfrm>
+                <a:off x="679938" y="1946031"/>
+                <a:ext cx="304800" cy="2965938"/>
+              </a:xfrm>
+              <a:prstGeom prst="rect">
+                <a:avLst/>
+              </a:prstGeom>
+              <a:solidFill>
+                <a:schemeClr val="bg1"/>
+              </a:solidFill>
+              <a:ln>
+                <a:solidFill>
+                  <a:schemeClr val="tx1">
+                    <a:lumMod val="75000"/>
+                    <a:lumOff val="25000"/>
+                  </a:schemeClr>
+                </a:solidFill>
+              </a:ln>
+              <a:effectLst/>
+              <a:extLst>
+                <a:ext uri="{909E8E84-426E-40dd-AFC4-6F175D3DCCD1}">
+                  <a14:hiddenFill xmlns:a14="http://schemas.microsoft.com/office/drawing/2010/main" xmlns="">
+                    <a:solidFill>
+                      <a:schemeClr val="accent1"/>
+                    </a:solidFill>
+                  </a14:hiddenFill>
+                </a:ext>
+                <a:ext uri="{91240B29-F687-4f45-9708-019B960494DF}">
+                  <a14:hiddenLine xmlns:a14="http://schemas.microsoft.com/office/drawing/2010/main" xmlns="" w="9525" cap="flat" cmpd="sng" algn="ctr">
+                    <a:solidFill>
+                      <a:schemeClr val="tx1"/>
+                    </a:solidFill>
+                    <a:prstDash val="solid"/>
+                    <a:round/>
+                    <a:headEnd type="none" w="med" len="med"/>
+                    <a:tailEnd type="none" w="med" len="med"/>
+                  </a14:hiddenLine>
+                </a:ext>
+                <a:ext uri="{AF507438-7753-43e0-B8FC-AC1667EBCBE1}">
+                  <a14:hiddenEffects xmlns:a14="http://schemas.microsoft.com/office/drawing/2010/main" xmlns="">
+                    <a:effectLst>
+                      <a:outerShdw blurRad="63500" dist="35921" dir="2700000" algn="ctr" rotWithShape="0">
+                        <a:schemeClr val="bg2"/>
+                      </a:outerShdw>
+                    </a:effectLst>
+                  </a14:hiddenEffects>
+                </a:ext>
+              </a:extLst>
+            </p:spPr>
+            <p:txBody>
+              <a:bodyPr vert="horz" wrap="square" lIns="91440" tIns="45720" rIns="91440" bIns="45720" numCol="1" rtlCol="0" anchor="t" anchorCtr="0" compatLnSpc="1">
+                <a:prstTxWarp prst="textNoShape">
+                  <a:avLst/>
+                </a:prstTxWarp>
+              </a:bodyPr>
+              <a:lstStyle/>
+              <a:p>
+                <a:pPr algn="ctr"/>
+                <a:endParaRPr lang="en-US" dirty="0">
+                  <a:solidFill>
+                    <a:schemeClr val="tx1">
+                      <a:lumMod val="65000"/>
+                      <a:lumOff val="35000"/>
+                    </a:schemeClr>
+                  </a:solidFill>
+                  <a:latin typeface="Hiragino Kaku Gothic Pro W3" charset="-128"/>
+                  <a:ea typeface="Hiragino Kaku Gothic Pro W3" charset="-128"/>
+                  <a:cs typeface="Hiragino Kaku Gothic Pro W3" charset="-128"/>
+                </a:endParaRPr>
+              </a:p>
+            </p:txBody>
+          </p:sp>
+          <p:sp>
+            <p:nvSpPr>
+              <p:cNvPr id="7" name="Rectangle 6">
+                <a:extLst>
+                  <a:ext uri="{FF2B5EF4-FFF2-40B4-BE49-F238E27FC236}">
+                    <a16:creationId xmlns:a16="http://schemas.microsoft.com/office/drawing/2014/main" id="{53A50D18-F3F4-F146-B026-0458DAB467A0}"/>
+                  </a:ext>
+                </a:extLst>
+              </p:cNvPr>
+              <p:cNvSpPr/>
+              <p:nvPr/>
+            </p:nvSpPr>
+            <p:spPr bwMode="auto">
+              <a:xfrm>
+                <a:off x="6658709" y="1946031"/>
+                <a:ext cx="304800" cy="2965938"/>
+              </a:xfrm>
+              <a:prstGeom prst="rect">
+                <a:avLst/>
+              </a:prstGeom>
+              <a:solidFill>
+                <a:schemeClr val="bg1"/>
+              </a:solidFill>
+              <a:ln>
+                <a:solidFill>
+                  <a:schemeClr val="tx1">
+                    <a:lumMod val="75000"/>
+                    <a:lumOff val="25000"/>
+                  </a:schemeClr>
+                </a:solidFill>
+              </a:ln>
+              <a:effectLst/>
+              <a:extLst>
+                <a:ext uri="{909E8E84-426E-40dd-AFC4-6F175D3DCCD1}">
+                  <a14:hiddenFill xmlns:a14="http://schemas.microsoft.com/office/drawing/2010/main" xmlns="">
+                    <a:solidFill>
+                      <a:schemeClr val="accent1"/>
+                    </a:solidFill>
+                  </a14:hiddenFill>
+                </a:ext>
+                <a:ext uri="{91240B29-F687-4f45-9708-019B960494DF}">
+                  <a14:hiddenLine xmlns:a14="http://schemas.microsoft.com/office/drawing/2010/main" xmlns="" w="9525" cap="flat" cmpd="sng" algn="ctr">
+                    <a:solidFill>
+                      <a:schemeClr val="tx1"/>
+                    </a:solidFill>
+                    <a:prstDash val="solid"/>
+                    <a:round/>
+                    <a:headEnd type="none" w="med" len="med"/>
+                    <a:tailEnd type="none" w="med" len="med"/>
+                  </a14:hiddenLine>
+                </a:ext>
+                <a:ext uri="{AF507438-7753-43e0-B8FC-AC1667EBCBE1}">
+                  <a14:hiddenEffects xmlns:a14="http://schemas.microsoft.com/office/drawing/2010/main" xmlns="">
+                    <a:effectLst>
+                      <a:outerShdw blurRad="63500" dist="35921" dir="2700000" algn="ctr" rotWithShape="0">
+                        <a:schemeClr val="bg2"/>
+                      </a:outerShdw>
+                    </a:effectLst>
+                  </a14:hiddenEffects>
+                </a:ext>
+              </a:extLst>
+            </p:spPr>
+            <p:txBody>
+              <a:bodyPr vert="horz" wrap="square" lIns="91440" tIns="45720" rIns="91440" bIns="45720" numCol="1" rtlCol="0" anchor="t" anchorCtr="0" compatLnSpc="1">
+                <a:prstTxWarp prst="textNoShape">
+                  <a:avLst/>
+                </a:prstTxWarp>
+              </a:bodyPr>
+              <a:lstStyle/>
+              <a:p>
+                <a:pPr algn="ctr"/>
+                <a:endParaRPr lang="en-US" dirty="0">
+                  <a:solidFill>
+                    <a:schemeClr val="tx1">
+                      <a:lumMod val="65000"/>
+                      <a:lumOff val="35000"/>
+                    </a:schemeClr>
+                  </a:solidFill>
+                  <a:latin typeface="Hiragino Kaku Gothic Pro W3" charset="-128"/>
+                  <a:ea typeface="Hiragino Kaku Gothic Pro W3" charset="-128"/>
+                  <a:cs typeface="Hiragino Kaku Gothic Pro W3" charset="-128"/>
+                </a:endParaRPr>
+              </a:p>
+            </p:txBody>
+          </p:sp>
+          <p:sp>
+            <p:nvSpPr>
+              <p:cNvPr id="8" name="Trapezoid 7">
+                <a:extLst>
+                  <a:ext uri="{FF2B5EF4-FFF2-40B4-BE49-F238E27FC236}">
+                    <a16:creationId xmlns:a16="http://schemas.microsoft.com/office/drawing/2014/main" id="{4D98120A-8156-574A-882C-F05B61EE5CB5}"/>
+                  </a:ext>
+                </a:extLst>
+              </p:cNvPr>
+              <p:cNvSpPr/>
+              <p:nvPr/>
+            </p:nvSpPr>
+            <p:spPr bwMode="auto">
+              <a:xfrm rot="5400000">
+                <a:off x="844061" y="2385647"/>
+                <a:ext cx="2965940" cy="2086707"/>
+              </a:xfrm>
+              <a:prstGeom prst="trapezoid">
+                <a:avLst/>
+              </a:prstGeom>
+              <a:solidFill>
+                <a:schemeClr val="bg1"/>
+              </a:solidFill>
+              <a:ln>
+                <a:solidFill>
+                  <a:schemeClr val="tx1">
+                    <a:lumMod val="75000"/>
+                    <a:lumOff val="25000"/>
+                  </a:schemeClr>
+                </a:solidFill>
+              </a:ln>
+              <a:effectLst/>
+              <a:extLst>
+                <a:ext uri="{909E8E84-426E-40dd-AFC4-6F175D3DCCD1}">
+                  <a14:hiddenFill xmlns:a14="http://schemas.microsoft.com/office/drawing/2010/main" xmlns="">
+                    <a:solidFill>
+                      <a:schemeClr val="accent1"/>
+                    </a:solidFill>
+                  </a14:hiddenFill>
+                </a:ext>
+                <a:ext uri="{91240B29-F687-4f45-9708-019B960494DF}">
+                  <a14:hiddenLine xmlns:a14="http://schemas.microsoft.com/office/drawing/2010/main" xmlns="" w="9525" cap="flat" cmpd="sng" algn="ctr">
+                    <a:solidFill>
+                      <a:schemeClr val="tx1"/>
+                    </a:solidFill>
+                    <a:prstDash val="solid"/>
+                    <a:round/>
+                    <a:headEnd type="none" w="med" len="med"/>
+                    <a:tailEnd type="none" w="med" len="med"/>
+                  </a14:hiddenLine>
+                </a:ext>
+                <a:ext uri="{AF507438-7753-43e0-B8FC-AC1667EBCBE1}">
+                  <a14:hiddenEffects xmlns:a14="http://schemas.microsoft.com/office/drawing/2010/main" xmlns="">
+                    <a:effectLst>
+                      <a:outerShdw blurRad="63500" dist="35921" dir="2700000" algn="ctr" rotWithShape="0">
+                        <a:schemeClr val="bg2"/>
+                      </a:outerShdw>
+                    </a:effectLst>
+                  </a14:hiddenEffects>
+                </a:ext>
+              </a:extLst>
+            </p:spPr>
+            <p:txBody>
+              <a:bodyPr vert="horz" wrap="square" lIns="91440" tIns="45720" rIns="91440" bIns="45720" numCol="1" rtlCol="0" anchor="t" anchorCtr="0" compatLnSpc="1">
+                <a:prstTxWarp prst="textNoShape">
+                  <a:avLst/>
+                </a:prstTxWarp>
+              </a:bodyPr>
+              <a:lstStyle/>
+              <a:p>
+                <a:pPr algn="ctr"/>
+                <a:endParaRPr lang="en-US" dirty="0">
+                  <a:solidFill>
+                    <a:schemeClr val="tx1">
+                      <a:lumMod val="65000"/>
+                      <a:lumOff val="35000"/>
+                    </a:schemeClr>
+                  </a:solidFill>
+                  <a:latin typeface="Hiragino Kaku Gothic Pro W3" charset="-128"/>
+                  <a:ea typeface="Hiragino Kaku Gothic Pro W3" charset="-128"/>
+                  <a:cs typeface="Hiragino Kaku Gothic Pro W3" charset="-128"/>
+                </a:endParaRPr>
+              </a:p>
+            </p:txBody>
+          </p:sp>
+          <p:sp>
+            <p:nvSpPr>
+              <p:cNvPr id="9" name="Trapezoid 8">
+                <a:extLst>
+                  <a:ext uri="{FF2B5EF4-FFF2-40B4-BE49-F238E27FC236}">
+                    <a16:creationId xmlns:a16="http://schemas.microsoft.com/office/drawing/2014/main" id="{E0A6A9BE-A1F8-D64E-A32F-50085123EEF5}"/>
+                  </a:ext>
+                </a:extLst>
+              </p:cNvPr>
+              <p:cNvSpPr/>
+              <p:nvPr/>
+            </p:nvSpPr>
+            <p:spPr bwMode="auto">
+              <a:xfrm rot="16200000">
+                <a:off x="3833446" y="2385647"/>
+                <a:ext cx="2965940" cy="2086707"/>
+              </a:xfrm>
+              <a:prstGeom prst="trapezoid">
+                <a:avLst/>
+              </a:prstGeom>
+              <a:solidFill>
+                <a:schemeClr val="bg1"/>
+              </a:solidFill>
+              <a:ln>
+                <a:solidFill>
+                  <a:schemeClr val="tx1">
+                    <a:lumMod val="75000"/>
+                    <a:lumOff val="25000"/>
+                  </a:schemeClr>
+                </a:solidFill>
+              </a:ln>
+              <a:effectLst/>
+              <a:extLst>
+                <a:ext uri="{909E8E84-426E-40dd-AFC4-6F175D3DCCD1}">
+                  <a14:hiddenFill xmlns:a14="http://schemas.microsoft.com/office/drawing/2010/main" xmlns="">
+                    <a:solidFill>
+                      <a:schemeClr val="accent1"/>
+                    </a:solidFill>
+                  </a14:hiddenFill>
+                </a:ext>
+                <a:ext uri="{91240B29-F687-4f45-9708-019B960494DF}">
+                  <a14:hiddenLine xmlns:a14="http://schemas.microsoft.com/office/drawing/2010/main" xmlns="" w="9525" cap="flat" cmpd="sng" algn="ctr">
+                    <a:solidFill>
+                      <a:schemeClr val="tx1"/>
+                    </a:solidFill>
+                    <a:prstDash val="solid"/>
+                    <a:round/>
+                    <a:headEnd type="none" w="med" len="med"/>
+                    <a:tailEnd type="none" w="med" len="med"/>
+                  </a14:hiddenLine>
+                </a:ext>
+                <a:ext uri="{AF507438-7753-43e0-B8FC-AC1667EBCBE1}">
+                  <a14:hiddenEffects xmlns:a14="http://schemas.microsoft.com/office/drawing/2010/main" xmlns="">
+                    <a:effectLst>
+                      <a:outerShdw blurRad="63500" dist="35921" dir="2700000" algn="ctr" rotWithShape="0">
+                        <a:schemeClr val="bg2"/>
+                      </a:outerShdw>
+                    </a:effectLst>
+                  </a14:hiddenEffects>
+                </a:ext>
+              </a:extLst>
+            </p:spPr>
+            <p:txBody>
+              <a:bodyPr vert="horz" wrap="square" lIns="91440" tIns="45720" rIns="91440" bIns="45720" numCol="1" rtlCol="0" anchor="t" anchorCtr="0" compatLnSpc="1">
+                <a:prstTxWarp prst="textNoShape">
+                  <a:avLst/>
+                </a:prstTxWarp>
+              </a:bodyPr>
+              <a:lstStyle/>
+              <a:p>
+                <a:pPr algn="ctr"/>
+                <a:endParaRPr lang="en-US" dirty="0">
+                  <a:solidFill>
+                    <a:schemeClr val="tx1">
+                      <a:lumMod val="65000"/>
+                      <a:lumOff val="35000"/>
+                    </a:schemeClr>
+                  </a:solidFill>
+                  <a:latin typeface="Hiragino Kaku Gothic Pro W3" charset="-128"/>
+                  <a:ea typeface="Hiragino Kaku Gothic Pro W3" charset="-128"/>
+                  <a:cs typeface="Hiragino Kaku Gothic Pro W3" charset="-128"/>
+                </a:endParaRPr>
+              </a:p>
+            </p:txBody>
+          </p:sp>
+          <p:sp>
+            <p:nvSpPr>
+              <p:cNvPr id="10" name="Rectangle 9">
+                <a:extLst>
+                  <a:ext uri="{FF2B5EF4-FFF2-40B4-BE49-F238E27FC236}">
+                    <a16:creationId xmlns:a16="http://schemas.microsoft.com/office/drawing/2014/main" id="{6AA77550-45D7-D54C-B784-77F871C66F4A}"/>
+                  </a:ext>
+                </a:extLst>
+              </p:cNvPr>
+              <p:cNvSpPr/>
+              <p:nvPr/>
+            </p:nvSpPr>
+            <p:spPr bwMode="auto">
+              <a:xfrm>
+                <a:off x="3669323" y="2467708"/>
+                <a:ext cx="304800" cy="1922584"/>
+              </a:xfrm>
+              <a:prstGeom prst="rect">
+                <a:avLst/>
+              </a:prstGeom>
+              <a:solidFill>
+                <a:schemeClr val="bg1"/>
+              </a:solidFill>
+              <a:ln>
+                <a:solidFill>
+                  <a:schemeClr val="tx1">
+                    <a:lumMod val="75000"/>
+                    <a:lumOff val="25000"/>
+                  </a:schemeClr>
+                </a:solidFill>
+              </a:ln>
+              <a:effectLst/>
+              <a:extLst>
+                <a:ext uri="{909E8E84-426E-40dd-AFC4-6F175D3DCCD1}">
+                  <a14:hiddenFill xmlns:a14="http://schemas.microsoft.com/office/drawing/2010/main" xmlns="">
+                    <a:solidFill>
+                      <a:schemeClr val="accent1"/>
+                    </a:solidFill>
+                  </a14:hiddenFill>
+                </a:ext>
+                <a:ext uri="{91240B29-F687-4f45-9708-019B960494DF}">
+                  <a14:hiddenLine xmlns:a14="http://schemas.microsoft.com/office/drawing/2010/main" xmlns="" w="9525" cap="flat" cmpd="sng" algn="ctr">
+                    <a:solidFill>
+                      <a:schemeClr val="tx1"/>
+                    </a:solidFill>
+                    <a:prstDash val="solid"/>
+                    <a:round/>
+                    <a:headEnd type="none" w="med" len="med"/>
+                    <a:tailEnd type="none" w="med" len="med"/>
+                  </a14:hiddenLine>
+                </a:ext>
+                <a:ext uri="{AF507438-7753-43e0-B8FC-AC1667EBCBE1}">
+                  <a14:hiddenEffects xmlns:a14="http://schemas.microsoft.com/office/drawing/2010/main" xmlns="">
+                    <a:effectLst>
+                      <a:outerShdw blurRad="63500" dist="35921" dir="2700000" algn="ctr" rotWithShape="0">
+                        <a:schemeClr val="bg2"/>
+                      </a:outerShdw>
+                    </a:effectLst>
+                  </a14:hiddenEffects>
+                </a:ext>
+              </a:extLst>
+            </p:spPr>
+            <p:txBody>
+              <a:bodyPr vert="horz" wrap="square" lIns="91440" tIns="45720" rIns="91440" bIns="45720" numCol="1" rtlCol="0" anchor="t" anchorCtr="0" compatLnSpc="1">
+                <a:prstTxWarp prst="textNoShape">
+                  <a:avLst/>
+                </a:prstTxWarp>
+              </a:bodyPr>
+              <a:lstStyle/>
+              <a:p>
+                <a:pPr algn="ctr"/>
+                <a:endParaRPr lang="en-US" dirty="0">
+                  <a:solidFill>
+                    <a:schemeClr val="tx1">
+                      <a:lumMod val="65000"/>
+                      <a:lumOff val="35000"/>
+                    </a:schemeClr>
+                  </a:solidFill>
+                  <a:latin typeface="Hiragino Kaku Gothic Pro W3" charset="-128"/>
+                  <a:ea typeface="Hiragino Kaku Gothic Pro W3" charset="-128"/>
+                  <a:cs typeface="Hiragino Kaku Gothic Pro W3" charset="-128"/>
+                </a:endParaRPr>
+              </a:p>
+            </p:txBody>
+          </p:sp>
+        </p:grpSp>
+        <mc:AlternateContent xmlns:mc="http://schemas.openxmlformats.org/markup-compatibility/2006" xmlns:a14="http://schemas.microsoft.com/office/drawing/2010/main">
+          <mc:Choice Requires="a14">
+            <p:sp>
+              <p:nvSpPr>
+                <p:cNvPr id="12" name="TextBox 11">
+                  <a:extLst>
+                    <a:ext uri="{FF2B5EF4-FFF2-40B4-BE49-F238E27FC236}">
+                      <a16:creationId xmlns:a16="http://schemas.microsoft.com/office/drawing/2014/main" id="{369B2683-681F-3848-91D8-95EDE529C090}"/>
+                    </a:ext>
+                  </a:extLst>
+                </p:cNvPr>
+                <p:cNvSpPr txBox="1"/>
+                <p:nvPr/>
+              </p:nvSpPr>
+              <p:spPr>
+                <a:xfrm>
+                  <a:off x="613111" y="1515143"/>
+                  <a:ext cx="438453" cy="430887"/>
+                </a:xfrm>
+                <a:prstGeom prst="rect">
+                  <a:avLst/>
+                </a:prstGeom>
+                <a:noFill/>
+              </p:spPr>
+              <p:txBody>
+                <a:bodyPr wrap="none" rtlCol="0">
+                  <a:spAutoFit/>
+                </a:bodyPr>
+                <a:lstStyle/>
+                <a:p>
+                  <a:pPr/>
+                  <a14:m>
+                    <m:oMathPara xmlns:m="http://schemas.openxmlformats.org/officeDocument/2006/math">
+                      <m:oMathParaPr>
+                        <m:jc m:val="centerGroup"/>
+                      </m:oMathParaPr>
+                      <m:oMath xmlns:m="http://schemas.openxmlformats.org/officeDocument/2006/math">
+                        <m:r>
+                          <a:rPr lang="en-US" i="1" dirty="0" smtClean="0">
+                            <a:solidFill>
+                              <a:schemeClr val="tx1"/>
+                            </a:solidFill>
+                            <a:latin typeface="Cambria Math" panose="02040503050406030204" pitchFamily="18" charset="0"/>
+                            <a:ea typeface="Hiragino Kaku Gothic Pro W3" charset="-128"/>
+                            <a:cs typeface="Hiragino Kaku Gothic Pro W3" charset="-128"/>
+                          </a:rPr>
+                          <m:t>𝑥</m:t>
+                        </m:r>
+                      </m:oMath>
+                    </m:oMathPara>
+                  </a14:m>
+                  <a:endParaRPr lang="en-US" dirty="0">
+                    <a:solidFill>
+                      <a:schemeClr val="tx1"/>
+                    </a:solidFill>
+                    <a:latin typeface="Hiragino Kaku Gothic Pro W3" charset="-128"/>
+                    <a:ea typeface="Hiragino Kaku Gothic Pro W3" charset="-128"/>
+                    <a:cs typeface="Hiragino Kaku Gothic Pro W3" charset="-128"/>
+                  </a:endParaRPr>
+                </a:p>
+              </p:txBody>
+            </p:sp>
+          </mc:Choice>
+          <mc:Fallback xmlns="">
+            <p:sp>
+              <p:nvSpPr>
+                <p:cNvPr id="12" name="TextBox 11">
+                  <a:extLst>
+                    <a:ext uri="{FF2B5EF4-FFF2-40B4-BE49-F238E27FC236}">
+                      <a16:creationId xmlns:a16="http://schemas.microsoft.com/office/drawing/2014/main" id="{369B2683-681F-3848-91D8-95EDE529C090}"/>
+                    </a:ext>
+                  </a:extLst>
+                </p:cNvPr>
+                <p:cNvSpPr txBox="1">
+                  <a:spLocks noRot="1" noChangeAspect="1" noMove="1" noResize="1" noEditPoints="1" noAdjustHandles="1" noChangeArrowheads="1" noChangeShapeType="1" noTextEdit="1"/>
+                </p:cNvSpPr>
+                <p:nvPr/>
+              </p:nvSpPr>
+              <p:spPr>
+                <a:xfrm>
+                  <a:off x="613111" y="1515143"/>
+                  <a:ext cx="438453" cy="430887"/>
+                </a:xfrm>
+                <a:prstGeom prst="rect">
+                  <a:avLst/>
+                </a:prstGeom>
+                <a:blipFill>
+                  <a:blip r:embed="rId2"/>
+                  <a:stretch>
+                    <a:fillRect/>
+                  </a:stretch>
+                </a:blipFill>
+              </p:spPr>
+              <p:txBody>
+                <a:bodyPr/>
+                <a:lstStyle/>
+                <a:p>
+                  <a:r>
+                    <a:rPr lang="en-US">
+                      <a:noFill/>
+                    </a:rPr>
+                    <a:t> </a:t>
+                  </a:r>
+                </a:p>
+              </p:txBody>
+            </p:sp>
+          </mc:Fallback>
+        </mc:AlternateContent>
+        <mc:AlternateContent xmlns:mc="http://schemas.openxmlformats.org/markup-compatibility/2006" xmlns:a14="http://schemas.microsoft.com/office/drawing/2010/main">
+          <mc:Choice Requires="a14">
+            <p:sp>
+              <p:nvSpPr>
+                <p:cNvPr id="13" name="TextBox 12">
+                  <a:extLst>
+                    <a:ext uri="{FF2B5EF4-FFF2-40B4-BE49-F238E27FC236}">
+                      <a16:creationId xmlns:a16="http://schemas.microsoft.com/office/drawing/2014/main" id="{4D2EF37F-704B-394F-99D7-44C09521EC28}"/>
+                    </a:ext>
+                  </a:extLst>
+                </p:cNvPr>
+                <p:cNvSpPr txBox="1"/>
+                <p:nvPr/>
+              </p:nvSpPr>
+              <p:spPr>
+                <a:xfrm>
+                  <a:off x="5609626" y="1479971"/>
+                  <a:ext cx="2402966" cy="474489"/>
+                </a:xfrm>
+                <a:prstGeom prst="rect">
+                  <a:avLst/>
+                </a:prstGeom>
+                <a:noFill/>
+              </p:spPr>
+              <p:txBody>
+                <a:bodyPr wrap="none" rtlCol="0">
+                  <a:spAutoFit/>
+                </a:bodyPr>
+                <a:lstStyle/>
+                <a:p>
+                  <a:pPr/>
+                  <a14:m>
+                    <m:oMathPara xmlns:m="http://schemas.openxmlformats.org/officeDocument/2006/math">
+                      <m:oMathParaPr>
+                        <m:jc m:val="centerGroup"/>
+                      </m:oMathParaPr>
+                      <m:oMath xmlns:m="http://schemas.openxmlformats.org/officeDocument/2006/math">
+                        <m:acc>
+                          <m:accPr>
+                            <m:chr m:val="̂"/>
+                            <m:ctrlPr>
+                              <a:rPr lang="en-US" b="0" i="1" dirty="0" smtClean="0">
+                                <a:solidFill>
+                                  <a:schemeClr val="tx1"/>
+                                </a:solidFill>
+                                <a:latin typeface="Cambria Math" panose="02040503050406030204" pitchFamily="18" charset="0"/>
+                                <a:ea typeface="Hiragino Kaku Gothic Pro W3" charset="-128"/>
+                              </a:rPr>
+                            </m:ctrlPr>
+                          </m:accPr>
+                          <m:e>
+                            <m:r>
+                              <a:rPr lang="en-US" b="0" i="1" dirty="0" smtClean="0">
+                                <a:solidFill>
+                                  <a:schemeClr val="tx1"/>
+                                </a:solidFill>
+                                <a:latin typeface="Cambria Math" panose="02040503050406030204" pitchFamily="18" charset="0"/>
+                                <a:ea typeface="Hiragino Kaku Gothic Pro W3" charset="-128"/>
+                              </a:rPr>
+                              <m:t>𝑥</m:t>
+                            </m:r>
+                          </m:e>
+                        </m:acc>
+                        <m:r>
+                          <a:rPr lang="en-US" b="0" i="1" dirty="0" smtClean="0">
+                            <a:solidFill>
+                              <a:schemeClr val="tx1"/>
+                            </a:solidFill>
+                            <a:latin typeface="Cambria Math" panose="02040503050406030204" pitchFamily="18" charset="0"/>
+                            <a:ea typeface="Hiragino Kaku Gothic Pro W3" charset="-128"/>
+                          </a:rPr>
+                          <m:t>=</m:t>
+                        </m:r>
+                        <m:r>
+                          <m:rPr>
+                            <m:sty m:val="p"/>
+                          </m:rPr>
+                          <a:rPr lang="en-US" b="0" i="0" dirty="0" smtClean="0">
+                            <a:solidFill>
+                              <a:schemeClr val="tx1"/>
+                            </a:solidFill>
+                            <a:latin typeface="Cambria Math" panose="02040503050406030204" pitchFamily="18" charset="0"/>
+                            <a:ea typeface="Hiragino Kaku Gothic Pro W3" charset="-128"/>
+                          </a:rPr>
+                          <m:t>Dec</m:t>
+                        </m:r>
+                        <m:d>
+                          <m:dPr>
+                            <m:ctrlPr>
+                              <a:rPr lang="en-US" b="0" i="1" dirty="0" smtClean="0">
+                                <a:solidFill>
+                                  <a:schemeClr val="tx1"/>
+                                </a:solidFill>
+                                <a:latin typeface="Cambria Math" panose="02040503050406030204" pitchFamily="18" charset="0"/>
+                                <a:ea typeface="Hiragino Kaku Gothic Pro W3" charset="-128"/>
+                              </a:rPr>
+                            </m:ctrlPr>
+                          </m:dPr>
+                          <m:e>
+                            <m:r>
+                              <m:rPr>
+                                <m:sty m:val="p"/>
+                              </m:rPr>
+                              <a:rPr lang="en-US" b="0" i="0" dirty="0" smtClean="0">
+                                <a:solidFill>
+                                  <a:schemeClr val="tx1"/>
+                                </a:solidFill>
+                                <a:latin typeface="Cambria Math" panose="02040503050406030204" pitchFamily="18" charset="0"/>
+                                <a:ea typeface="Hiragino Kaku Gothic Pro W3" charset="-128"/>
+                              </a:rPr>
+                              <m:t>Enc</m:t>
+                            </m:r>
+                            <m:d>
+                              <m:dPr>
+                                <m:ctrlPr>
+                                  <a:rPr lang="en-US" b="0" i="1" dirty="0" smtClean="0">
+                                    <a:solidFill>
+                                      <a:schemeClr val="tx1"/>
+                                    </a:solidFill>
+                                    <a:latin typeface="Cambria Math" panose="02040503050406030204" pitchFamily="18" charset="0"/>
+                                    <a:ea typeface="Hiragino Kaku Gothic Pro W3" charset="-128"/>
+                                  </a:rPr>
+                                </m:ctrlPr>
+                              </m:dPr>
+                              <m:e>
+                                <m:r>
+                                  <a:rPr lang="en-US" b="0" i="1" dirty="0" smtClean="0">
+                                    <a:solidFill>
+                                      <a:schemeClr val="tx1"/>
+                                    </a:solidFill>
+                                    <a:latin typeface="Cambria Math" panose="02040503050406030204" pitchFamily="18" charset="0"/>
+                                    <a:ea typeface="Hiragino Kaku Gothic Pro W3" charset="-128"/>
+                                  </a:rPr>
+                                  <m:t>𝑥</m:t>
+                                </m:r>
+                              </m:e>
+                            </m:d>
+                          </m:e>
+                        </m:d>
+                      </m:oMath>
+                    </m:oMathPara>
+                  </a14:m>
+                  <a:endParaRPr lang="en-US" dirty="0">
+                    <a:solidFill>
+                      <a:schemeClr val="tx1"/>
+                    </a:solidFill>
+                    <a:latin typeface="Hiragino Kaku Gothic Pro W3" charset="-128"/>
+                    <a:ea typeface="Hiragino Kaku Gothic Pro W3" charset="-128"/>
+                    <a:cs typeface="Hiragino Kaku Gothic Pro W3" charset="-128"/>
+                  </a:endParaRPr>
+                </a:p>
+              </p:txBody>
+            </p:sp>
+          </mc:Choice>
+          <mc:Fallback xmlns="">
+            <p:sp>
+              <p:nvSpPr>
+                <p:cNvPr id="13" name="TextBox 12">
+                  <a:extLst>
+                    <a:ext uri="{FF2B5EF4-FFF2-40B4-BE49-F238E27FC236}">
+                      <a16:creationId xmlns:a16="http://schemas.microsoft.com/office/drawing/2014/main" id="{4D2EF37F-704B-394F-99D7-44C09521EC28}"/>
+                    </a:ext>
+                  </a:extLst>
+                </p:cNvPr>
+                <p:cNvSpPr txBox="1">
+                  <a:spLocks noRot="1" noChangeAspect="1" noMove="1" noResize="1" noEditPoints="1" noAdjustHandles="1" noChangeArrowheads="1" noChangeShapeType="1" noTextEdit="1"/>
+                </p:cNvSpPr>
+                <p:nvPr/>
+              </p:nvSpPr>
+              <p:spPr>
+                <a:xfrm>
+                  <a:off x="5609626" y="1479971"/>
+                  <a:ext cx="2402966" cy="474489"/>
+                </a:xfrm>
+                <a:prstGeom prst="rect">
+                  <a:avLst/>
+                </a:prstGeom>
+                <a:blipFill>
+                  <a:blip r:embed="rId3"/>
+                  <a:stretch>
+                    <a:fillRect/>
+                  </a:stretch>
+                </a:blipFill>
+              </p:spPr>
+              <p:txBody>
+                <a:bodyPr/>
+                <a:lstStyle/>
+                <a:p>
+                  <a:r>
+                    <a:rPr lang="en-US">
+                      <a:noFill/>
+                    </a:rPr>
+                    <a:t> </a:t>
+                  </a:r>
+                </a:p>
+              </p:txBody>
+            </p:sp>
+          </mc:Fallback>
+        </mc:AlternateContent>
+        <mc:AlternateContent xmlns:mc="http://schemas.openxmlformats.org/markup-compatibility/2006" xmlns:a14="http://schemas.microsoft.com/office/drawing/2010/main">
+          <mc:Choice Requires="a14">
+            <p:sp>
+              <p:nvSpPr>
+                <p:cNvPr id="14" name="TextBox 13">
+                  <a:extLst>
+                    <a:ext uri="{FF2B5EF4-FFF2-40B4-BE49-F238E27FC236}">
+                      <a16:creationId xmlns:a16="http://schemas.microsoft.com/office/drawing/2014/main" id="{121FD521-0510-304A-98E9-2D290B82D2C2}"/>
+                    </a:ext>
+                  </a:extLst>
+                </p:cNvPr>
+                <p:cNvSpPr txBox="1"/>
+                <p:nvPr/>
+              </p:nvSpPr>
+              <p:spPr>
+                <a:xfrm>
+                  <a:off x="2993066" y="1515142"/>
+                  <a:ext cx="1657313" cy="430887"/>
+                </a:xfrm>
+                <a:prstGeom prst="rect">
+                  <a:avLst/>
+                </a:prstGeom>
+                <a:noFill/>
+              </p:spPr>
+              <p:txBody>
+                <a:bodyPr wrap="none" rtlCol="0">
+                  <a:spAutoFit/>
+                </a:bodyPr>
+                <a:lstStyle/>
+                <a:p>
+                  <a:pPr/>
+                  <a14:m>
+                    <m:oMathPara xmlns:m="http://schemas.openxmlformats.org/officeDocument/2006/math">
+                      <m:oMathParaPr>
+                        <m:jc m:val="centerGroup"/>
+                      </m:oMathParaPr>
+                      <m:oMath xmlns:m="http://schemas.openxmlformats.org/officeDocument/2006/math">
+                        <m:r>
+                          <a:rPr lang="en-US" b="0" i="1" dirty="0" smtClean="0">
+                            <a:solidFill>
+                              <a:schemeClr val="tx1"/>
+                            </a:solidFill>
+                            <a:latin typeface="Cambria Math" panose="02040503050406030204" pitchFamily="18" charset="0"/>
+                            <a:ea typeface="Hiragino Kaku Gothic Pro W3" charset="-128"/>
+                            <a:cs typeface="Hiragino Kaku Gothic Pro W3" charset="-128"/>
+                          </a:rPr>
+                          <m:t>𝑧</m:t>
+                        </m:r>
+                        <m:r>
+                          <a:rPr lang="en-US" b="0" i="1" dirty="0" smtClean="0">
+                            <a:solidFill>
+                              <a:schemeClr val="tx1"/>
+                            </a:solidFill>
+                            <a:latin typeface="Cambria Math" panose="02040503050406030204" pitchFamily="18" charset="0"/>
+                            <a:ea typeface="Hiragino Kaku Gothic Pro W3" charset="-128"/>
+                            <a:cs typeface="Hiragino Kaku Gothic Pro W3" charset="-128"/>
+                          </a:rPr>
+                          <m:t>=</m:t>
+                        </m:r>
+                        <m:r>
+                          <m:rPr>
+                            <m:sty m:val="p"/>
+                          </m:rPr>
+                          <a:rPr lang="en-US" b="0" i="0" dirty="0" smtClean="0">
+                            <a:solidFill>
+                              <a:schemeClr val="tx1"/>
+                            </a:solidFill>
+                            <a:latin typeface="Cambria Math" panose="02040503050406030204" pitchFamily="18" charset="0"/>
+                            <a:ea typeface="Hiragino Kaku Gothic Pro W3" charset="-128"/>
+                            <a:cs typeface="Hiragino Kaku Gothic Pro W3" charset="-128"/>
+                          </a:rPr>
+                          <m:t>Enc</m:t>
+                        </m:r>
+                        <m:r>
+                          <a:rPr lang="en-US" b="0" i="1" dirty="0" smtClean="0">
+                            <a:solidFill>
+                              <a:schemeClr val="tx1"/>
+                            </a:solidFill>
+                            <a:latin typeface="Cambria Math" panose="02040503050406030204" pitchFamily="18" charset="0"/>
+                            <a:ea typeface="Hiragino Kaku Gothic Pro W3" charset="-128"/>
+                            <a:cs typeface="Hiragino Kaku Gothic Pro W3" charset="-128"/>
+                          </a:rPr>
+                          <m:t>(</m:t>
+                        </m:r>
+                        <m:r>
+                          <a:rPr lang="en-US" b="0" i="1" dirty="0" smtClean="0">
+                            <a:solidFill>
+                              <a:schemeClr val="tx1"/>
+                            </a:solidFill>
+                            <a:latin typeface="Cambria Math" panose="02040503050406030204" pitchFamily="18" charset="0"/>
+                            <a:ea typeface="Hiragino Kaku Gothic Pro W3" charset="-128"/>
+                            <a:cs typeface="Hiragino Kaku Gothic Pro W3" charset="-128"/>
+                          </a:rPr>
+                          <m:t>𝑥</m:t>
+                        </m:r>
+                        <m:r>
+                          <a:rPr lang="en-US" b="0" i="1" dirty="0" smtClean="0">
+                            <a:solidFill>
+                              <a:schemeClr val="tx1"/>
+                            </a:solidFill>
+                            <a:latin typeface="Cambria Math" panose="02040503050406030204" pitchFamily="18" charset="0"/>
+                            <a:ea typeface="Hiragino Kaku Gothic Pro W3" charset="-128"/>
+                            <a:cs typeface="Hiragino Kaku Gothic Pro W3" charset="-128"/>
+                          </a:rPr>
+                          <m:t>)</m:t>
+                        </m:r>
+                      </m:oMath>
+                    </m:oMathPara>
+                  </a14:m>
+                  <a:endParaRPr lang="en-US" dirty="0">
+                    <a:solidFill>
+                      <a:schemeClr val="tx1"/>
+                    </a:solidFill>
+                    <a:latin typeface="Hiragino Kaku Gothic Pro W3" charset="-128"/>
+                    <a:ea typeface="Hiragino Kaku Gothic Pro W3" charset="-128"/>
+                    <a:cs typeface="Hiragino Kaku Gothic Pro W3" charset="-128"/>
+                  </a:endParaRPr>
+                </a:p>
+              </p:txBody>
+            </p:sp>
+          </mc:Choice>
+          <mc:Fallback xmlns="">
+            <p:sp>
+              <p:nvSpPr>
+                <p:cNvPr id="14" name="TextBox 13">
+                  <a:extLst>
+                    <a:ext uri="{FF2B5EF4-FFF2-40B4-BE49-F238E27FC236}">
+                      <a16:creationId xmlns:a16="http://schemas.microsoft.com/office/drawing/2014/main" id="{121FD521-0510-304A-98E9-2D290B82D2C2}"/>
+                    </a:ext>
+                  </a:extLst>
+                </p:cNvPr>
+                <p:cNvSpPr txBox="1">
+                  <a:spLocks noRot="1" noChangeAspect="1" noMove="1" noResize="1" noEditPoints="1" noAdjustHandles="1" noChangeArrowheads="1" noChangeShapeType="1" noTextEdit="1"/>
+                </p:cNvSpPr>
+                <p:nvPr/>
+              </p:nvSpPr>
+              <p:spPr>
+                <a:xfrm>
+                  <a:off x="2993066" y="1515142"/>
+                  <a:ext cx="1657313" cy="430887"/>
+                </a:xfrm>
+                <a:prstGeom prst="rect">
+                  <a:avLst/>
+                </a:prstGeom>
+                <a:blipFill>
+                  <a:blip r:embed="rId4"/>
+                  <a:stretch>
+                    <a:fillRect b="-17143"/>
+                  </a:stretch>
+                </a:blipFill>
+              </p:spPr>
+              <p:txBody>
+                <a:bodyPr/>
+                <a:lstStyle/>
+                <a:p>
+                  <a:r>
+                    <a:rPr lang="en-US">
+                      <a:noFill/>
+                    </a:rPr>
+                    <a:t> </a:t>
+                  </a:r>
+                </a:p>
+              </p:txBody>
+            </p:sp>
+          </mc:Fallback>
+        </mc:AlternateContent>
+        <mc:AlternateContent xmlns:mc="http://schemas.openxmlformats.org/markup-compatibility/2006" xmlns:a14="http://schemas.microsoft.com/office/drawing/2010/main">
+          <mc:Choice Requires="a14">
+            <p:sp>
+              <p:nvSpPr>
+                <p:cNvPr id="15" name="TextBox 14">
+                  <a:extLst>
+                    <a:ext uri="{FF2B5EF4-FFF2-40B4-BE49-F238E27FC236}">
+                      <a16:creationId xmlns:a16="http://schemas.microsoft.com/office/drawing/2014/main" id="{DF8F84CF-7184-C147-B401-DF5BD113EFF6}"/>
+                    </a:ext>
+                  </a:extLst>
+                </p:cNvPr>
+                <p:cNvSpPr txBox="1"/>
+                <p:nvPr/>
+              </p:nvSpPr>
+              <p:spPr>
+                <a:xfrm>
+                  <a:off x="1965393" y="3213556"/>
+                  <a:ext cx="723275" cy="430887"/>
+                </a:xfrm>
+                <a:prstGeom prst="rect">
+                  <a:avLst/>
+                </a:prstGeom>
+                <a:noFill/>
+              </p:spPr>
+              <p:txBody>
+                <a:bodyPr wrap="none" rtlCol="0">
+                  <a:spAutoFit/>
+                </a:bodyPr>
+                <a:lstStyle/>
+                <a:p>
+                  <a:pPr/>
+                  <a14:m>
+                    <m:oMathPara xmlns:m="http://schemas.openxmlformats.org/officeDocument/2006/math">
+                      <m:oMathParaPr>
+                        <m:jc m:val="centerGroup"/>
+                      </m:oMathParaPr>
+                      <m:oMath xmlns:m="http://schemas.openxmlformats.org/officeDocument/2006/math">
+                        <m:r>
+                          <m:rPr>
+                            <m:sty m:val="p"/>
+                          </m:rPr>
+                          <a:rPr lang="en-US" b="0" i="0" dirty="0" smtClean="0">
+                            <a:solidFill>
+                              <a:schemeClr val="tx1"/>
+                            </a:solidFill>
+                            <a:latin typeface="Cambria Math" panose="02040503050406030204" pitchFamily="18" charset="0"/>
+                            <a:ea typeface="Hiragino Kaku Gothic Pro W3" charset="-128"/>
+                            <a:cs typeface="Hiragino Kaku Gothic Pro W3" charset="-128"/>
+                          </a:rPr>
+                          <m:t>Enc</m:t>
+                        </m:r>
+                      </m:oMath>
+                    </m:oMathPara>
+                  </a14:m>
+                  <a:endParaRPr lang="en-US" dirty="0">
+                    <a:solidFill>
+                      <a:schemeClr val="tx1"/>
+                    </a:solidFill>
+                    <a:latin typeface="Hiragino Kaku Gothic Pro W3" charset="-128"/>
+                    <a:ea typeface="Hiragino Kaku Gothic Pro W3" charset="-128"/>
+                    <a:cs typeface="Hiragino Kaku Gothic Pro W3" charset="-128"/>
+                  </a:endParaRPr>
+                </a:p>
+              </p:txBody>
+            </p:sp>
+          </mc:Choice>
+          <mc:Fallback xmlns="">
+            <p:sp>
+              <p:nvSpPr>
+                <p:cNvPr id="15" name="TextBox 14">
+                  <a:extLst>
+                    <a:ext uri="{FF2B5EF4-FFF2-40B4-BE49-F238E27FC236}">
+                      <a16:creationId xmlns:a16="http://schemas.microsoft.com/office/drawing/2014/main" id="{DF8F84CF-7184-C147-B401-DF5BD113EFF6}"/>
+                    </a:ext>
+                  </a:extLst>
+                </p:cNvPr>
+                <p:cNvSpPr txBox="1">
+                  <a:spLocks noRot="1" noChangeAspect="1" noMove="1" noResize="1" noEditPoints="1" noAdjustHandles="1" noChangeArrowheads="1" noChangeShapeType="1" noTextEdit="1"/>
+                </p:cNvSpPr>
+                <p:nvPr/>
+              </p:nvSpPr>
+              <p:spPr>
+                <a:xfrm>
+                  <a:off x="1965393" y="3213556"/>
+                  <a:ext cx="723275" cy="430887"/>
+                </a:xfrm>
+                <a:prstGeom prst="rect">
+                  <a:avLst/>
+                </a:prstGeom>
+                <a:blipFill>
+                  <a:blip r:embed="rId5"/>
+                  <a:stretch>
+                    <a:fillRect/>
+                  </a:stretch>
+                </a:blipFill>
+              </p:spPr>
+              <p:txBody>
+                <a:bodyPr/>
+                <a:lstStyle/>
+                <a:p>
+                  <a:r>
+                    <a:rPr lang="en-US">
+                      <a:noFill/>
+                    </a:rPr>
+                    <a:t> </a:t>
+                  </a:r>
+                </a:p>
+              </p:txBody>
+            </p:sp>
+          </mc:Fallback>
+        </mc:AlternateContent>
+        <mc:AlternateContent xmlns:mc="http://schemas.openxmlformats.org/markup-compatibility/2006" xmlns:a14="http://schemas.microsoft.com/office/drawing/2010/main">
+          <mc:Choice Requires="a14">
+            <p:sp>
+              <p:nvSpPr>
+                <p:cNvPr id="16" name="TextBox 15">
+                  <a:extLst>
+                    <a:ext uri="{FF2B5EF4-FFF2-40B4-BE49-F238E27FC236}">
+                      <a16:creationId xmlns:a16="http://schemas.microsoft.com/office/drawing/2014/main" id="{E975FC8C-1EA3-6C46-9B4C-266E79C404AD}"/>
+                    </a:ext>
+                  </a:extLst>
+                </p:cNvPr>
+                <p:cNvSpPr txBox="1"/>
+                <p:nvPr/>
+              </p:nvSpPr>
+              <p:spPr>
+                <a:xfrm>
+                  <a:off x="4939870" y="3213555"/>
+                  <a:ext cx="753091" cy="430887"/>
+                </a:xfrm>
+                <a:prstGeom prst="rect">
+                  <a:avLst/>
+                </a:prstGeom>
+                <a:noFill/>
+              </p:spPr>
+              <p:txBody>
+                <a:bodyPr wrap="none" rtlCol="0">
+                  <a:spAutoFit/>
+                </a:bodyPr>
+                <a:lstStyle/>
+                <a:p>
+                  <a:pPr/>
+                  <a14:m>
+                    <m:oMathPara xmlns:m="http://schemas.openxmlformats.org/officeDocument/2006/math">
+                      <m:oMathParaPr>
+                        <m:jc m:val="centerGroup"/>
+                      </m:oMathParaPr>
+                      <m:oMath xmlns:m="http://schemas.openxmlformats.org/officeDocument/2006/math">
+                        <m:r>
+                          <m:rPr>
+                            <m:sty m:val="p"/>
+                          </m:rPr>
+                          <a:rPr lang="en-US" b="0" i="0" dirty="0" smtClean="0">
+                            <a:solidFill>
+                              <a:schemeClr val="tx1"/>
+                            </a:solidFill>
+                            <a:latin typeface="Cambria Math" panose="02040503050406030204" pitchFamily="18" charset="0"/>
+                            <a:ea typeface="Hiragino Kaku Gothic Pro W3" charset="-128"/>
+                            <a:cs typeface="Hiragino Kaku Gothic Pro W3" charset="-128"/>
+                          </a:rPr>
+                          <m:t>Dec</m:t>
+                        </m:r>
+                      </m:oMath>
+                    </m:oMathPara>
+                  </a14:m>
+                  <a:endParaRPr lang="en-US" dirty="0">
+                    <a:solidFill>
+                      <a:schemeClr val="tx1"/>
+                    </a:solidFill>
+                    <a:latin typeface="Hiragino Kaku Gothic Pro W3" charset="-128"/>
+                    <a:ea typeface="Hiragino Kaku Gothic Pro W3" charset="-128"/>
+                    <a:cs typeface="Hiragino Kaku Gothic Pro W3" charset="-128"/>
+                  </a:endParaRPr>
+                </a:p>
+              </p:txBody>
+            </p:sp>
+          </mc:Choice>
+          <mc:Fallback xmlns="">
+            <p:sp>
+              <p:nvSpPr>
+                <p:cNvPr id="16" name="TextBox 15">
+                  <a:extLst>
+                    <a:ext uri="{FF2B5EF4-FFF2-40B4-BE49-F238E27FC236}">
+                      <a16:creationId xmlns:a16="http://schemas.microsoft.com/office/drawing/2014/main" id="{E975FC8C-1EA3-6C46-9B4C-266E79C404AD}"/>
+                    </a:ext>
+                  </a:extLst>
+                </p:cNvPr>
+                <p:cNvSpPr txBox="1">
+                  <a:spLocks noRot="1" noChangeAspect="1" noMove="1" noResize="1" noEditPoints="1" noAdjustHandles="1" noChangeArrowheads="1" noChangeShapeType="1" noTextEdit="1"/>
+                </p:cNvSpPr>
+                <p:nvPr/>
+              </p:nvSpPr>
+              <p:spPr>
+                <a:xfrm>
+                  <a:off x="4939870" y="3213555"/>
+                  <a:ext cx="753091" cy="430887"/>
+                </a:xfrm>
+                <a:prstGeom prst="rect">
+                  <a:avLst/>
+                </a:prstGeom>
+                <a:blipFill>
+                  <a:blip r:embed="rId6"/>
+                  <a:stretch>
+                    <a:fillRect/>
+                  </a:stretch>
+                </a:blipFill>
+              </p:spPr>
+              <p:txBody>
+                <a:bodyPr/>
+                <a:lstStyle/>
+                <a:p>
+                  <a:r>
+                    <a:rPr lang="en-US">
+                      <a:noFill/>
+                    </a:rPr>
+                    <a:t> </a:t>
+                  </a:r>
+                </a:p>
+              </p:txBody>
+            </p:sp>
+          </mc:Fallback>
+        </mc:AlternateContent>
+      </p:grpSp>
+      <mc:AlternateContent xmlns:mc="http://schemas.openxmlformats.org/markup-compatibility/2006" xmlns:a14="http://schemas.microsoft.com/office/drawing/2010/main">
+        <mc:Choice Requires="a14">
+          <p:sp>
+            <p:nvSpPr>
+              <p:cNvPr id="2" name="Rectangular Callout 1">
+                <a:extLst>
+                  <a:ext uri="{FF2B5EF4-FFF2-40B4-BE49-F238E27FC236}">
+                    <a16:creationId xmlns:a16="http://schemas.microsoft.com/office/drawing/2014/main" id="{EAE78550-E059-6942-B1A6-C7EF485B697B}"/>
+                  </a:ext>
+                </a:extLst>
+              </p:cNvPr>
+              <p:cNvSpPr/>
+              <p:nvPr/>
+            </p:nvSpPr>
+            <p:spPr bwMode="auto">
+              <a:xfrm>
+                <a:off x="2930769" y="4795145"/>
+                <a:ext cx="2086707" cy="854242"/>
+              </a:xfrm>
+              <a:prstGeom prst="wedgeRectCallout">
+                <a:avLst>
+                  <a:gd name="adj1" fmla="val -6995"/>
+                  <a:gd name="adj2" fmla="val -88204"/>
+                </a:avLst>
+              </a:prstGeom>
+              <a:solidFill>
+                <a:schemeClr val="bg1"/>
+              </a:solidFill>
+              <a:ln>
+                <a:solidFill>
+                  <a:schemeClr val="bg1">
+                    <a:lumMod val="75000"/>
+                  </a:schemeClr>
+                </a:solidFill>
+              </a:ln>
+              <a:effectLst/>
+              <a:extLst>
+                <a:ext uri="{909E8E84-426E-40dd-AFC4-6F175D3DCCD1}">
+                  <a14:hiddenFill xmlns="">
+                    <a:solidFill>
+                      <a:schemeClr val="accent1"/>
+                    </a:solidFill>
+                  </a14:hiddenFill>
+                </a:ext>
+                <a:ext uri="{91240B29-F687-4f45-9708-019B960494DF}">
+                  <a14:hiddenLine xmlns="" w="9525" cap="flat" cmpd="sng" algn="ctr">
+                    <a:solidFill>
+                      <a:schemeClr val="tx1"/>
+                    </a:solidFill>
+                    <a:prstDash val="solid"/>
+                    <a:round/>
+                    <a:headEnd type="none" w="med" len="med"/>
+                    <a:tailEnd type="none" w="med" len="med"/>
+                  </a14:hiddenLine>
+                </a:ext>
+                <a:ext uri="{AF507438-7753-43e0-B8FC-AC1667EBCBE1}">
+                  <a14:hiddenEffects xmlns="">
+                    <a:effectLst>
+                      <a:outerShdw blurRad="63500" dist="35921" dir="2700000" algn="ctr" rotWithShape="0">
+                        <a:schemeClr val="bg2"/>
+                      </a:outerShdw>
+                    </a:effectLst>
+                  </a14:hiddenEffects>
+                </a:ext>
+              </a:extLst>
+            </p:spPr>
+            <p:txBody>
+              <a:bodyPr vert="horz" wrap="square" lIns="91440" tIns="45720" rIns="91440" bIns="45720" numCol="1" rtlCol="0" anchor="t" anchorCtr="0" compatLnSpc="1">
+                <a:prstTxWarp prst="textNoShape">
+                  <a:avLst/>
+                </a:prstTxWarp>
+              </a:bodyPr>
+              <a:lstStyle/>
+              <a:p>
+                <a:pPr algn="ctr"/>
+                <a:r>
+                  <a:rPr lang="ja-JP" altLang="en-US" sz="1600">
+                    <a:solidFill>
+                      <a:schemeClr val="tx1">
+                        <a:lumMod val="65000"/>
+                        <a:lumOff val="35000"/>
+                      </a:schemeClr>
+                    </a:solidFill>
+                    <a:latin typeface="Hiragino Kaku Gothic Pro W3" charset="-128"/>
+                    <a:ea typeface="Hiragino Kaku Gothic Pro W3" charset="-128"/>
+                    <a:cs typeface="Hiragino Kaku Gothic Pro W3" charset="-128"/>
+                  </a:rPr>
+                  <a:t>エンコードした結果</a:t>
+                </a:r>
+                <a14:m>
+                  <m:oMath xmlns:m="http://schemas.openxmlformats.org/officeDocument/2006/math">
+                    <m:r>
+                      <a:rPr lang="en-US" altLang="ja-JP" sz="1600" b="0" i="1" smtClean="0">
+                        <a:solidFill>
+                          <a:schemeClr val="tx1">
+                            <a:lumMod val="65000"/>
+                            <a:lumOff val="35000"/>
+                          </a:schemeClr>
+                        </a:solidFill>
+                        <a:latin typeface="Cambria Math" panose="02040503050406030204" pitchFamily="18" charset="0"/>
+                        <a:ea typeface="Hiragino Kaku Gothic Pro W3" charset="-128"/>
+                        <a:cs typeface="Hiragino Kaku Gothic Pro W3" charset="-128"/>
+                      </a:rPr>
+                      <m:t>𝑥</m:t>
+                    </m:r>
+                  </m:oMath>
+                </a14:m>
+                <a:r>
+                  <a:rPr lang="en-US" altLang="ja-JP" sz="1600" dirty="0">
+                    <a:solidFill>
+                      <a:schemeClr val="tx1">
+                        <a:lumMod val="65000"/>
+                        <a:lumOff val="35000"/>
+                      </a:schemeClr>
+                    </a:solidFill>
+                    <a:latin typeface="Hiragino Kaku Gothic Pro W3" charset="-128"/>
+                    <a:ea typeface="Hiragino Kaku Gothic Pro W3" charset="-128"/>
+                    <a:cs typeface="Hiragino Kaku Gothic Pro W3" charset="-128"/>
+                  </a:rPr>
+                  <a:t> </a:t>
+                </a:r>
+                <a:r>
+                  <a:rPr lang="ja-JP" altLang="en-US" sz="1600">
+                    <a:solidFill>
+                      <a:schemeClr val="tx1">
+                        <a:lumMod val="65000"/>
+                        <a:lumOff val="35000"/>
+                      </a:schemeClr>
+                    </a:solidFill>
+                    <a:latin typeface="Hiragino Kaku Gothic Pro W3" charset="-128"/>
+                    <a:ea typeface="Hiragino Kaku Gothic Pro W3" charset="-128"/>
+                    <a:cs typeface="Hiragino Kaku Gothic Pro W3" charset="-128"/>
+                  </a:rPr>
+                  <a:t>の低次元表現</a:t>
+                </a:r>
+                <a:r>
+                  <a:rPr lang="en-US" altLang="ja-JP" sz="1600" dirty="0">
+                    <a:solidFill>
+                      <a:schemeClr val="tx1">
+                        <a:lumMod val="65000"/>
+                        <a:lumOff val="35000"/>
+                      </a:schemeClr>
+                    </a:solidFill>
+                    <a:latin typeface="Hiragino Kaku Gothic Pro W3" charset="-128"/>
+                    <a:ea typeface="Hiragino Kaku Gothic Pro W3" charset="-128"/>
+                    <a:cs typeface="Hiragino Kaku Gothic Pro W3" charset="-128"/>
+                  </a:rPr>
+                  <a:t> </a:t>
+                </a:r>
+                <a14:m>
+                  <m:oMath xmlns:m="http://schemas.openxmlformats.org/officeDocument/2006/math">
+                    <m:r>
+                      <a:rPr lang="en-US" altLang="ja-JP" sz="1600" b="0" i="1" smtClean="0">
+                        <a:solidFill>
+                          <a:schemeClr val="tx1">
+                            <a:lumMod val="65000"/>
+                            <a:lumOff val="35000"/>
+                          </a:schemeClr>
+                        </a:solidFill>
+                        <a:latin typeface="Cambria Math" panose="02040503050406030204" pitchFamily="18" charset="0"/>
+                        <a:ea typeface="Hiragino Kaku Gothic Pro W3" charset="-128"/>
+                        <a:cs typeface="Hiragino Kaku Gothic Pro W3" charset="-128"/>
+                      </a:rPr>
+                      <m:t>𝑧</m:t>
+                    </m:r>
+                  </m:oMath>
+                </a14:m>
+                <a:r>
+                  <a:rPr lang="en-US" altLang="ja-JP" sz="1600" dirty="0">
+                    <a:solidFill>
+                      <a:schemeClr val="tx1">
+                        <a:lumMod val="65000"/>
+                        <a:lumOff val="35000"/>
+                      </a:schemeClr>
+                    </a:solidFill>
+                    <a:latin typeface="Hiragino Kaku Gothic Pro W3" charset="-128"/>
+                    <a:ea typeface="Hiragino Kaku Gothic Pro W3" charset="-128"/>
+                    <a:cs typeface="Hiragino Kaku Gothic Pro W3" charset="-128"/>
+                  </a:rPr>
+                  <a:t> </a:t>
+                </a:r>
+                <a:r>
+                  <a:rPr lang="ja-JP" altLang="en-US" sz="1600">
+                    <a:solidFill>
+                      <a:schemeClr val="tx1">
+                        <a:lumMod val="65000"/>
+                        <a:lumOff val="35000"/>
+                      </a:schemeClr>
+                    </a:solidFill>
+                    <a:latin typeface="Hiragino Kaku Gothic Pro W3" charset="-128"/>
+                    <a:ea typeface="Hiragino Kaku Gothic Pro W3" charset="-128"/>
+                    <a:cs typeface="Hiragino Kaku Gothic Pro W3" charset="-128"/>
+                  </a:rPr>
+                  <a:t>が得られる</a:t>
+                </a:r>
+                <a:endParaRPr lang="en-US" sz="1600" dirty="0">
+                  <a:solidFill>
+                    <a:schemeClr val="tx1">
+                      <a:lumMod val="65000"/>
+                      <a:lumOff val="35000"/>
+                    </a:schemeClr>
+                  </a:solidFill>
+                  <a:latin typeface="Hiragino Kaku Gothic Pro W3" charset="-128"/>
+                  <a:ea typeface="Hiragino Kaku Gothic Pro W3" charset="-128"/>
+                  <a:cs typeface="Hiragino Kaku Gothic Pro W3" charset="-128"/>
+                </a:endParaRPr>
+              </a:p>
+            </p:txBody>
+          </p:sp>
+        </mc:Choice>
+        <mc:Fallback xmlns="">
+          <p:sp>
+            <p:nvSpPr>
+              <p:cNvPr id="2" name="Rectangular Callout 1">
+                <a:extLst>
+                  <a:ext uri="{FF2B5EF4-FFF2-40B4-BE49-F238E27FC236}">
+                    <a16:creationId xmlns:a16="http://schemas.microsoft.com/office/drawing/2014/main" id="{EAE78550-E059-6942-B1A6-C7EF485B697B}"/>
+                  </a:ext>
+                </a:extLst>
+              </p:cNvPr>
+              <p:cNvSpPr>
+                <a:spLocks noRot="1" noChangeAspect="1" noMove="1" noResize="1" noEditPoints="1" noAdjustHandles="1" noChangeArrowheads="1" noChangeShapeType="1" noTextEdit="1"/>
+              </p:cNvSpPr>
+              <p:nvPr/>
+            </p:nvSpPr>
+            <p:spPr bwMode="auto">
+              <a:xfrm>
+                <a:off x="2930769" y="4795145"/>
+                <a:ext cx="2086707" cy="854242"/>
+              </a:xfrm>
+              <a:prstGeom prst="wedgeRectCallout">
+                <a:avLst>
+                  <a:gd name="adj1" fmla="val -6995"/>
+                  <a:gd name="adj2" fmla="val -88204"/>
+                </a:avLst>
+              </a:prstGeom>
+              <a:blipFill>
+                <a:blip r:embed="rId7"/>
+                <a:stretch>
+                  <a:fillRect b="-2128"/>
+                </a:stretch>
+              </a:blipFill>
+              <a:ln>
+                <a:solidFill>
+                  <a:schemeClr val="bg1">
+                    <a:lumMod val="75000"/>
+                  </a:schemeClr>
+                </a:solidFill>
+              </a:ln>
+              <a:effectLst/>
+              <a:extLst>
+                <a:ext uri="{909E8E84-426E-40dd-AFC4-6F175D3DCCD1}">
+                  <a14:hiddenFill xmlns="" xmlns:a14="http://schemas.microsoft.com/office/drawing/2010/main">
+                    <a:solidFill>
+                      <a:schemeClr val="accent1"/>
+                    </a:solidFill>
+                  </a14:hiddenFill>
+                </a:ext>
+                <a:ext uri="{91240B29-F687-4f45-9708-019B960494DF}">
+                  <a14:hiddenLine xmlns="" xmlns:a14="http://schemas.microsoft.com/office/drawing/2010/main" w="9525" cap="flat" cmpd="sng" algn="ctr">
+                    <a:solidFill>
+                      <a:schemeClr val="tx1"/>
+                    </a:solidFill>
+                    <a:prstDash val="solid"/>
+                    <a:round/>
+                    <a:headEnd type="none" w="med" len="med"/>
+                    <a:tailEnd type="none" w="med" len="med"/>
+                  </a14:hiddenLine>
+                </a:ext>
+                <a:ext uri="{AF507438-7753-43e0-B8FC-AC1667EBCBE1}">
+                  <a14:hiddenEffects xmlns="" xmlns:a14="http://schemas.microsoft.com/office/drawing/2010/main">
+                    <a:effectLst>
+                      <a:outerShdw blurRad="63500" dist="35921" dir="2700000" algn="ctr" rotWithShape="0">
+                        <a:schemeClr val="bg2"/>
+                      </a:outerShdw>
+                    </a:effectLst>
+                  </a14:hiddenEffects>
+                </a:ext>
+              </a:extLst>
+            </p:spPr>
+            <p:txBody>
+              <a:bodyPr/>
+              <a:lstStyle/>
+              <a:p>
+                <a:r>
+                  <a:rPr lang="en-US">
+                    <a:noFill/>
+                  </a:rPr>
+                  <a:t> </a:t>
+                </a:r>
+              </a:p>
+            </p:txBody>
+          </p:sp>
+        </mc:Fallback>
+      </mc:AlternateContent>
+      <mc:AlternateContent xmlns:mc="http://schemas.openxmlformats.org/markup-compatibility/2006" xmlns:a14="http://schemas.microsoft.com/office/drawing/2010/main">
+        <mc:Choice Requires="a14">
+          <p:sp>
+            <p:nvSpPr>
+              <p:cNvPr id="18" name="Rectangular Callout 17">
+                <a:extLst>
+                  <a:ext uri="{FF2B5EF4-FFF2-40B4-BE49-F238E27FC236}">
+                    <a16:creationId xmlns:a16="http://schemas.microsoft.com/office/drawing/2014/main" id="{45EC3A92-A3DC-A244-91E8-E08C9CF9F671}"/>
+                  </a:ext>
+                </a:extLst>
+              </p:cNvPr>
+              <p:cNvSpPr/>
+              <p:nvPr/>
+            </p:nvSpPr>
+            <p:spPr bwMode="auto">
+              <a:xfrm>
+                <a:off x="5313638" y="5292672"/>
+                <a:ext cx="2402966" cy="854242"/>
+              </a:xfrm>
+              <a:prstGeom prst="wedgeRectCallout">
+                <a:avLst>
+                  <a:gd name="adj1" fmla="val 11030"/>
+                  <a:gd name="adj2" fmla="val -85387"/>
+                </a:avLst>
+              </a:prstGeom>
+              <a:solidFill>
+                <a:schemeClr val="bg1"/>
+              </a:solidFill>
+              <a:ln>
+                <a:solidFill>
+                  <a:schemeClr val="bg1">
+                    <a:lumMod val="75000"/>
+                  </a:schemeClr>
+                </a:solidFill>
+              </a:ln>
+              <a:effectLst/>
+              <a:extLst>
+                <a:ext uri="{909E8E84-426E-40dd-AFC4-6F175D3DCCD1}">
+                  <a14:hiddenFill xmlns="">
+                    <a:solidFill>
+                      <a:schemeClr val="accent1"/>
+                    </a:solidFill>
+                  </a14:hiddenFill>
+                </a:ext>
+                <a:ext uri="{91240B29-F687-4f45-9708-019B960494DF}">
+                  <a14:hiddenLine xmlns="" w="9525" cap="flat" cmpd="sng" algn="ctr">
+                    <a:solidFill>
+                      <a:schemeClr val="tx1"/>
+                    </a:solidFill>
+                    <a:prstDash val="solid"/>
+                    <a:round/>
+                    <a:headEnd type="none" w="med" len="med"/>
+                    <a:tailEnd type="none" w="med" len="med"/>
+                  </a14:hiddenLine>
+                </a:ext>
+                <a:ext uri="{AF507438-7753-43e0-B8FC-AC1667EBCBE1}">
+                  <a14:hiddenEffects xmlns="">
+                    <a:effectLst>
+                      <a:outerShdw blurRad="63500" dist="35921" dir="2700000" algn="ctr" rotWithShape="0">
+                        <a:schemeClr val="bg2"/>
+                      </a:outerShdw>
+                    </a:effectLst>
+                  </a14:hiddenEffects>
+                </a:ext>
+              </a:extLst>
+            </p:spPr>
+            <p:txBody>
+              <a:bodyPr vert="horz" wrap="square" lIns="91440" tIns="45720" rIns="91440" bIns="45720" numCol="1" rtlCol="0" anchor="t" anchorCtr="0" compatLnSpc="1">
+                <a:prstTxWarp prst="textNoShape">
+                  <a:avLst/>
+                </a:prstTxWarp>
+              </a:bodyPr>
+              <a:lstStyle/>
+              <a:p>
+                <a:pPr algn="ctr"/>
+                <a14:m>
+                  <m:oMath xmlns:m="http://schemas.openxmlformats.org/officeDocument/2006/math">
+                    <m:r>
+                      <a:rPr lang="en-US" sz="1600" b="0" i="1" smtClean="0">
+                        <a:solidFill>
+                          <a:schemeClr val="tx1">
+                            <a:lumMod val="65000"/>
+                            <a:lumOff val="35000"/>
+                          </a:schemeClr>
+                        </a:solidFill>
+                        <a:latin typeface="Cambria Math" panose="02040503050406030204" pitchFamily="18" charset="0"/>
+                        <a:ea typeface="Hiragino Kaku Gothic Pro W3" charset="-128"/>
+                        <a:cs typeface="Hiragino Kaku Gothic Pro W3" charset="-128"/>
+                      </a:rPr>
+                      <m:t>𝑧</m:t>
+                    </m:r>
+                  </m:oMath>
+                </a14:m>
+                <a:r>
+                  <a:rPr lang="en-US" sz="1600" dirty="0">
+                    <a:solidFill>
+                      <a:schemeClr val="tx1">
+                        <a:lumMod val="65000"/>
+                        <a:lumOff val="35000"/>
+                      </a:schemeClr>
+                    </a:solidFill>
+                    <a:latin typeface="Hiragino Kaku Gothic Pro W3" charset="-128"/>
+                    <a:ea typeface="Hiragino Kaku Gothic Pro W3" charset="-128"/>
+                    <a:cs typeface="Hiragino Kaku Gothic Pro W3" charset="-128"/>
+                  </a:rPr>
+                  <a:t> </a:t>
+                </a:r>
+                <a:r>
+                  <a:rPr lang="en-US" sz="1600" dirty="0" err="1">
+                    <a:solidFill>
+                      <a:schemeClr val="tx1">
+                        <a:lumMod val="65000"/>
+                        <a:lumOff val="35000"/>
+                      </a:schemeClr>
+                    </a:solidFill>
+                    <a:latin typeface="Hiragino Kaku Gothic Pro W3" charset="-128"/>
+                    <a:ea typeface="Hiragino Kaku Gothic Pro W3" charset="-128"/>
+                    <a:cs typeface="Hiragino Kaku Gothic Pro W3" charset="-128"/>
+                  </a:rPr>
+                  <a:t>をデコードした結果は元の入力データ</a:t>
+                </a:r>
+                <a:r>
+                  <a:rPr lang="en-US" sz="1600" dirty="0">
+                    <a:solidFill>
+                      <a:schemeClr val="tx1">
+                        <a:lumMod val="65000"/>
+                        <a:lumOff val="35000"/>
+                      </a:schemeClr>
+                    </a:solidFill>
+                    <a:latin typeface="Hiragino Kaku Gothic Pro W3" charset="-128"/>
+                    <a:ea typeface="Hiragino Kaku Gothic Pro W3" charset="-128"/>
+                    <a:cs typeface="Hiragino Kaku Gothic Pro W3" charset="-128"/>
+                  </a:rPr>
+                  <a:t> </a:t>
+                </a:r>
+                <a14:m>
+                  <m:oMath xmlns:m="http://schemas.openxmlformats.org/officeDocument/2006/math">
+                    <m:r>
+                      <a:rPr lang="en-US" sz="1600" b="0" i="1" smtClean="0">
+                        <a:solidFill>
+                          <a:schemeClr val="tx1">
+                            <a:lumMod val="65000"/>
+                            <a:lumOff val="35000"/>
+                          </a:schemeClr>
+                        </a:solidFill>
+                        <a:latin typeface="Cambria Math" panose="02040503050406030204" pitchFamily="18" charset="0"/>
+                        <a:ea typeface="Hiragino Kaku Gothic Pro W3" charset="-128"/>
+                        <a:cs typeface="Hiragino Kaku Gothic Pro W3" charset="-128"/>
+                      </a:rPr>
+                      <m:t>𝑥</m:t>
+                    </m:r>
+                  </m:oMath>
+                </a14:m>
+                <a:r>
+                  <a:rPr lang="en-US" sz="1600" dirty="0">
+                    <a:solidFill>
+                      <a:schemeClr val="tx1">
+                        <a:lumMod val="65000"/>
+                        <a:lumOff val="35000"/>
+                      </a:schemeClr>
+                    </a:solidFill>
+                    <a:latin typeface="Hiragino Kaku Gothic Pro W3" charset="-128"/>
+                    <a:ea typeface="Hiragino Kaku Gothic Pro W3" charset="-128"/>
+                    <a:cs typeface="Hiragino Kaku Gothic Pro W3" charset="-128"/>
+                  </a:rPr>
+                  <a:t> </a:t>
+                </a:r>
+                <a:r>
+                  <a:rPr lang="en-US" sz="1600" dirty="0" err="1">
+                    <a:solidFill>
+                      <a:schemeClr val="tx1">
+                        <a:lumMod val="65000"/>
+                        <a:lumOff val="35000"/>
+                      </a:schemeClr>
+                    </a:solidFill>
+                    <a:latin typeface="Hiragino Kaku Gothic Pro W3" charset="-128"/>
+                    <a:ea typeface="Hiragino Kaku Gothic Pro W3" charset="-128"/>
+                    <a:cs typeface="Hiragino Kaku Gothic Pro W3" charset="-128"/>
+                  </a:rPr>
+                  <a:t>に</a:t>
+                </a:r>
+                <a:br>
+                  <a:rPr lang="en-US" sz="1600" dirty="0">
+                    <a:solidFill>
+                      <a:schemeClr val="tx1">
+                        <a:lumMod val="65000"/>
+                        <a:lumOff val="35000"/>
+                      </a:schemeClr>
+                    </a:solidFill>
+                    <a:latin typeface="Hiragino Kaku Gothic Pro W3" charset="-128"/>
+                    <a:ea typeface="Hiragino Kaku Gothic Pro W3" charset="-128"/>
+                    <a:cs typeface="Hiragino Kaku Gothic Pro W3" charset="-128"/>
+                  </a:rPr>
+                </a:br>
+                <a:r>
+                  <a:rPr lang="en-US" sz="1600" dirty="0" err="1">
+                    <a:solidFill>
+                      <a:schemeClr val="tx1">
+                        <a:lumMod val="65000"/>
+                        <a:lumOff val="35000"/>
+                      </a:schemeClr>
+                    </a:solidFill>
+                    <a:latin typeface="Hiragino Kaku Gothic Pro W3" charset="-128"/>
+                    <a:ea typeface="Hiragino Kaku Gothic Pro W3" charset="-128"/>
+                    <a:cs typeface="Hiragino Kaku Gothic Pro W3" charset="-128"/>
+                  </a:rPr>
+                  <a:t>近くなって欲しい</a:t>
+                </a:r>
+                <a:endParaRPr lang="en-US" sz="1600" dirty="0">
+                  <a:solidFill>
+                    <a:schemeClr val="tx1">
+                      <a:lumMod val="65000"/>
+                      <a:lumOff val="35000"/>
+                    </a:schemeClr>
+                  </a:solidFill>
+                  <a:latin typeface="Hiragino Kaku Gothic Pro W3" charset="-128"/>
+                  <a:ea typeface="Hiragino Kaku Gothic Pro W3" charset="-128"/>
+                  <a:cs typeface="Hiragino Kaku Gothic Pro W3" charset="-128"/>
+                </a:endParaRPr>
+              </a:p>
+            </p:txBody>
+          </p:sp>
+        </mc:Choice>
+        <mc:Fallback xmlns="">
+          <p:sp>
+            <p:nvSpPr>
+              <p:cNvPr id="18" name="Rectangular Callout 17">
+                <a:extLst>
+                  <a:ext uri="{FF2B5EF4-FFF2-40B4-BE49-F238E27FC236}">
+                    <a16:creationId xmlns:a16="http://schemas.microsoft.com/office/drawing/2014/main" id="{45EC3A92-A3DC-A244-91E8-E08C9CF9F671}"/>
+                  </a:ext>
+                </a:extLst>
+              </p:cNvPr>
+              <p:cNvSpPr>
+                <a:spLocks noRot="1" noChangeAspect="1" noMove="1" noResize="1" noEditPoints="1" noAdjustHandles="1" noChangeArrowheads="1" noChangeShapeType="1" noTextEdit="1"/>
+              </p:cNvSpPr>
+              <p:nvPr/>
+            </p:nvSpPr>
+            <p:spPr bwMode="auto">
+              <a:xfrm>
+                <a:off x="5313638" y="5292672"/>
+                <a:ext cx="2402966" cy="854242"/>
+              </a:xfrm>
+              <a:prstGeom prst="wedgeRectCallout">
+                <a:avLst>
+                  <a:gd name="adj1" fmla="val 11030"/>
+                  <a:gd name="adj2" fmla="val -85387"/>
+                </a:avLst>
+              </a:prstGeom>
+              <a:blipFill>
+                <a:blip r:embed="rId8"/>
+                <a:stretch>
+                  <a:fillRect b="-3261"/>
+                </a:stretch>
+              </a:blipFill>
+              <a:ln>
+                <a:solidFill>
+                  <a:schemeClr val="bg1">
+                    <a:lumMod val="75000"/>
+                  </a:schemeClr>
+                </a:solidFill>
+              </a:ln>
+              <a:effectLst/>
+              <a:extLst>
+                <a:ext uri="{909E8E84-426E-40dd-AFC4-6F175D3DCCD1}">
+                  <a14:hiddenFill xmlns="" xmlns:a14="http://schemas.microsoft.com/office/drawing/2010/main">
+                    <a:solidFill>
+                      <a:schemeClr val="accent1"/>
+                    </a:solidFill>
+                  </a14:hiddenFill>
+                </a:ext>
+                <a:ext uri="{91240B29-F687-4f45-9708-019B960494DF}">
+                  <a14:hiddenLine xmlns="" xmlns:a14="http://schemas.microsoft.com/office/drawing/2010/main" w="9525" cap="flat" cmpd="sng" algn="ctr">
+                    <a:solidFill>
+                      <a:schemeClr val="tx1"/>
+                    </a:solidFill>
+                    <a:prstDash val="solid"/>
+                    <a:round/>
+                    <a:headEnd type="none" w="med" len="med"/>
+                    <a:tailEnd type="none" w="med" len="med"/>
+                  </a14:hiddenLine>
+                </a:ext>
+                <a:ext uri="{AF507438-7753-43e0-B8FC-AC1667EBCBE1}">
+                  <a14:hiddenEffects xmlns="" xmlns:a14="http://schemas.microsoft.com/office/drawing/2010/main">
+                    <a:effectLst>
+                      <a:outerShdw blurRad="63500" dist="35921" dir="2700000" algn="ctr" rotWithShape="0">
+                        <a:schemeClr val="bg2"/>
+                      </a:outerShdw>
+                    </a:effectLst>
+                  </a14:hiddenEffects>
+                </a:ext>
+              </a:extLst>
+            </p:spPr>
+            <p:txBody>
+              <a:bodyPr/>
+              <a:lstStyle/>
+              <a:p>
+                <a:r>
+                  <a:rPr lang="en-US">
+                    <a:noFill/>
+                  </a:rPr>
+                  <a:t> </a:t>
+                </a:r>
+              </a:p>
+            </p:txBody>
+          </p:sp>
+        </mc:Fallback>
+      </mc:AlternateContent>
+    </p:spTree>
+    <p:extLst>
+      <p:ext uri="{BB962C8B-B14F-4D97-AF65-F5344CB8AC3E}">
+        <p14:creationId xmlns:p14="http://schemas.microsoft.com/office/powerpoint/2010/main" val="4012796355"/>
+      </p:ext>
+    </p:extLst>
+  </p:cSld>
+  <p:clrMapOvr>
+    <a:masterClrMapping/>
+  </p:clrMapOvr>
+</p:sld>
+</file>
+
+<file path=ppt/slides/slide3.xml><?xml version="1.0" encoding="utf-8"?>
+<p:sld xmlns:a="http://schemas.openxmlformats.org/drawingml/2006/main" xmlns:r="http://schemas.openxmlformats.org/officeDocument/2006/relationships" xmlns:p="http://schemas.openxmlformats.org/presentationml/2006/main">
+  <p:cSld>
+    <p:spTree>
+      <p:nvGrpSpPr>
+        <p:cNvPr id="1" name=""/>
+        <p:cNvGrpSpPr/>
+        <p:nvPr/>
+      </p:nvGrpSpPr>
+      <p:grpSpPr>
+        <a:xfrm>
+          <a:off x="0" y="0"/>
+          <a:ext cx="0" cy="0"/>
+          <a:chOff x="0" y="0"/>
+          <a:chExt cx="0" cy="0"/>
+        </a:xfrm>
+      </p:grpSpPr>
+      <p:grpSp>
+        <p:nvGrpSpPr>
           <p:cNvPr id="8" name="Group 7">
             <a:extLst>
               <a:ext uri="{FF2B5EF4-FFF2-40B4-BE49-F238E27FC236}">
@@ -13642,7 +15440,7 @@
 </p:sld>
 </file>
 
-<file path=ppt/slides/slide3.xml><?xml version="1.0" encoding="utf-8"?>
+<file path=ppt/slides/slide4.xml><?xml version="1.0" encoding="utf-8"?>
 <p:sld xmlns:a="http://schemas.openxmlformats.org/drawingml/2006/main" xmlns:r="http://schemas.openxmlformats.org/officeDocument/2006/relationships" xmlns:p="http://schemas.openxmlformats.org/presentationml/2006/main">
   <p:cSld>
     <p:spTree>
@@ -14299,6 +16097,1463 @@
     <p:extLst>
       <p:ext uri="{BB962C8B-B14F-4D97-AF65-F5344CB8AC3E}">
         <p14:creationId xmlns:p14="http://schemas.microsoft.com/office/powerpoint/2010/main" val="2228529089"/>
+      </p:ext>
+    </p:extLst>
+  </p:cSld>
+  <p:clrMapOvr>
+    <a:masterClrMapping/>
+  </p:clrMapOvr>
+</p:sld>
+</file>
+
+<file path=ppt/slides/slide5.xml><?xml version="1.0" encoding="utf-8"?>
+<p:sld xmlns:a="http://schemas.openxmlformats.org/drawingml/2006/main" xmlns:r="http://schemas.openxmlformats.org/officeDocument/2006/relationships" xmlns:p="http://schemas.openxmlformats.org/presentationml/2006/main">
+  <p:cSld>
+    <p:spTree>
+      <p:nvGrpSpPr>
+        <p:cNvPr id="1" name=""/>
+        <p:cNvGrpSpPr/>
+        <p:nvPr/>
+      </p:nvGrpSpPr>
+      <p:grpSpPr>
+        <a:xfrm>
+          <a:off x="0" y="0"/>
+          <a:ext cx="0" cy="0"/>
+          <a:chOff x="0" y="0"/>
+          <a:chExt cx="0" cy="0"/>
+        </a:xfrm>
+      </p:grpSpPr>
+      <p:pic>
+        <p:nvPicPr>
+          <p:cNvPr id="10" name="Picture 9">
+            <a:extLst>
+              <a:ext uri="{FF2B5EF4-FFF2-40B4-BE49-F238E27FC236}">
+                <a16:creationId xmlns:a16="http://schemas.microsoft.com/office/drawing/2014/main" id="{CFF5DEEA-E8F2-884D-A439-4F4404CC58D6}"/>
+              </a:ext>
+            </a:extLst>
+          </p:cNvPr>
+          <p:cNvPicPr>
+            <a:picLocks noChangeAspect="1"/>
+          </p:cNvPicPr>
+          <p:nvPr/>
+        </p:nvPicPr>
+        <p:blipFill>
+          <a:blip r:embed="rId2"/>
+          <a:stretch>
+            <a:fillRect/>
+          </a:stretch>
+        </p:blipFill>
+        <p:spPr>
+          <a:xfrm>
+            <a:off x="1778000" y="960521"/>
+            <a:ext cx="2794000" cy="2819400"/>
+          </a:xfrm>
+          <a:prstGeom prst="rect">
+            <a:avLst/>
+          </a:prstGeom>
+        </p:spPr>
+      </p:pic>
+      <p:sp>
+        <p:nvSpPr>
+          <p:cNvPr id="12" name="Left Brace 11">
+            <a:extLst>
+              <a:ext uri="{FF2B5EF4-FFF2-40B4-BE49-F238E27FC236}">
+                <a16:creationId xmlns:a16="http://schemas.microsoft.com/office/drawing/2014/main" id="{A662090C-C037-8943-B135-E033A21B9815}"/>
+              </a:ext>
+            </a:extLst>
+          </p:cNvPr>
+          <p:cNvSpPr/>
+          <p:nvPr/>
+        </p:nvSpPr>
+        <p:spPr bwMode="auto">
+          <a:xfrm>
+            <a:off x="1395663" y="1003634"/>
+            <a:ext cx="204537" cy="2733174"/>
+          </a:xfrm>
+          <a:prstGeom prst="leftBrace">
+            <a:avLst/>
+          </a:prstGeom>
+          <a:noFill/>
+          <a:ln>
+            <a:solidFill>
+              <a:schemeClr val="accent4"/>
+            </a:solidFill>
+          </a:ln>
+          <a:effectLst/>
+          <a:extLst>
+            <a:ext uri="{909E8E84-426E-40dd-AFC4-6F175D3DCCD1}">
+              <a14:hiddenFill xmlns:a14="http://schemas.microsoft.com/office/drawing/2010/main" xmlns="">
+                <a:solidFill>
+                  <a:schemeClr val="accent1"/>
+                </a:solidFill>
+              </a14:hiddenFill>
+            </a:ext>
+            <a:ext uri="{91240B29-F687-4f45-9708-019B960494DF}">
+              <a14:hiddenLine xmlns:a14="http://schemas.microsoft.com/office/drawing/2010/main" xmlns="" w="9525" cap="flat" cmpd="sng" algn="ctr">
+                <a:solidFill>
+                  <a:schemeClr val="tx1"/>
+                </a:solidFill>
+                <a:prstDash val="solid"/>
+                <a:round/>
+                <a:headEnd type="none" w="med" len="med"/>
+                <a:tailEnd type="none" w="med" len="med"/>
+              </a14:hiddenLine>
+            </a:ext>
+            <a:ext uri="{AF507438-7753-43e0-B8FC-AC1667EBCBE1}">
+              <a14:hiddenEffects xmlns:a14="http://schemas.microsoft.com/office/drawing/2010/main" xmlns="">
+                <a:effectLst>
+                  <a:outerShdw blurRad="63500" dist="35921" dir="2700000" algn="ctr" rotWithShape="0">
+                    <a:schemeClr val="bg2"/>
+                  </a:outerShdw>
+                </a:effectLst>
+              </a14:hiddenEffects>
+            </a:ext>
+          </a:extLst>
+        </p:spPr>
+        <p:txBody>
+          <a:bodyPr rtlCol="0" anchor="ctr"/>
+          <a:lstStyle/>
+          <a:p>
+            <a:pPr algn="ctr"/>
+            <a:endParaRPr lang="en-US"/>
+          </a:p>
+        </p:txBody>
+      </p:sp>
+      <p:sp>
+        <p:nvSpPr>
+          <p:cNvPr id="13" name="Left Brace 12">
+            <a:extLst>
+              <a:ext uri="{FF2B5EF4-FFF2-40B4-BE49-F238E27FC236}">
+                <a16:creationId xmlns:a16="http://schemas.microsoft.com/office/drawing/2014/main" id="{38CC6963-A499-3348-9CC2-89FDDD2DD2AE}"/>
+              </a:ext>
+            </a:extLst>
+          </p:cNvPr>
+          <p:cNvSpPr/>
+          <p:nvPr/>
+        </p:nvSpPr>
+        <p:spPr bwMode="auto">
+          <a:xfrm rot="16200000">
+            <a:off x="3072732" y="2640932"/>
+            <a:ext cx="204537" cy="2733174"/>
+          </a:xfrm>
+          <a:prstGeom prst="leftBrace">
+            <a:avLst/>
+          </a:prstGeom>
+          <a:noFill/>
+          <a:ln>
+            <a:solidFill>
+              <a:schemeClr val="accent4"/>
+            </a:solidFill>
+          </a:ln>
+          <a:effectLst/>
+          <a:extLst>
+            <a:ext uri="{909E8E84-426E-40dd-AFC4-6F175D3DCCD1}">
+              <a14:hiddenFill xmlns:a14="http://schemas.microsoft.com/office/drawing/2010/main" xmlns="">
+                <a:solidFill>
+                  <a:schemeClr val="accent1"/>
+                </a:solidFill>
+              </a14:hiddenFill>
+            </a:ext>
+            <a:ext uri="{91240B29-F687-4f45-9708-019B960494DF}">
+              <a14:hiddenLine xmlns:a14="http://schemas.microsoft.com/office/drawing/2010/main" xmlns="" w="9525" cap="flat" cmpd="sng" algn="ctr">
+                <a:solidFill>
+                  <a:schemeClr val="tx1"/>
+                </a:solidFill>
+                <a:prstDash val="solid"/>
+                <a:round/>
+                <a:headEnd type="none" w="med" len="med"/>
+                <a:tailEnd type="none" w="med" len="med"/>
+              </a14:hiddenLine>
+            </a:ext>
+            <a:ext uri="{AF507438-7753-43e0-B8FC-AC1667EBCBE1}">
+              <a14:hiddenEffects xmlns:a14="http://schemas.microsoft.com/office/drawing/2010/main" xmlns="">
+                <a:effectLst>
+                  <a:outerShdw blurRad="63500" dist="35921" dir="2700000" algn="ctr" rotWithShape="0">
+                    <a:schemeClr val="bg2"/>
+                  </a:outerShdw>
+                </a:effectLst>
+              </a14:hiddenEffects>
+            </a:ext>
+          </a:extLst>
+        </p:spPr>
+        <p:txBody>
+          <a:bodyPr rtlCol="0" anchor="ctr"/>
+          <a:lstStyle/>
+          <a:p>
+            <a:pPr algn="ctr"/>
+            <a:endParaRPr lang="en-US"/>
+          </a:p>
+        </p:txBody>
+      </p:sp>
+      <p:sp>
+        <p:nvSpPr>
+          <p:cNvPr id="14" name="TextBox 13">
+            <a:extLst>
+              <a:ext uri="{FF2B5EF4-FFF2-40B4-BE49-F238E27FC236}">
+                <a16:creationId xmlns:a16="http://schemas.microsoft.com/office/drawing/2014/main" id="{F01FDBA9-2536-4F42-A0A6-8FB1C92F4D95}"/>
+              </a:ext>
+            </a:extLst>
+          </p:cNvPr>
+          <p:cNvSpPr txBox="1"/>
+          <p:nvPr/>
+        </p:nvSpPr>
+        <p:spPr>
+          <a:xfrm>
+            <a:off x="2896719" y="4150897"/>
+            <a:ext cx="556563" cy="430887"/>
+          </a:xfrm>
+          <a:prstGeom prst="rect">
+            <a:avLst/>
+          </a:prstGeom>
+          <a:noFill/>
+        </p:spPr>
+        <p:txBody>
+          <a:bodyPr wrap="none" rtlCol="0">
+            <a:spAutoFit/>
+          </a:bodyPr>
+          <a:lstStyle/>
+          <a:p>
+            <a:pPr algn="ctr"/>
+            <a:r>
+              <a:rPr lang="en-US" dirty="0">
+                <a:solidFill>
+                  <a:schemeClr val="tx1"/>
+                </a:solidFill>
+                <a:latin typeface="Hiragino Kaku Gothic Pro W3" charset="-128"/>
+                <a:ea typeface="Hiragino Kaku Gothic Pro W3" charset="-128"/>
+                <a:cs typeface="Hiragino Kaku Gothic Pro W3" charset="-128"/>
+              </a:rPr>
+              <a:t>64</a:t>
+            </a:r>
+          </a:p>
+        </p:txBody>
+      </p:sp>
+      <p:sp>
+        <p:nvSpPr>
+          <p:cNvPr id="15" name="TextBox 14">
+            <a:extLst>
+              <a:ext uri="{FF2B5EF4-FFF2-40B4-BE49-F238E27FC236}">
+                <a16:creationId xmlns:a16="http://schemas.microsoft.com/office/drawing/2014/main" id="{DB924731-B87F-3441-BEE7-1258487FC93D}"/>
+              </a:ext>
+            </a:extLst>
+          </p:cNvPr>
+          <p:cNvSpPr txBox="1"/>
+          <p:nvPr/>
+        </p:nvSpPr>
+        <p:spPr>
+          <a:xfrm>
+            <a:off x="813700" y="2154778"/>
+            <a:ext cx="556563" cy="430887"/>
+          </a:xfrm>
+          <a:prstGeom prst="rect">
+            <a:avLst/>
+          </a:prstGeom>
+          <a:noFill/>
+        </p:spPr>
+        <p:txBody>
+          <a:bodyPr wrap="none" rtlCol="0">
+            <a:spAutoFit/>
+          </a:bodyPr>
+          <a:lstStyle/>
+          <a:p>
+            <a:pPr algn="ctr"/>
+            <a:r>
+              <a:rPr lang="en-US" dirty="0">
+                <a:solidFill>
+                  <a:schemeClr val="tx1"/>
+                </a:solidFill>
+                <a:latin typeface="Hiragino Kaku Gothic Pro W3" charset="-128"/>
+                <a:ea typeface="Hiragino Kaku Gothic Pro W3" charset="-128"/>
+                <a:cs typeface="Hiragino Kaku Gothic Pro W3" charset="-128"/>
+              </a:rPr>
+              <a:t>64</a:t>
+            </a:r>
+          </a:p>
+        </p:txBody>
+      </p:sp>
+      <p:sp>
+        <p:nvSpPr>
+          <p:cNvPr id="16" name="TextBox 15">
+            <a:extLst>
+              <a:ext uri="{FF2B5EF4-FFF2-40B4-BE49-F238E27FC236}">
+                <a16:creationId xmlns:a16="http://schemas.microsoft.com/office/drawing/2014/main" id="{89726D3D-BF4C-A848-A012-E6882B2B9662}"/>
+              </a:ext>
+            </a:extLst>
+          </p:cNvPr>
+          <p:cNvSpPr txBox="1"/>
+          <p:nvPr/>
+        </p:nvSpPr>
+        <p:spPr>
+          <a:xfrm>
+            <a:off x="4860758" y="1985500"/>
+            <a:ext cx="2723823" cy="769441"/>
+          </a:xfrm>
+          <a:prstGeom prst="rect">
+            <a:avLst/>
+          </a:prstGeom>
+          <a:noFill/>
+        </p:spPr>
+        <p:txBody>
+          <a:bodyPr wrap="none" rtlCol="0">
+            <a:spAutoFit/>
+          </a:bodyPr>
+          <a:lstStyle/>
+          <a:p>
+            <a:r>
+              <a:rPr lang="en-US" dirty="0">
+                <a:solidFill>
+                  <a:schemeClr val="tx1"/>
+                </a:solidFill>
+                <a:latin typeface="Hiragino Kaku Gothic Pro W3" charset="-128"/>
+                <a:ea typeface="Hiragino Kaku Gothic Pro W3" charset="-128"/>
+                <a:cs typeface="Hiragino Kaku Gothic Pro W3" charset="-128"/>
+              </a:rPr>
+              <a:t>=64</a:t>
+            </a:r>
+            <a:r>
+              <a:rPr lang="en-US" altLang="ja-JP" dirty="0">
+                <a:solidFill>
+                  <a:schemeClr val="tx1"/>
+                </a:solidFill>
+                <a:latin typeface="Hiragino Kaku Gothic Pro W3" charset="-128"/>
+                <a:ea typeface="Hiragino Kaku Gothic Pro W3" charset="-128"/>
+                <a:cs typeface="Hiragino Kaku Gothic Pro W3" charset="-128"/>
+              </a:rPr>
+              <a:t>×64</a:t>
+            </a:r>
+            <a:r>
+              <a:rPr lang="ja-JP" altLang="en-US">
+                <a:solidFill>
+                  <a:schemeClr val="tx1"/>
+                </a:solidFill>
+                <a:latin typeface="Hiragino Kaku Gothic Pro W3" charset="-128"/>
+                <a:ea typeface="Hiragino Kaku Gothic Pro W3" charset="-128"/>
+                <a:cs typeface="Hiragino Kaku Gothic Pro W3" charset="-128"/>
+              </a:rPr>
+              <a:t>で各値は</a:t>
+            </a:r>
+            <a:endParaRPr lang="en-US" altLang="ja-JP" dirty="0">
+              <a:solidFill>
+                <a:schemeClr val="tx1"/>
+              </a:solidFill>
+              <a:latin typeface="Hiragino Kaku Gothic Pro W3" charset="-128"/>
+              <a:ea typeface="Hiragino Kaku Gothic Pro W3" charset="-128"/>
+              <a:cs typeface="Hiragino Kaku Gothic Pro W3" charset="-128"/>
+            </a:endParaRPr>
+          </a:p>
+          <a:p>
+            <a:r>
+              <a:rPr lang="ja-JP" altLang="en-US">
+                <a:solidFill>
+                  <a:schemeClr val="tx1"/>
+                </a:solidFill>
+                <a:latin typeface="Hiragino Kaku Gothic Pro W3" charset="-128"/>
+                <a:ea typeface="Hiragino Kaku Gothic Pro W3" charset="-128"/>
+                <a:cs typeface="Hiragino Kaku Gothic Pro W3" charset="-128"/>
+              </a:rPr>
+              <a:t>色の濃淡を表す行列</a:t>
+            </a:r>
+            <a:endParaRPr lang="en-US" dirty="0">
+              <a:solidFill>
+                <a:schemeClr val="tx1"/>
+              </a:solidFill>
+              <a:latin typeface="Hiragino Kaku Gothic Pro W3" charset="-128"/>
+              <a:ea typeface="Hiragino Kaku Gothic Pro W3" charset="-128"/>
+              <a:cs typeface="Hiragino Kaku Gothic Pro W3" charset="-128"/>
+            </a:endParaRPr>
+          </a:p>
+        </p:txBody>
+      </p:sp>
+      <p:grpSp>
+        <p:nvGrpSpPr>
+          <p:cNvPr id="33" name="Group 32">
+            <a:extLst>
+              <a:ext uri="{FF2B5EF4-FFF2-40B4-BE49-F238E27FC236}">
+                <a16:creationId xmlns:a16="http://schemas.microsoft.com/office/drawing/2014/main" id="{AA1C6AC5-DBE2-F04D-B30B-0EC84516CEB7}"/>
+              </a:ext>
+            </a:extLst>
+          </p:cNvPr>
+          <p:cNvGrpSpPr/>
+          <p:nvPr/>
+        </p:nvGrpSpPr>
+        <p:grpSpPr>
+          <a:xfrm>
+            <a:off x="1780673" y="5888334"/>
+            <a:ext cx="3248532" cy="360948"/>
+            <a:chOff x="1600200" y="5245768"/>
+            <a:chExt cx="3248532" cy="360948"/>
+          </a:xfrm>
+        </p:grpSpPr>
+        <p:sp>
+          <p:nvSpPr>
+            <p:cNvPr id="17" name="Rectangle 16">
+              <a:extLst>
+                <a:ext uri="{FF2B5EF4-FFF2-40B4-BE49-F238E27FC236}">
+                  <a16:creationId xmlns:a16="http://schemas.microsoft.com/office/drawing/2014/main" id="{0A39DC9F-4C04-AC46-92A6-BBA9FF3553F9}"/>
+                </a:ext>
+              </a:extLst>
+            </p:cNvPr>
+            <p:cNvSpPr/>
+            <p:nvPr/>
+          </p:nvSpPr>
+          <p:spPr bwMode="auto">
+            <a:xfrm>
+              <a:off x="1600200" y="5245768"/>
+              <a:ext cx="360948" cy="360948"/>
+            </a:xfrm>
+            <a:prstGeom prst="rect">
+              <a:avLst/>
+            </a:prstGeom>
+            <a:solidFill>
+              <a:schemeClr val="tx1"/>
+            </a:solidFill>
+            <a:ln>
+              <a:solidFill>
+                <a:schemeClr val="bg1">
+                  <a:lumMod val="75000"/>
+                </a:schemeClr>
+              </a:solidFill>
+            </a:ln>
+            <a:effectLst/>
+            <a:extLst>
+              <a:ext uri="{909E8E84-426E-40dd-AFC4-6F175D3DCCD1}">
+                <a14:hiddenFill xmlns:a14="http://schemas.microsoft.com/office/drawing/2010/main" xmlns="">
+                  <a:solidFill>
+                    <a:schemeClr val="accent1"/>
+                  </a:solidFill>
+                </a14:hiddenFill>
+              </a:ext>
+              <a:ext uri="{91240B29-F687-4f45-9708-019B960494DF}">
+                <a14:hiddenLine xmlns:a14="http://schemas.microsoft.com/office/drawing/2010/main" xmlns="" w="9525" cap="flat" cmpd="sng" algn="ctr">
+                  <a:solidFill>
+                    <a:schemeClr val="tx1"/>
+                  </a:solidFill>
+                  <a:prstDash val="solid"/>
+                  <a:round/>
+                  <a:headEnd type="none" w="med" len="med"/>
+                  <a:tailEnd type="none" w="med" len="med"/>
+                </a14:hiddenLine>
+              </a:ext>
+              <a:ext uri="{AF507438-7753-43e0-B8FC-AC1667EBCBE1}">
+                <a14:hiddenEffects xmlns:a14="http://schemas.microsoft.com/office/drawing/2010/main" xmlns="">
+                  <a:effectLst>
+                    <a:outerShdw blurRad="63500" dist="35921" dir="2700000" algn="ctr" rotWithShape="0">
+                      <a:schemeClr val="bg2"/>
+                    </a:outerShdw>
+                  </a:effectLst>
+                </a14:hiddenEffects>
+              </a:ext>
+            </a:extLst>
+          </p:spPr>
+          <p:txBody>
+            <a:bodyPr vert="horz" wrap="square" lIns="91440" tIns="45720" rIns="91440" bIns="45720" numCol="1" rtlCol="0" anchor="t" anchorCtr="0" compatLnSpc="1">
+              <a:prstTxWarp prst="textNoShape">
+                <a:avLst/>
+              </a:prstTxWarp>
+            </a:bodyPr>
+            <a:lstStyle/>
+            <a:p>
+              <a:pPr algn="ctr"/>
+              <a:endParaRPr lang="en-US" dirty="0">
+                <a:solidFill>
+                  <a:schemeClr val="tx1">
+                    <a:lumMod val="65000"/>
+                    <a:lumOff val="35000"/>
+                  </a:schemeClr>
+                </a:solidFill>
+                <a:latin typeface="Hiragino Kaku Gothic Pro W3" charset="-128"/>
+                <a:ea typeface="Hiragino Kaku Gothic Pro W3" charset="-128"/>
+                <a:cs typeface="Hiragino Kaku Gothic Pro W3" charset="-128"/>
+              </a:endParaRPr>
+            </a:p>
+          </p:txBody>
+        </p:sp>
+        <p:sp>
+          <p:nvSpPr>
+            <p:cNvPr id="18" name="Rectangle 17">
+              <a:extLst>
+                <a:ext uri="{FF2B5EF4-FFF2-40B4-BE49-F238E27FC236}">
+                  <a16:creationId xmlns:a16="http://schemas.microsoft.com/office/drawing/2014/main" id="{F334E464-5784-8141-9F05-ADFEC044F787}"/>
+                </a:ext>
+              </a:extLst>
+            </p:cNvPr>
+            <p:cNvSpPr/>
+            <p:nvPr/>
+          </p:nvSpPr>
+          <p:spPr bwMode="auto">
+            <a:xfrm>
+              <a:off x="1961148" y="5245768"/>
+              <a:ext cx="360948" cy="360948"/>
+            </a:xfrm>
+            <a:prstGeom prst="rect">
+              <a:avLst/>
+            </a:prstGeom>
+            <a:solidFill>
+              <a:schemeClr val="tx1">
+                <a:lumMod val="75000"/>
+                <a:lumOff val="25000"/>
+              </a:schemeClr>
+            </a:solidFill>
+            <a:ln>
+              <a:solidFill>
+                <a:schemeClr val="bg1">
+                  <a:lumMod val="75000"/>
+                </a:schemeClr>
+              </a:solidFill>
+            </a:ln>
+            <a:effectLst/>
+            <a:extLst>
+              <a:ext uri="{909E8E84-426E-40dd-AFC4-6F175D3DCCD1}">
+                <a14:hiddenFill xmlns:a14="http://schemas.microsoft.com/office/drawing/2010/main" xmlns="">
+                  <a:solidFill>
+                    <a:schemeClr val="accent1"/>
+                  </a:solidFill>
+                </a14:hiddenFill>
+              </a:ext>
+              <a:ext uri="{91240B29-F687-4f45-9708-019B960494DF}">
+                <a14:hiddenLine xmlns:a14="http://schemas.microsoft.com/office/drawing/2010/main" xmlns="" w="9525" cap="flat" cmpd="sng" algn="ctr">
+                  <a:solidFill>
+                    <a:schemeClr val="tx1"/>
+                  </a:solidFill>
+                  <a:prstDash val="solid"/>
+                  <a:round/>
+                  <a:headEnd type="none" w="med" len="med"/>
+                  <a:tailEnd type="none" w="med" len="med"/>
+                </a14:hiddenLine>
+              </a:ext>
+              <a:ext uri="{AF507438-7753-43e0-B8FC-AC1667EBCBE1}">
+                <a14:hiddenEffects xmlns:a14="http://schemas.microsoft.com/office/drawing/2010/main" xmlns="">
+                  <a:effectLst>
+                    <a:outerShdw blurRad="63500" dist="35921" dir="2700000" algn="ctr" rotWithShape="0">
+                      <a:schemeClr val="bg2"/>
+                    </a:outerShdw>
+                  </a:effectLst>
+                </a14:hiddenEffects>
+              </a:ext>
+            </a:extLst>
+          </p:spPr>
+          <p:txBody>
+            <a:bodyPr vert="horz" wrap="square" lIns="91440" tIns="45720" rIns="91440" bIns="45720" numCol="1" rtlCol="0" anchor="t" anchorCtr="0" compatLnSpc="1">
+              <a:prstTxWarp prst="textNoShape">
+                <a:avLst/>
+              </a:prstTxWarp>
+            </a:bodyPr>
+            <a:lstStyle/>
+            <a:p>
+              <a:pPr algn="ctr"/>
+              <a:endParaRPr lang="en-US" dirty="0">
+                <a:solidFill>
+                  <a:schemeClr val="tx1">
+                    <a:lumMod val="65000"/>
+                    <a:lumOff val="35000"/>
+                  </a:schemeClr>
+                </a:solidFill>
+                <a:latin typeface="Hiragino Kaku Gothic Pro W3" charset="-128"/>
+                <a:ea typeface="Hiragino Kaku Gothic Pro W3" charset="-128"/>
+                <a:cs typeface="Hiragino Kaku Gothic Pro W3" charset="-128"/>
+              </a:endParaRPr>
+            </a:p>
+          </p:txBody>
+        </p:sp>
+        <p:sp>
+          <p:nvSpPr>
+            <p:cNvPr id="19" name="Rectangle 18">
+              <a:extLst>
+                <a:ext uri="{FF2B5EF4-FFF2-40B4-BE49-F238E27FC236}">
+                  <a16:creationId xmlns:a16="http://schemas.microsoft.com/office/drawing/2014/main" id="{9B8FADE1-DA33-9D4D-8429-4974DA8CC0AF}"/>
+                </a:ext>
+              </a:extLst>
+            </p:cNvPr>
+            <p:cNvSpPr/>
+            <p:nvPr/>
+          </p:nvSpPr>
+          <p:spPr bwMode="auto">
+            <a:xfrm>
+              <a:off x="2322096" y="5245768"/>
+              <a:ext cx="360948" cy="360948"/>
+            </a:xfrm>
+            <a:prstGeom prst="rect">
+              <a:avLst/>
+            </a:prstGeom>
+            <a:solidFill>
+              <a:schemeClr val="tx1">
+                <a:lumMod val="50000"/>
+                <a:lumOff val="50000"/>
+              </a:schemeClr>
+            </a:solidFill>
+            <a:ln>
+              <a:solidFill>
+                <a:schemeClr val="bg1">
+                  <a:lumMod val="75000"/>
+                </a:schemeClr>
+              </a:solidFill>
+            </a:ln>
+            <a:effectLst/>
+            <a:extLst>
+              <a:ext uri="{909E8E84-426E-40dd-AFC4-6F175D3DCCD1}">
+                <a14:hiddenFill xmlns:a14="http://schemas.microsoft.com/office/drawing/2010/main" xmlns="">
+                  <a:solidFill>
+                    <a:schemeClr val="accent1"/>
+                  </a:solidFill>
+                </a14:hiddenFill>
+              </a:ext>
+              <a:ext uri="{91240B29-F687-4f45-9708-019B960494DF}">
+                <a14:hiddenLine xmlns:a14="http://schemas.microsoft.com/office/drawing/2010/main" xmlns="" w="9525" cap="flat" cmpd="sng" algn="ctr">
+                  <a:solidFill>
+                    <a:schemeClr val="tx1"/>
+                  </a:solidFill>
+                  <a:prstDash val="solid"/>
+                  <a:round/>
+                  <a:headEnd type="none" w="med" len="med"/>
+                  <a:tailEnd type="none" w="med" len="med"/>
+                </a14:hiddenLine>
+              </a:ext>
+              <a:ext uri="{AF507438-7753-43e0-B8FC-AC1667EBCBE1}">
+                <a14:hiddenEffects xmlns:a14="http://schemas.microsoft.com/office/drawing/2010/main" xmlns="">
+                  <a:effectLst>
+                    <a:outerShdw blurRad="63500" dist="35921" dir="2700000" algn="ctr" rotWithShape="0">
+                      <a:schemeClr val="bg2"/>
+                    </a:outerShdw>
+                  </a:effectLst>
+                </a14:hiddenEffects>
+              </a:ext>
+            </a:extLst>
+          </p:spPr>
+          <p:txBody>
+            <a:bodyPr vert="horz" wrap="square" lIns="91440" tIns="45720" rIns="91440" bIns="45720" numCol="1" rtlCol="0" anchor="t" anchorCtr="0" compatLnSpc="1">
+              <a:prstTxWarp prst="textNoShape">
+                <a:avLst/>
+              </a:prstTxWarp>
+            </a:bodyPr>
+            <a:lstStyle/>
+            <a:p>
+              <a:pPr algn="ctr"/>
+              <a:endParaRPr lang="en-US" dirty="0">
+                <a:solidFill>
+                  <a:schemeClr val="tx1">
+                    <a:lumMod val="65000"/>
+                    <a:lumOff val="35000"/>
+                  </a:schemeClr>
+                </a:solidFill>
+                <a:latin typeface="Hiragino Kaku Gothic Pro W3" charset="-128"/>
+                <a:ea typeface="Hiragino Kaku Gothic Pro W3" charset="-128"/>
+                <a:cs typeface="Hiragino Kaku Gothic Pro W3" charset="-128"/>
+              </a:endParaRPr>
+            </a:p>
+          </p:txBody>
+        </p:sp>
+        <p:sp>
+          <p:nvSpPr>
+            <p:cNvPr id="20" name="Rectangle 19">
+              <a:extLst>
+                <a:ext uri="{FF2B5EF4-FFF2-40B4-BE49-F238E27FC236}">
+                  <a16:creationId xmlns:a16="http://schemas.microsoft.com/office/drawing/2014/main" id="{4078C1A6-B5B0-8449-9CFC-FE106D3688A3}"/>
+                </a:ext>
+              </a:extLst>
+            </p:cNvPr>
+            <p:cNvSpPr/>
+            <p:nvPr/>
+          </p:nvSpPr>
+          <p:spPr bwMode="auto">
+            <a:xfrm>
+              <a:off x="2683044" y="5245768"/>
+              <a:ext cx="360948" cy="360948"/>
+            </a:xfrm>
+            <a:prstGeom prst="rect">
+              <a:avLst/>
+            </a:prstGeom>
+            <a:solidFill>
+              <a:schemeClr val="bg1">
+                <a:lumMod val="75000"/>
+              </a:schemeClr>
+            </a:solidFill>
+            <a:ln>
+              <a:solidFill>
+                <a:schemeClr val="bg1">
+                  <a:lumMod val="75000"/>
+                </a:schemeClr>
+              </a:solidFill>
+            </a:ln>
+            <a:effectLst/>
+            <a:extLst>
+              <a:ext uri="{909E8E84-426E-40dd-AFC4-6F175D3DCCD1}">
+                <a14:hiddenFill xmlns:a14="http://schemas.microsoft.com/office/drawing/2010/main" xmlns="">
+                  <a:solidFill>
+                    <a:schemeClr val="accent1"/>
+                  </a:solidFill>
+                </a14:hiddenFill>
+              </a:ext>
+              <a:ext uri="{91240B29-F687-4f45-9708-019B960494DF}">
+                <a14:hiddenLine xmlns:a14="http://schemas.microsoft.com/office/drawing/2010/main" xmlns="" w="9525" cap="flat" cmpd="sng" algn="ctr">
+                  <a:solidFill>
+                    <a:schemeClr val="tx1"/>
+                  </a:solidFill>
+                  <a:prstDash val="solid"/>
+                  <a:round/>
+                  <a:headEnd type="none" w="med" len="med"/>
+                  <a:tailEnd type="none" w="med" len="med"/>
+                </a14:hiddenLine>
+              </a:ext>
+              <a:ext uri="{AF507438-7753-43e0-B8FC-AC1667EBCBE1}">
+                <a14:hiddenEffects xmlns:a14="http://schemas.microsoft.com/office/drawing/2010/main" xmlns="">
+                  <a:effectLst>
+                    <a:outerShdw blurRad="63500" dist="35921" dir="2700000" algn="ctr" rotWithShape="0">
+                      <a:schemeClr val="bg2"/>
+                    </a:outerShdw>
+                  </a:effectLst>
+                </a14:hiddenEffects>
+              </a:ext>
+            </a:extLst>
+          </p:spPr>
+          <p:txBody>
+            <a:bodyPr vert="horz" wrap="square" lIns="91440" tIns="45720" rIns="91440" bIns="45720" numCol="1" rtlCol="0" anchor="t" anchorCtr="0" compatLnSpc="1">
+              <a:prstTxWarp prst="textNoShape">
+                <a:avLst/>
+              </a:prstTxWarp>
+            </a:bodyPr>
+            <a:lstStyle/>
+            <a:p>
+              <a:pPr algn="ctr"/>
+              <a:endParaRPr lang="en-US" dirty="0">
+                <a:solidFill>
+                  <a:schemeClr val="tx1">
+                    <a:lumMod val="65000"/>
+                    <a:lumOff val="35000"/>
+                  </a:schemeClr>
+                </a:solidFill>
+                <a:latin typeface="Hiragino Kaku Gothic Pro W3" charset="-128"/>
+                <a:ea typeface="Hiragino Kaku Gothic Pro W3" charset="-128"/>
+                <a:cs typeface="Hiragino Kaku Gothic Pro W3" charset="-128"/>
+              </a:endParaRPr>
+            </a:p>
+          </p:txBody>
+        </p:sp>
+        <p:sp>
+          <p:nvSpPr>
+            <p:cNvPr id="21" name="Rectangle 20">
+              <a:extLst>
+                <a:ext uri="{FF2B5EF4-FFF2-40B4-BE49-F238E27FC236}">
+                  <a16:creationId xmlns:a16="http://schemas.microsoft.com/office/drawing/2014/main" id="{196DE198-47C8-B945-B4B1-71F9FFBF725B}"/>
+                </a:ext>
+              </a:extLst>
+            </p:cNvPr>
+            <p:cNvSpPr/>
+            <p:nvPr/>
+          </p:nvSpPr>
+          <p:spPr bwMode="auto">
+            <a:xfrm>
+              <a:off x="3043992" y="5245768"/>
+              <a:ext cx="360948" cy="360948"/>
+            </a:xfrm>
+            <a:prstGeom prst="rect">
+              <a:avLst/>
+            </a:prstGeom>
+            <a:solidFill>
+              <a:schemeClr val="bg1"/>
+            </a:solidFill>
+            <a:ln>
+              <a:solidFill>
+                <a:schemeClr val="bg1">
+                  <a:lumMod val="75000"/>
+                </a:schemeClr>
+              </a:solidFill>
+            </a:ln>
+            <a:effectLst/>
+            <a:extLst>
+              <a:ext uri="{909E8E84-426E-40dd-AFC4-6F175D3DCCD1}">
+                <a14:hiddenFill xmlns:a14="http://schemas.microsoft.com/office/drawing/2010/main" xmlns="">
+                  <a:solidFill>
+                    <a:schemeClr val="accent1"/>
+                  </a:solidFill>
+                </a14:hiddenFill>
+              </a:ext>
+              <a:ext uri="{91240B29-F687-4f45-9708-019B960494DF}">
+                <a14:hiddenLine xmlns:a14="http://schemas.microsoft.com/office/drawing/2010/main" xmlns="" w="9525" cap="flat" cmpd="sng" algn="ctr">
+                  <a:solidFill>
+                    <a:schemeClr val="tx1"/>
+                  </a:solidFill>
+                  <a:prstDash val="solid"/>
+                  <a:round/>
+                  <a:headEnd type="none" w="med" len="med"/>
+                  <a:tailEnd type="none" w="med" len="med"/>
+                </a14:hiddenLine>
+              </a:ext>
+              <a:ext uri="{AF507438-7753-43e0-B8FC-AC1667EBCBE1}">
+                <a14:hiddenEffects xmlns:a14="http://schemas.microsoft.com/office/drawing/2010/main" xmlns="">
+                  <a:effectLst>
+                    <a:outerShdw blurRad="63500" dist="35921" dir="2700000" algn="ctr" rotWithShape="0">
+                      <a:schemeClr val="bg2"/>
+                    </a:outerShdw>
+                  </a:effectLst>
+                </a14:hiddenEffects>
+              </a:ext>
+            </a:extLst>
+          </p:spPr>
+          <p:txBody>
+            <a:bodyPr vert="horz" wrap="square" lIns="91440" tIns="45720" rIns="91440" bIns="45720" numCol="1" rtlCol="0" anchor="t" anchorCtr="0" compatLnSpc="1">
+              <a:prstTxWarp prst="textNoShape">
+                <a:avLst/>
+              </a:prstTxWarp>
+            </a:bodyPr>
+            <a:lstStyle/>
+            <a:p>
+              <a:pPr algn="ctr"/>
+              <a:endParaRPr lang="en-US" dirty="0">
+                <a:solidFill>
+                  <a:schemeClr val="tx1">
+                    <a:lumMod val="65000"/>
+                    <a:lumOff val="35000"/>
+                  </a:schemeClr>
+                </a:solidFill>
+                <a:latin typeface="Hiragino Kaku Gothic Pro W3" charset="-128"/>
+                <a:ea typeface="Hiragino Kaku Gothic Pro W3" charset="-128"/>
+                <a:cs typeface="Hiragino Kaku Gothic Pro W3" charset="-128"/>
+              </a:endParaRPr>
+            </a:p>
+          </p:txBody>
+        </p:sp>
+        <p:sp>
+          <p:nvSpPr>
+            <p:cNvPr id="22" name="Rectangle 21">
+              <a:extLst>
+                <a:ext uri="{FF2B5EF4-FFF2-40B4-BE49-F238E27FC236}">
+                  <a16:creationId xmlns:a16="http://schemas.microsoft.com/office/drawing/2014/main" id="{189B69D2-F2B2-2345-A283-AC41D8E35296}"/>
+                </a:ext>
+              </a:extLst>
+            </p:cNvPr>
+            <p:cNvSpPr/>
+            <p:nvPr/>
+          </p:nvSpPr>
+          <p:spPr bwMode="auto">
+            <a:xfrm>
+              <a:off x="3404940" y="5245768"/>
+              <a:ext cx="360948" cy="360948"/>
+            </a:xfrm>
+            <a:prstGeom prst="rect">
+              <a:avLst/>
+            </a:prstGeom>
+            <a:solidFill>
+              <a:schemeClr val="tx1">
+                <a:lumMod val="85000"/>
+                <a:lumOff val="15000"/>
+              </a:schemeClr>
+            </a:solidFill>
+            <a:ln>
+              <a:solidFill>
+                <a:schemeClr val="bg1">
+                  <a:lumMod val="75000"/>
+                </a:schemeClr>
+              </a:solidFill>
+            </a:ln>
+            <a:effectLst/>
+            <a:extLst>
+              <a:ext uri="{909E8E84-426E-40dd-AFC4-6F175D3DCCD1}">
+                <a14:hiddenFill xmlns:a14="http://schemas.microsoft.com/office/drawing/2010/main" xmlns="">
+                  <a:solidFill>
+                    <a:schemeClr val="accent1"/>
+                  </a:solidFill>
+                </a14:hiddenFill>
+              </a:ext>
+              <a:ext uri="{91240B29-F687-4f45-9708-019B960494DF}">
+                <a14:hiddenLine xmlns:a14="http://schemas.microsoft.com/office/drawing/2010/main" xmlns="" w="9525" cap="flat" cmpd="sng" algn="ctr">
+                  <a:solidFill>
+                    <a:schemeClr val="tx1"/>
+                  </a:solidFill>
+                  <a:prstDash val="solid"/>
+                  <a:round/>
+                  <a:headEnd type="none" w="med" len="med"/>
+                  <a:tailEnd type="none" w="med" len="med"/>
+                </a14:hiddenLine>
+              </a:ext>
+              <a:ext uri="{AF507438-7753-43e0-B8FC-AC1667EBCBE1}">
+                <a14:hiddenEffects xmlns:a14="http://schemas.microsoft.com/office/drawing/2010/main" xmlns="">
+                  <a:effectLst>
+                    <a:outerShdw blurRad="63500" dist="35921" dir="2700000" algn="ctr" rotWithShape="0">
+                      <a:schemeClr val="bg2"/>
+                    </a:outerShdw>
+                  </a:effectLst>
+                </a14:hiddenEffects>
+              </a:ext>
+            </a:extLst>
+          </p:spPr>
+          <p:txBody>
+            <a:bodyPr vert="horz" wrap="square" lIns="91440" tIns="45720" rIns="91440" bIns="45720" numCol="1" rtlCol="0" anchor="t" anchorCtr="0" compatLnSpc="1">
+              <a:prstTxWarp prst="textNoShape">
+                <a:avLst/>
+              </a:prstTxWarp>
+            </a:bodyPr>
+            <a:lstStyle/>
+            <a:p>
+              <a:pPr algn="ctr"/>
+              <a:endParaRPr lang="en-US" dirty="0">
+                <a:solidFill>
+                  <a:schemeClr val="tx1">
+                    <a:lumMod val="65000"/>
+                    <a:lumOff val="35000"/>
+                  </a:schemeClr>
+                </a:solidFill>
+                <a:latin typeface="Hiragino Kaku Gothic Pro W3" charset="-128"/>
+                <a:ea typeface="Hiragino Kaku Gothic Pro W3" charset="-128"/>
+                <a:cs typeface="Hiragino Kaku Gothic Pro W3" charset="-128"/>
+              </a:endParaRPr>
+            </a:p>
+          </p:txBody>
+        </p:sp>
+        <p:sp>
+          <p:nvSpPr>
+            <p:cNvPr id="23" name="Rectangle 22">
+              <a:extLst>
+                <a:ext uri="{FF2B5EF4-FFF2-40B4-BE49-F238E27FC236}">
+                  <a16:creationId xmlns:a16="http://schemas.microsoft.com/office/drawing/2014/main" id="{33B911EE-2C6E-9447-B33D-BD0E391DD8B8}"/>
+                </a:ext>
+              </a:extLst>
+            </p:cNvPr>
+            <p:cNvSpPr/>
+            <p:nvPr/>
+          </p:nvSpPr>
+          <p:spPr bwMode="auto">
+            <a:xfrm>
+              <a:off x="3765888" y="5245768"/>
+              <a:ext cx="360948" cy="360948"/>
+            </a:xfrm>
+            <a:prstGeom prst="rect">
+              <a:avLst/>
+            </a:prstGeom>
+            <a:solidFill>
+              <a:schemeClr val="bg1"/>
+            </a:solidFill>
+            <a:ln>
+              <a:solidFill>
+                <a:schemeClr val="bg1">
+                  <a:lumMod val="75000"/>
+                </a:schemeClr>
+              </a:solidFill>
+            </a:ln>
+            <a:effectLst/>
+            <a:extLst>
+              <a:ext uri="{909E8E84-426E-40dd-AFC4-6F175D3DCCD1}">
+                <a14:hiddenFill xmlns:a14="http://schemas.microsoft.com/office/drawing/2010/main" xmlns="">
+                  <a:solidFill>
+                    <a:schemeClr val="accent1"/>
+                  </a:solidFill>
+                </a14:hiddenFill>
+              </a:ext>
+              <a:ext uri="{91240B29-F687-4f45-9708-019B960494DF}">
+                <a14:hiddenLine xmlns:a14="http://schemas.microsoft.com/office/drawing/2010/main" xmlns="" w="9525" cap="flat" cmpd="sng" algn="ctr">
+                  <a:solidFill>
+                    <a:schemeClr val="tx1"/>
+                  </a:solidFill>
+                  <a:prstDash val="solid"/>
+                  <a:round/>
+                  <a:headEnd type="none" w="med" len="med"/>
+                  <a:tailEnd type="none" w="med" len="med"/>
+                </a14:hiddenLine>
+              </a:ext>
+              <a:ext uri="{AF507438-7753-43e0-B8FC-AC1667EBCBE1}">
+                <a14:hiddenEffects xmlns:a14="http://schemas.microsoft.com/office/drawing/2010/main" xmlns="">
+                  <a:effectLst>
+                    <a:outerShdw blurRad="63500" dist="35921" dir="2700000" algn="ctr" rotWithShape="0">
+                      <a:schemeClr val="bg2"/>
+                    </a:outerShdw>
+                  </a:effectLst>
+                </a14:hiddenEffects>
+              </a:ext>
+            </a:extLst>
+          </p:spPr>
+          <p:txBody>
+            <a:bodyPr vert="horz" wrap="square" lIns="91440" tIns="45720" rIns="91440" bIns="45720" numCol="1" rtlCol="0" anchor="t" anchorCtr="0" compatLnSpc="1">
+              <a:prstTxWarp prst="textNoShape">
+                <a:avLst/>
+              </a:prstTxWarp>
+            </a:bodyPr>
+            <a:lstStyle/>
+            <a:p>
+              <a:pPr algn="ctr"/>
+              <a:endParaRPr lang="en-US" dirty="0">
+                <a:solidFill>
+                  <a:schemeClr val="tx1">
+                    <a:lumMod val="65000"/>
+                    <a:lumOff val="35000"/>
+                  </a:schemeClr>
+                </a:solidFill>
+                <a:latin typeface="Hiragino Kaku Gothic Pro W3" charset="-128"/>
+                <a:ea typeface="Hiragino Kaku Gothic Pro W3" charset="-128"/>
+                <a:cs typeface="Hiragino Kaku Gothic Pro W3" charset="-128"/>
+              </a:endParaRPr>
+            </a:p>
+          </p:txBody>
+        </p:sp>
+        <p:sp>
+          <p:nvSpPr>
+            <p:cNvPr id="24" name="Rectangle 23">
+              <a:extLst>
+                <a:ext uri="{FF2B5EF4-FFF2-40B4-BE49-F238E27FC236}">
+                  <a16:creationId xmlns:a16="http://schemas.microsoft.com/office/drawing/2014/main" id="{3C35DFEA-5EEF-7143-BE7D-B444DAC094C3}"/>
+                </a:ext>
+              </a:extLst>
+            </p:cNvPr>
+            <p:cNvSpPr/>
+            <p:nvPr/>
+          </p:nvSpPr>
+          <p:spPr bwMode="auto">
+            <a:xfrm>
+              <a:off x="4126836" y="5245768"/>
+              <a:ext cx="360948" cy="360948"/>
+            </a:xfrm>
+            <a:prstGeom prst="rect">
+              <a:avLst/>
+            </a:prstGeom>
+            <a:solidFill>
+              <a:schemeClr val="bg1">
+                <a:lumMod val="85000"/>
+              </a:schemeClr>
+            </a:solidFill>
+            <a:ln>
+              <a:solidFill>
+                <a:schemeClr val="bg1">
+                  <a:lumMod val="75000"/>
+                </a:schemeClr>
+              </a:solidFill>
+            </a:ln>
+            <a:effectLst/>
+            <a:extLst>
+              <a:ext uri="{909E8E84-426E-40dd-AFC4-6F175D3DCCD1}">
+                <a14:hiddenFill xmlns:a14="http://schemas.microsoft.com/office/drawing/2010/main" xmlns="">
+                  <a:solidFill>
+                    <a:schemeClr val="accent1"/>
+                  </a:solidFill>
+                </a14:hiddenFill>
+              </a:ext>
+              <a:ext uri="{91240B29-F687-4f45-9708-019B960494DF}">
+                <a14:hiddenLine xmlns:a14="http://schemas.microsoft.com/office/drawing/2010/main" xmlns="" w="9525" cap="flat" cmpd="sng" algn="ctr">
+                  <a:solidFill>
+                    <a:schemeClr val="tx1"/>
+                  </a:solidFill>
+                  <a:prstDash val="solid"/>
+                  <a:round/>
+                  <a:headEnd type="none" w="med" len="med"/>
+                  <a:tailEnd type="none" w="med" len="med"/>
+                </a14:hiddenLine>
+              </a:ext>
+              <a:ext uri="{AF507438-7753-43e0-B8FC-AC1667EBCBE1}">
+                <a14:hiddenEffects xmlns:a14="http://schemas.microsoft.com/office/drawing/2010/main" xmlns="">
+                  <a:effectLst>
+                    <a:outerShdw blurRad="63500" dist="35921" dir="2700000" algn="ctr" rotWithShape="0">
+                      <a:schemeClr val="bg2"/>
+                    </a:outerShdw>
+                  </a:effectLst>
+                </a14:hiddenEffects>
+              </a:ext>
+            </a:extLst>
+          </p:spPr>
+          <p:txBody>
+            <a:bodyPr vert="horz" wrap="square" lIns="91440" tIns="45720" rIns="91440" bIns="45720" numCol="1" rtlCol="0" anchor="t" anchorCtr="0" compatLnSpc="1">
+              <a:prstTxWarp prst="textNoShape">
+                <a:avLst/>
+              </a:prstTxWarp>
+            </a:bodyPr>
+            <a:lstStyle/>
+            <a:p>
+              <a:pPr algn="ctr"/>
+              <a:endParaRPr lang="en-US" dirty="0">
+                <a:solidFill>
+                  <a:schemeClr val="tx1">
+                    <a:lumMod val="65000"/>
+                    <a:lumOff val="35000"/>
+                  </a:schemeClr>
+                </a:solidFill>
+                <a:latin typeface="Hiragino Kaku Gothic Pro W3" charset="-128"/>
+                <a:ea typeface="Hiragino Kaku Gothic Pro W3" charset="-128"/>
+                <a:cs typeface="Hiragino Kaku Gothic Pro W3" charset="-128"/>
+              </a:endParaRPr>
+            </a:p>
+          </p:txBody>
+        </p:sp>
+        <p:sp>
+          <p:nvSpPr>
+            <p:cNvPr id="25" name="Rectangle 24">
+              <a:extLst>
+                <a:ext uri="{FF2B5EF4-FFF2-40B4-BE49-F238E27FC236}">
+                  <a16:creationId xmlns:a16="http://schemas.microsoft.com/office/drawing/2014/main" id="{90BA79AB-2C34-EC4C-9CDA-909C2E1E539C}"/>
+                </a:ext>
+              </a:extLst>
+            </p:cNvPr>
+            <p:cNvSpPr/>
+            <p:nvPr/>
+          </p:nvSpPr>
+          <p:spPr bwMode="auto">
+            <a:xfrm>
+              <a:off x="4487784" y="5245768"/>
+              <a:ext cx="360948" cy="360948"/>
+            </a:xfrm>
+            <a:prstGeom prst="rect">
+              <a:avLst/>
+            </a:prstGeom>
+            <a:solidFill>
+              <a:schemeClr val="bg1"/>
+            </a:solidFill>
+            <a:ln>
+              <a:solidFill>
+                <a:schemeClr val="bg1">
+                  <a:lumMod val="75000"/>
+                </a:schemeClr>
+              </a:solidFill>
+            </a:ln>
+            <a:effectLst/>
+            <a:extLst>
+              <a:ext uri="{909E8E84-426E-40dd-AFC4-6F175D3DCCD1}">
+                <a14:hiddenFill xmlns:a14="http://schemas.microsoft.com/office/drawing/2010/main" xmlns="">
+                  <a:solidFill>
+                    <a:schemeClr val="accent1"/>
+                  </a:solidFill>
+                </a14:hiddenFill>
+              </a:ext>
+              <a:ext uri="{91240B29-F687-4f45-9708-019B960494DF}">
+                <a14:hiddenLine xmlns:a14="http://schemas.microsoft.com/office/drawing/2010/main" xmlns="" w="9525" cap="flat" cmpd="sng" algn="ctr">
+                  <a:solidFill>
+                    <a:schemeClr val="tx1"/>
+                  </a:solidFill>
+                  <a:prstDash val="solid"/>
+                  <a:round/>
+                  <a:headEnd type="none" w="med" len="med"/>
+                  <a:tailEnd type="none" w="med" len="med"/>
+                </a14:hiddenLine>
+              </a:ext>
+              <a:ext uri="{AF507438-7753-43e0-B8FC-AC1667EBCBE1}">
+                <a14:hiddenEffects xmlns:a14="http://schemas.microsoft.com/office/drawing/2010/main" xmlns="">
+                  <a:effectLst>
+                    <a:outerShdw blurRad="63500" dist="35921" dir="2700000" algn="ctr" rotWithShape="0">
+                      <a:schemeClr val="bg2"/>
+                    </a:outerShdw>
+                  </a:effectLst>
+                </a14:hiddenEffects>
+              </a:ext>
+            </a:extLst>
+          </p:spPr>
+          <p:txBody>
+            <a:bodyPr vert="horz" wrap="square" lIns="91440" tIns="45720" rIns="91440" bIns="45720" numCol="1" rtlCol="0" anchor="t" anchorCtr="0" compatLnSpc="1">
+              <a:prstTxWarp prst="textNoShape">
+                <a:avLst/>
+              </a:prstTxWarp>
+            </a:bodyPr>
+            <a:lstStyle/>
+            <a:p>
+              <a:pPr algn="ctr"/>
+              <a:endParaRPr lang="en-US" dirty="0">
+                <a:solidFill>
+                  <a:schemeClr val="tx1">
+                    <a:lumMod val="65000"/>
+                    <a:lumOff val="35000"/>
+                  </a:schemeClr>
+                </a:solidFill>
+                <a:latin typeface="Hiragino Kaku Gothic Pro W3" charset="-128"/>
+                <a:ea typeface="Hiragino Kaku Gothic Pro W3" charset="-128"/>
+                <a:cs typeface="Hiragino Kaku Gothic Pro W3" charset="-128"/>
+              </a:endParaRPr>
+            </a:p>
+          </p:txBody>
+        </p:sp>
+      </p:grpSp>
+      <p:sp>
+        <p:nvSpPr>
+          <p:cNvPr id="32" name="TextBox 31">
+            <a:extLst>
+              <a:ext uri="{FF2B5EF4-FFF2-40B4-BE49-F238E27FC236}">
+                <a16:creationId xmlns:a16="http://schemas.microsoft.com/office/drawing/2014/main" id="{904FE29C-2F32-5247-816E-E14E638D53EB}"/>
+              </a:ext>
+            </a:extLst>
+          </p:cNvPr>
+          <p:cNvSpPr txBox="1"/>
+          <p:nvPr/>
+        </p:nvSpPr>
+        <p:spPr>
+          <a:xfrm>
+            <a:off x="5137484" y="5853365"/>
+            <a:ext cx="1031051" cy="430887"/>
+          </a:xfrm>
+          <a:prstGeom prst="rect">
+            <a:avLst/>
+          </a:prstGeom>
+          <a:noFill/>
+        </p:spPr>
+        <p:txBody>
+          <a:bodyPr wrap="none" rtlCol="0">
+            <a:spAutoFit/>
+          </a:bodyPr>
+          <a:lstStyle/>
+          <a:p>
+            <a:r>
+              <a:rPr lang="en-US" dirty="0">
+                <a:solidFill>
+                  <a:schemeClr val="tx1"/>
+                </a:solidFill>
+                <a:latin typeface="Hiragino Kaku Gothic Pro W3" charset="-128"/>
+                <a:ea typeface="Hiragino Kaku Gothic Pro W3" charset="-128"/>
+                <a:cs typeface="Hiragino Kaku Gothic Pro W3" charset="-128"/>
+              </a:rPr>
+              <a:t>・・・</a:t>
+            </a:r>
+          </a:p>
+        </p:txBody>
+      </p:sp>
+      <p:cxnSp>
+        <p:nvCxnSpPr>
+          <p:cNvPr id="35" name="Straight Arrow Connector 34">
+            <a:extLst>
+              <a:ext uri="{FF2B5EF4-FFF2-40B4-BE49-F238E27FC236}">
+                <a16:creationId xmlns:a16="http://schemas.microsoft.com/office/drawing/2014/main" id="{68C5586F-1473-1548-8565-006A8CD880A6}"/>
+              </a:ext>
+            </a:extLst>
+          </p:cNvPr>
+          <p:cNvCxnSpPr>
+            <a:cxnSpLocks/>
+            <a:stCxn id="14" idx="2"/>
+          </p:cNvCxnSpPr>
+          <p:nvPr/>
+        </p:nvCxnSpPr>
+        <p:spPr bwMode="auto">
+          <a:xfrm>
+            <a:off x="3175001" y="4581784"/>
+            <a:ext cx="0" cy="1169311"/>
+          </a:xfrm>
+          <a:prstGeom prst="straightConnector1">
+            <a:avLst/>
+          </a:prstGeom>
+          <a:noFill/>
+          <a:ln>
+            <a:solidFill>
+              <a:schemeClr val="accent4"/>
+            </a:solidFill>
+            <a:tailEnd type="triangle"/>
+          </a:ln>
+          <a:effectLst/>
+          <a:extLst>
+            <a:ext uri="{909E8E84-426E-40dd-AFC4-6F175D3DCCD1}">
+              <a14:hiddenFill xmlns:a14="http://schemas.microsoft.com/office/drawing/2010/main" xmlns="">
+                <a:solidFill>
+                  <a:schemeClr val="accent1"/>
+                </a:solidFill>
+              </a14:hiddenFill>
+            </a:ext>
+            <a:ext uri="{91240B29-F687-4f45-9708-019B960494DF}">
+              <a14:hiddenLine xmlns:a14="http://schemas.microsoft.com/office/drawing/2010/main" xmlns="" w="9525" cap="flat" cmpd="sng" algn="ctr">
+                <a:solidFill>
+                  <a:schemeClr val="tx1"/>
+                </a:solidFill>
+                <a:prstDash val="solid"/>
+                <a:round/>
+                <a:headEnd type="none" w="med" len="med"/>
+                <a:tailEnd type="none" w="med" len="med"/>
+              </a14:hiddenLine>
+            </a:ext>
+            <a:ext uri="{AF507438-7753-43e0-B8FC-AC1667EBCBE1}">
+              <a14:hiddenEffects xmlns:a14="http://schemas.microsoft.com/office/drawing/2010/main" xmlns="">
+                <a:effectLst>
+                  <a:outerShdw blurRad="63500" dist="35921" dir="2700000" algn="ctr" rotWithShape="0">
+                    <a:schemeClr val="bg2"/>
+                  </a:outerShdw>
+                </a:effectLst>
+              </a14:hiddenEffects>
+            </a:ext>
+          </a:extLst>
+        </p:spPr>
+      </p:cxnSp>
+      <p:sp>
+        <p:nvSpPr>
+          <p:cNvPr id="36" name="TextBox 35">
+            <a:extLst>
+              <a:ext uri="{FF2B5EF4-FFF2-40B4-BE49-F238E27FC236}">
+                <a16:creationId xmlns:a16="http://schemas.microsoft.com/office/drawing/2014/main" id="{D1FFC0D8-FD83-814F-B474-64E84120F159}"/>
+              </a:ext>
+            </a:extLst>
+          </p:cNvPr>
+          <p:cNvSpPr txBox="1"/>
+          <p:nvPr/>
+        </p:nvSpPr>
+        <p:spPr>
+          <a:xfrm>
+            <a:off x="1574165" y="4915730"/>
+            <a:ext cx="5827236" cy="430887"/>
+          </a:xfrm>
+          <a:prstGeom prst="rect">
+            <a:avLst/>
+          </a:prstGeom>
+          <a:solidFill>
+            <a:schemeClr val="bg1"/>
+          </a:solidFill>
+        </p:spPr>
+        <p:txBody>
+          <a:bodyPr wrap="none" rtlCol="0">
+            <a:spAutoFit/>
+          </a:bodyPr>
+          <a:lstStyle/>
+          <a:p>
+            <a:r>
+              <a:rPr lang="ja-JP" altLang="en-US">
+                <a:solidFill>
+                  <a:schemeClr val="tx1"/>
+                </a:solidFill>
+                <a:latin typeface="Hiragino Kaku Gothic Pro W3" charset="-128"/>
+                <a:ea typeface="Hiragino Kaku Gothic Pro W3" charset="-128"/>
+                <a:cs typeface="Hiragino Kaku Gothic Pro W3" charset="-128"/>
+              </a:rPr>
+              <a:t>各行を連結して一本にするとベクトルになる</a:t>
+            </a:r>
+            <a:endParaRPr lang="en-US" dirty="0">
+              <a:solidFill>
+                <a:schemeClr val="tx1"/>
+              </a:solidFill>
+              <a:latin typeface="Hiragino Kaku Gothic Pro W3" charset="-128"/>
+              <a:ea typeface="Hiragino Kaku Gothic Pro W3" charset="-128"/>
+              <a:cs typeface="Hiragino Kaku Gothic Pro W3" charset="-128"/>
+            </a:endParaRPr>
+          </a:p>
+        </p:txBody>
+      </p:sp>
+    </p:spTree>
+    <p:extLst>
+      <p:ext uri="{BB962C8B-B14F-4D97-AF65-F5344CB8AC3E}">
+        <p14:creationId xmlns:p14="http://schemas.microsoft.com/office/powerpoint/2010/main" val="3694109880"/>
+      </p:ext>
+    </p:extLst>
+  </p:cSld>
+  <p:clrMapOvr>
+    <a:masterClrMapping/>
+  </p:clrMapOvr>
+</p:sld>
+</file>
+
+<file path=ppt/slides/slide6.xml><?xml version="1.0" encoding="utf-8"?>
+<p:sld xmlns:a="http://schemas.openxmlformats.org/drawingml/2006/main" xmlns:r="http://schemas.openxmlformats.org/officeDocument/2006/relationships" xmlns:p="http://schemas.openxmlformats.org/presentationml/2006/main">
+  <p:cSld>
+    <p:spTree>
+      <p:nvGrpSpPr>
+        <p:cNvPr id="1" name=""/>
+        <p:cNvGrpSpPr/>
+        <p:nvPr/>
+      </p:nvGrpSpPr>
+      <p:grpSpPr>
+        <a:xfrm>
+          <a:off x="0" y="0"/>
+          <a:ext cx="0" cy="0"/>
+          <a:chOff x="0" y="0"/>
+          <a:chExt cx="0" cy="0"/>
+        </a:xfrm>
+      </p:grpSpPr>
+      <p:sp>
+        <p:nvSpPr>
+          <p:cNvPr id="2" name="Title 1">
+            <a:extLst>
+              <a:ext uri="{FF2B5EF4-FFF2-40B4-BE49-F238E27FC236}">
+                <a16:creationId xmlns:a16="http://schemas.microsoft.com/office/drawing/2014/main" id="{C9BAF457-6B76-5143-92E1-79547B3CFB27}"/>
+              </a:ext>
+            </a:extLst>
+          </p:cNvPr>
+          <p:cNvSpPr>
+            <a:spLocks noGrp="1"/>
+          </p:cNvSpPr>
+          <p:nvPr>
+            <p:ph type="title"/>
+          </p:nvPr>
+        </p:nvSpPr>
+        <p:spPr/>
+        <p:txBody>
+          <a:bodyPr/>
+          <a:lstStyle/>
+          <a:p>
+            <a:endParaRPr lang="en-US"/>
+          </a:p>
+        </p:txBody>
+      </p:sp>
+      <p:sp>
+        <p:nvSpPr>
+          <p:cNvPr id="3" name="Content Placeholder 2">
+            <a:extLst>
+              <a:ext uri="{FF2B5EF4-FFF2-40B4-BE49-F238E27FC236}">
+                <a16:creationId xmlns:a16="http://schemas.microsoft.com/office/drawing/2014/main" id="{94AAAF5F-1353-C949-B4FE-6D5D48F468BA}"/>
+              </a:ext>
+            </a:extLst>
+          </p:cNvPr>
+          <p:cNvSpPr>
+            <a:spLocks noGrp="1"/>
+          </p:cNvSpPr>
+          <p:nvPr>
+            <p:ph idx="1"/>
+          </p:nvPr>
+        </p:nvSpPr>
+        <p:spPr/>
+        <p:txBody>
+          <a:bodyPr/>
+          <a:lstStyle/>
+          <a:p>
+            <a:endParaRPr lang="en-US"/>
+          </a:p>
+        </p:txBody>
+      </p:sp>
+      <p:sp>
+        <p:nvSpPr>
+          <p:cNvPr id="4" name="Slide Number Placeholder 3">
+            <a:extLst>
+              <a:ext uri="{FF2B5EF4-FFF2-40B4-BE49-F238E27FC236}">
+                <a16:creationId xmlns:a16="http://schemas.microsoft.com/office/drawing/2014/main" id="{F127C0FA-C743-3E4D-A0BB-411466942D84}"/>
+              </a:ext>
+            </a:extLst>
+          </p:cNvPr>
+          <p:cNvSpPr>
+            <a:spLocks noGrp="1"/>
+          </p:cNvSpPr>
+          <p:nvPr>
+            <p:ph type="sldNum" sz="quarter" idx="10"/>
+          </p:nvPr>
+        </p:nvSpPr>
+        <p:spPr/>
+        <p:txBody>
+          <a:bodyPr/>
+          <a:lstStyle/>
+          <a:p>
+            <a:pPr>
+              <a:defRPr/>
+            </a:pPr>
+            <a:fld id="{FC0FCC19-9270-4CE2-A905-B6EAC36C9267}" type="slidenum">
+              <a:rPr lang="en-US" altLang="ja-JP" smtClean="0"/>
+              <a:pPr>
+                <a:defRPr/>
+              </a:pPr>
+              <a:t>6</a:t>
+            </a:fld>
+            <a:endParaRPr lang="en-US" altLang="ja-JP" dirty="0"/>
+          </a:p>
+        </p:txBody>
+      </p:sp>
+      <p:sp>
+        <p:nvSpPr>
+          <p:cNvPr id="5" name="Text Placeholder 4">
+            <a:extLst>
+              <a:ext uri="{FF2B5EF4-FFF2-40B4-BE49-F238E27FC236}">
+                <a16:creationId xmlns:a16="http://schemas.microsoft.com/office/drawing/2014/main" id="{A79DB360-A317-214C-95B1-F55575B741C1}"/>
+              </a:ext>
+            </a:extLst>
+          </p:cNvPr>
+          <p:cNvSpPr>
+            <a:spLocks noGrp="1"/>
+          </p:cNvSpPr>
+          <p:nvPr>
+            <p:ph type="body" sz="quarter" idx="13"/>
+          </p:nvPr>
+        </p:nvSpPr>
+        <p:spPr/>
+        <p:txBody>
+          <a:bodyPr/>
+          <a:lstStyle/>
+          <a:p>
+            <a:endParaRPr lang="en-US"/>
+          </a:p>
+        </p:txBody>
+      </p:sp>
+    </p:spTree>
+    <p:extLst>
+      <p:ext uri="{BB962C8B-B14F-4D97-AF65-F5344CB8AC3E}">
+        <p14:creationId xmlns:p14="http://schemas.microsoft.com/office/powerpoint/2010/main" val="1755611967"/>
       </p:ext>
     </p:extLst>
   </p:cSld>
